--- a/Administrator pages.pptx
+++ b/Administrator pages.pptx
@@ -11,6 +11,11 @@
     <p:sldId id="259" r:id="rId5"/>
     <p:sldId id="260" r:id="rId6"/>
     <p:sldId id="261" r:id="rId7"/>
+    <p:sldId id="262" r:id="rId8"/>
+    <p:sldId id="263" r:id="rId9"/>
+    <p:sldId id="264" r:id="rId10"/>
+    <p:sldId id="265" r:id="rId11"/>
+    <p:sldId id="266" r:id="rId12"/>
   </p:sldIdLst>
   <p:sldSz cx="12192000" cy="6858000"/>
   <p:notesSz cx="6858000" cy="9144000"/>
@@ -109,6 +114,11 @@
       </a:defRPr>
     </a:lvl9pPr>
   </p:defaultTextStyle>
+  <p:extLst>
+    <p:ext uri="{EFAFB233-063F-42B5-8137-9DF3F51BA10A}">
+      <p15:sldGuideLst xmlns:p15="http://schemas.microsoft.com/office/powerpoint/2012/main"/>
+    </p:ext>
+  </p:extLst>
 </p:presentation>
 </file>
 
@@ -3409,7 +3419,7 @@
         </p:nvSpPr>
         <p:spPr>
           <a:xfrm>
-            <a:off x="8017566" y="743851"/>
+            <a:off x="8017566" y="718451"/>
             <a:ext cx="1311966" cy="369332"/>
           </a:xfrm>
           <a:prstGeom prst="rect">
@@ -3726,6 +3736,2435 @@
     <p:extLst>
       <p:ext uri="{BB962C8B-B14F-4D97-AF65-F5344CB8AC3E}">
         <p14:creationId xmlns:p14="http://schemas.microsoft.com/office/powerpoint/2010/main" val="1644127677"/>
+      </p:ext>
+    </p:extLst>
+  </p:cSld>
+  <p:clrMapOvr>
+    <a:masterClrMapping/>
+  </p:clrMapOvr>
+</p:sld>
+</file>
+
+<file path=ppt/slides/slide10.xml><?xml version="1.0" encoding="utf-8"?>
+<p:sld xmlns:a="http://schemas.openxmlformats.org/drawingml/2006/main" xmlns:r="http://schemas.openxmlformats.org/officeDocument/2006/relationships" xmlns:p="http://schemas.openxmlformats.org/presentationml/2006/main">
+  <p:cSld>
+    <p:spTree>
+      <p:nvGrpSpPr>
+        <p:cNvPr id="1" name=""/>
+        <p:cNvGrpSpPr/>
+        <p:nvPr/>
+      </p:nvGrpSpPr>
+      <p:grpSpPr>
+        <a:xfrm>
+          <a:off x="0" y="0"/>
+          <a:ext cx="0" cy="0"/>
+          <a:chOff x="0" y="0"/>
+          <a:chExt cx="0" cy="0"/>
+        </a:xfrm>
+      </p:grpSpPr>
+      <p:sp>
+        <p:nvSpPr>
+          <p:cNvPr id="4" name="TextBox 3">
+            <a:extLst>
+              <a:ext uri="{FF2B5EF4-FFF2-40B4-BE49-F238E27FC236}">
+                <a16:creationId xmlns:a16="http://schemas.microsoft.com/office/drawing/2014/main" id="{58573E4E-8B92-464C-A313-BEBD5DA96CDD}"/>
+              </a:ext>
+            </a:extLst>
+          </p:cNvPr>
+          <p:cNvSpPr txBox="1"/>
+          <p:nvPr/>
+        </p:nvSpPr>
+        <p:spPr>
+          <a:xfrm>
+            <a:off x="689112" y="593828"/>
+            <a:ext cx="4678018" cy="646331"/>
+          </a:xfrm>
+          <a:prstGeom prst="rect">
+            <a:avLst/>
+          </a:prstGeom>
+          <a:noFill/>
+        </p:spPr>
+        <p:txBody>
+          <a:bodyPr wrap="square" rtlCol="0">
+            <a:spAutoFit/>
+          </a:bodyPr>
+          <a:lstStyle/>
+          <a:p>
+            <a:r>
+              <a:rPr lang="en-US" sz="3600" dirty="0"/>
+              <a:t>My Profile</a:t>
+            </a:r>
+            <a:endParaRPr lang="en-ID" sz="3600" dirty="0"/>
+          </a:p>
+        </p:txBody>
+      </p:sp>
+      <p:sp>
+        <p:nvSpPr>
+          <p:cNvPr id="5" name="TextBox 4">
+            <a:extLst>
+              <a:ext uri="{FF2B5EF4-FFF2-40B4-BE49-F238E27FC236}">
+                <a16:creationId xmlns:a16="http://schemas.microsoft.com/office/drawing/2014/main" id="{B3B69308-61CD-4618-8691-C41090DE6E85}"/>
+              </a:ext>
+            </a:extLst>
+          </p:cNvPr>
+          <p:cNvSpPr txBox="1"/>
+          <p:nvPr/>
+        </p:nvSpPr>
+        <p:spPr>
+          <a:xfrm>
+            <a:off x="8761863" y="743851"/>
+            <a:ext cx="1714081" cy="369332"/>
+          </a:xfrm>
+          <a:prstGeom prst="rect">
+            <a:avLst/>
+          </a:prstGeom>
+          <a:noFill/>
+        </p:spPr>
+        <p:txBody>
+          <a:bodyPr wrap="square" rtlCol="0">
+            <a:spAutoFit/>
+          </a:bodyPr>
+          <a:lstStyle/>
+          <a:p>
+            <a:r>
+              <a:rPr lang="en-US" dirty="0"/>
+              <a:t>My Transaction</a:t>
+            </a:r>
+            <a:endParaRPr lang="en-ID" dirty="0"/>
+          </a:p>
+        </p:txBody>
+      </p:sp>
+      <p:sp>
+        <p:nvSpPr>
+          <p:cNvPr id="7" name="TextBox 6">
+            <a:extLst>
+              <a:ext uri="{FF2B5EF4-FFF2-40B4-BE49-F238E27FC236}">
+                <a16:creationId xmlns:a16="http://schemas.microsoft.com/office/drawing/2014/main" id="{5C09185B-C102-4DA4-BD0A-A95762DE3047}"/>
+              </a:ext>
+            </a:extLst>
+          </p:cNvPr>
+          <p:cNvSpPr txBox="1"/>
+          <p:nvPr/>
+        </p:nvSpPr>
+        <p:spPr>
+          <a:xfrm>
+            <a:off x="10701129" y="743851"/>
+            <a:ext cx="1311966" cy="369332"/>
+          </a:xfrm>
+          <a:prstGeom prst="rect">
+            <a:avLst/>
+          </a:prstGeom>
+          <a:noFill/>
+        </p:spPr>
+        <p:txBody>
+          <a:bodyPr wrap="square" rtlCol="0">
+            <a:spAutoFit/>
+          </a:bodyPr>
+          <a:lstStyle/>
+          <a:p>
+            <a:r>
+              <a:rPr lang="en-US" dirty="0"/>
+              <a:t>Logout</a:t>
+            </a:r>
+            <a:endParaRPr lang="en-ID" dirty="0"/>
+          </a:p>
+        </p:txBody>
+      </p:sp>
+      <p:sp>
+        <p:nvSpPr>
+          <p:cNvPr id="24" name="TextBox 23">
+            <a:extLst>
+              <a:ext uri="{FF2B5EF4-FFF2-40B4-BE49-F238E27FC236}">
+                <a16:creationId xmlns:a16="http://schemas.microsoft.com/office/drawing/2014/main" id="{4838E431-7C75-4D72-AED9-80C0E6FFC3AF}"/>
+              </a:ext>
+            </a:extLst>
+          </p:cNvPr>
+          <p:cNvSpPr txBox="1"/>
+          <p:nvPr/>
+        </p:nvSpPr>
+        <p:spPr>
+          <a:xfrm>
+            <a:off x="0" y="0"/>
+            <a:ext cx="6546574" cy="369332"/>
+          </a:xfrm>
+          <a:prstGeom prst="rect">
+            <a:avLst/>
+          </a:prstGeom>
+          <a:solidFill>
+            <a:schemeClr val="accent4">
+              <a:lumMod val="20000"/>
+              <a:lumOff val="80000"/>
+            </a:schemeClr>
+          </a:solidFill>
+          <a:ln>
+            <a:solidFill>
+              <a:schemeClr val="accent4">
+                <a:lumMod val="60000"/>
+                <a:lumOff val="40000"/>
+              </a:schemeClr>
+            </a:solidFill>
+          </a:ln>
+          <a:effectLst>
+            <a:outerShdw blurRad="50800" dist="38100" dir="2700000" algn="tl" rotWithShape="0">
+              <a:prstClr val="black">
+                <a:alpha val="40000"/>
+              </a:prstClr>
+            </a:outerShdw>
+          </a:effectLst>
+        </p:spPr>
+        <p:txBody>
+          <a:bodyPr wrap="square" rtlCol="0">
+            <a:spAutoFit/>
+          </a:bodyPr>
+          <a:lstStyle/>
+          <a:p>
+            <a:r>
+              <a:rPr lang="en-US" dirty="0">
+                <a:solidFill>
+                  <a:schemeClr val="bg1">
+                    <a:lumMod val="65000"/>
+                  </a:schemeClr>
+                </a:solidFill>
+              </a:rPr>
+              <a:t>Member QR Code. Kiosk will scan this code to identifying member</a:t>
+            </a:r>
+            <a:endParaRPr lang="en-ID" dirty="0">
+              <a:solidFill>
+                <a:schemeClr val="bg1">
+                  <a:lumMod val="65000"/>
+                </a:schemeClr>
+              </a:solidFill>
+            </a:endParaRPr>
+          </a:p>
+        </p:txBody>
+      </p:sp>
+      <p:sp>
+        <p:nvSpPr>
+          <p:cNvPr id="25" name="TextBox 24">
+            <a:extLst>
+              <a:ext uri="{FF2B5EF4-FFF2-40B4-BE49-F238E27FC236}">
+                <a16:creationId xmlns:a16="http://schemas.microsoft.com/office/drawing/2014/main" id="{0717A534-D6DE-4196-BA30-869D9D4745B4}"/>
+              </a:ext>
+            </a:extLst>
+          </p:cNvPr>
+          <p:cNvSpPr txBox="1"/>
+          <p:nvPr/>
+        </p:nvSpPr>
+        <p:spPr>
+          <a:xfrm>
+            <a:off x="812800" y="1253143"/>
+            <a:ext cx="1311966" cy="369332"/>
+          </a:xfrm>
+          <a:prstGeom prst="rect">
+            <a:avLst/>
+          </a:prstGeom>
+          <a:noFill/>
+        </p:spPr>
+        <p:txBody>
+          <a:bodyPr wrap="square" rtlCol="0">
+            <a:spAutoFit/>
+          </a:bodyPr>
+          <a:lstStyle/>
+          <a:p>
+            <a:r>
+              <a:rPr lang="en-US" dirty="0"/>
+              <a:t>Hi, Sandra</a:t>
+            </a:r>
+            <a:endParaRPr lang="en-ID" dirty="0"/>
+          </a:p>
+        </p:txBody>
+      </p:sp>
+      <p:sp>
+        <p:nvSpPr>
+          <p:cNvPr id="22" name="TextBox 21">
+            <a:extLst>
+              <a:ext uri="{FF2B5EF4-FFF2-40B4-BE49-F238E27FC236}">
+                <a16:creationId xmlns:a16="http://schemas.microsoft.com/office/drawing/2014/main" id="{FCD9D837-59AA-4A16-8296-C1349FA4D894}"/>
+              </a:ext>
+            </a:extLst>
+          </p:cNvPr>
+          <p:cNvSpPr txBox="1"/>
+          <p:nvPr/>
+        </p:nvSpPr>
+        <p:spPr>
+          <a:xfrm>
+            <a:off x="7470864" y="743851"/>
+            <a:ext cx="1714081" cy="369332"/>
+          </a:xfrm>
+          <a:prstGeom prst="rect">
+            <a:avLst/>
+          </a:prstGeom>
+          <a:noFill/>
+        </p:spPr>
+        <p:txBody>
+          <a:bodyPr wrap="square" rtlCol="0">
+            <a:spAutoFit/>
+          </a:bodyPr>
+          <a:lstStyle/>
+          <a:p>
+            <a:r>
+              <a:rPr lang="en-US" dirty="0"/>
+              <a:t>QR Code</a:t>
+            </a:r>
+            <a:endParaRPr lang="en-ID" dirty="0"/>
+          </a:p>
+        </p:txBody>
+      </p:sp>
+      <p:sp>
+        <p:nvSpPr>
+          <p:cNvPr id="29" name="TextBox 28">
+            <a:extLst>
+              <a:ext uri="{FF2B5EF4-FFF2-40B4-BE49-F238E27FC236}">
+                <a16:creationId xmlns:a16="http://schemas.microsoft.com/office/drawing/2014/main" id="{B7D59912-D5BB-47CD-9672-0FF6DE6F51CA}"/>
+              </a:ext>
+            </a:extLst>
+          </p:cNvPr>
+          <p:cNvSpPr txBox="1"/>
+          <p:nvPr/>
+        </p:nvSpPr>
+        <p:spPr>
+          <a:xfrm>
+            <a:off x="6096000" y="1705186"/>
+            <a:ext cx="2438399" cy="369332"/>
+          </a:xfrm>
+          <a:prstGeom prst="rect">
+            <a:avLst/>
+          </a:prstGeom>
+          <a:noFill/>
+        </p:spPr>
+        <p:txBody>
+          <a:bodyPr wrap="square" rtlCol="0">
+            <a:spAutoFit/>
+          </a:bodyPr>
+          <a:lstStyle/>
+          <a:p>
+            <a:r>
+              <a:rPr lang="en-US" b="1" dirty="0"/>
+              <a:t>Update Profile Data</a:t>
+            </a:r>
+            <a:endParaRPr lang="en-ID" b="1" dirty="0"/>
+          </a:p>
+        </p:txBody>
+      </p:sp>
+      <p:sp>
+        <p:nvSpPr>
+          <p:cNvPr id="30" name="TextBox 29">
+            <a:extLst>
+              <a:ext uri="{FF2B5EF4-FFF2-40B4-BE49-F238E27FC236}">
+                <a16:creationId xmlns:a16="http://schemas.microsoft.com/office/drawing/2014/main" id="{E55DC7E3-A4C5-49BA-8661-FE73F2985E5D}"/>
+              </a:ext>
+            </a:extLst>
+          </p:cNvPr>
+          <p:cNvSpPr txBox="1"/>
+          <p:nvPr/>
+        </p:nvSpPr>
+        <p:spPr>
+          <a:xfrm>
+            <a:off x="6096000" y="745975"/>
+            <a:ext cx="1714081" cy="369332"/>
+          </a:xfrm>
+          <a:prstGeom prst="rect">
+            <a:avLst/>
+          </a:prstGeom>
+          <a:noFill/>
+        </p:spPr>
+        <p:txBody>
+          <a:bodyPr wrap="square" rtlCol="0">
+            <a:spAutoFit/>
+          </a:bodyPr>
+          <a:lstStyle/>
+          <a:p>
+            <a:r>
+              <a:rPr lang="en-US" dirty="0"/>
+              <a:t>My Profile</a:t>
+            </a:r>
+            <a:endParaRPr lang="en-ID" dirty="0"/>
+          </a:p>
+        </p:txBody>
+      </p:sp>
+      <p:sp>
+        <p:nvSpPr>
+          <p:cNvPr id="11" name="TextBox 10">
+            <a:extLst>
+              <a:ext uri="{FF2B5EF4-FFF2-40B4-BE49-F238E27FC236}">
+                <a16:creationId xmlns:a16="http://schemas.microsoft.com/office/drawing/2014/main" id="{558A6AD4-C750-4A6D-9F6B-9FCEB4214C98}"/>
+              </a:ext>
+            </a:extLst>
+          </p:cNvPr>
+          <p:cNvSpPr txBox="1"/>
+          <p:nvPr/>
+        </p:nvSpPr>
+        <p:spPr>
+          <a:xfrm>
+            <a:off x="6096000" y="2228406"/>
+            <a:ext cx="3062514" cy="307777"/>
+          </a:xfrm>
+          <a:prstGeom prst="rect">
+            <a:avLst/>
+          </a:prstGeom>
+          <a:noFill/>
+        </p:spPr>
+        <p:txBody>
+          <a:bodyPr wrap="square" rtlCol="0">
+            <a:spAutoFit/>
+          </a:bodyPr>
+          <a:lstStyle/>
+          <a:p>
+            <a:r>
+              <a:rPr lang="en-US" sz="1400" dirty="0"/>
+              <a:t>Full Name</a:t>
+            </a:r>
+            <a:endParaRPr lang="en-ID" sz="1400" dirty="0"/>
+          </a:p>
+        </p:txBody>
+      </p:sp>
+      <p:sp>
+        <p:nvSpPr>
+          <p:cNvPr id="12" name="TextBox 11">
+            <a:extLst>
+              <a:ext uri="{FF2B5EF4-FFF2-40B4-BE49-F238E27FC236}">
+                <a16:creationId xmlns:a16="http://schemas.microsoft.com/office/drawing/2014/main" id="{68C5BCB2-5AF1-41EB-BD8F-40F5333B36A0}"/>
+              </a:ext>
+            </a:extLst>
+          </p:cNvPr>
+          <p:cNvSpPr txBox="1"/>
+          <p:nvPr/>
+        </p:nvSpPr>
+        <p:spPr>
+          <a:xfrm>
+            <a:off x="6096000" y="2615392"/>
+            <a:ext cx="3062514" cy="307777"/>
+          </a:xfrm>
+          <a:prstGeom prst="rect">
+            <a:avLst/>
+          </a:prstGeom>
+          <a:noFill/>
+        </p:spPr>
+        <p:txBody>
+          <a:bodyPr wrap="square" rtlCol="0">
+            <a:spAutoFit/>
+          </a:bodyPr>
+          <a:lstStyle/>
+          <a:p>
+            <a:r>
+              <a:rPr lang="en-US" sz="1400" dirty="0"/>
+              <a:t>Email Address</a:t>
+            </a:r>
+            <a:endParaRPr lang="en-ID" sz="1400" dirty="0"/>
+          </a:p>
+        </p:txBody>
+      </p:sp>
+      <p:sp>
+        <p:nvSpPr>
+          <p:cNvPr id="13" name="Rectangle 12">
+            <a:extLst>
+              <a:ext uri="{FF2B5EF4-FFF2-40B4-BE49-F238E27FC236}">
+                <a16:creationId xmlns:a16="http://schemas.microsoft.com/office/drawing/2014/main" id="{D4B05866-BAC1-4C81-A50A-76AE602F2981}"/>
+              </a:ext>
+            </a:extLst>
+          </p:cNvPr>
+          <p:cNvSpPr/>
+          <p:nvPr/>
+        </p:nvSpPr>
+        <p:spPr>
+          <a:xfrm>
+            <a:off x="7917543" y="2228405"/>
+            <a:ext cx="2481942" cy="307777"/>
+          </a:xfrm>
+          <a:prstGeom prst="rect">
+            <a:avLst/>
+          </a:prstGeom>
+        </p:spPr>
+        <p:style>
+          <a:lnRef idx="2">
+            <a:schemeClr val="accent6"/>
+          </a:lnRef>
+          <a:fillRef idx="1">
+            <a:schemeClr val="lt1"/>
+          </a:fillRef>
+          <a:effectRef idx="0">
+            <a:schemeClr val="accent6"/>
+          </a:effectRef>
+          <a:fontRef idx="minor">
+            <a:schemeClr val="dk1"/>
+          </a:fontRef>
+        </p:style>
+        <p:txBody>
+          <a:bodyPr rtlCol="0" anchor="ctr"/>
+          <a:lstStyle/>
+          <a:p>
+            <a:r>
+              <a:rPr lang="en-US" sz="1400" dirty="0"/>
+              <a:t>Sandra </a:t>
+            </a:r>
+            <a:r>
+              <a:rPr lang="en-US" sz="1400" dirty="0" err="1"/>
+              <a:t>Dewi</a:t>
+            </a:r>
+            <a:endParaRPr lang="en-ID" sz="1400" dirty="0"/>
+          </a:p>
+        </p:txBody>
+      </p:sp>
+      <p:sp>
+        <p:nvSpPr>
+          <p:cNvPr id="14" name="Rectangle 13">
+            <a:extLst>
+              <a:ext uri="{FF2B5EF4-FFF2-40B4-BE49-F238E27FC236}">
+                <a16:creationId xmlns:a16="http://schemas.microsoft.com/office/drawing/2014/main" id="{5EFFD627-FAE5-49FA-BA78-3507800C9E0A}"/>
+              </a:ext>
+            </a:extLst>
+          </p:cNvPr>
+          <p:cNvSpPr/>
+          <p:nvPr/>
+        </p:nvSpPr>
+        <p:spPr>
+          <a:xfrm>
+            <a:off x="7917543" y="2615392"/>
+            <a:ext cx="2481942" cy="307777"/>
+          </a:xfrm>
+          <a:prstGeom prst="rect">
+            <a:avLst/>
+          </a:prstGeom>
+        </p:spPr>
+        <p:style>
+          <a:lnRef idx="2">
+            <a:schemeClr val="accent6"/>
+          </a:lnRef>
+          <a:fillRef idx="1">
+            <a:schemeClr val="lt1"/>
+          </a:fillRef>
+          <a:effectRef idx="0">
+            <a:schemeClr val="accent6"/>
+          </a:effectRef>
+          <a:fontRef idx="minor">
+            <a:schemeClr val="dk1"/>
+          </a:fontRef>
+        </p:style>
+        <p:txBody>
+          <a:bodyPr rtlCol="0" anchor="ctr"/>
+          <a:lstStyle/>
+          <a:p>
+            <a:r>
+              <a:rPr lang="en-US" sz="1400" dirty="0"/>
+              <a:t>sandra.dewi@gmail.com</a:t>
+            </a:r>
+            <a:endParaRPr lang="en-ID" sz="1400" dirty="0"/>
+          </a:p>
+        </p:txBody>
+      </p:sp>
+      <p:sp>
+        <p:nvSpPr>
+          <p:cNvPr id="15" name="TextBox 14">
+            <a:extLst>
+              <a:ext uri="{FF2B5EF4-FFF2-40B4-BE49-F238E27FC236}">
+                <a16:creationId xmlns:a16="http://schemas.microsoft.com/office/drawing/2014/main" id="{CF58F4F4-E209-46C7-A0E0-4448FFC513B5}"/>
+              </a:ext>
+            </a:extLst>
+          </p:cNvPr>
+          <p:cNvSpPr txBox="1"/>
+          <p:nvPr/>
+        </p:nvSpPr>
+        <p:spPr>
+          <a:xfrm>
+            <a:off x="6096000" y="3002378"/>
+            <a:ext cx="3062514" cy="307777"/>
+          </a:xfrm>
+          <a:prstGeom prst="rect">
+            <a:avLst/>
+          </a:prstGeom>
+          <a:noFill/>
+        </p:spPr>
+        <p:txBody>
+          <a:bodyPr wrap="square" rtlCol="0">
+            <a:spAutoFit/>
+          </a:bodyPr>
+          <a:lstStyle/>
+          <a:p>
+            <a:r>
+              <a:rPr lang="en-US" sz="1400" dirty="0"/>
+              <a:t>Password</a:t>
+            </a:r>
+            <a:endParaRPr lang="en-ID" sz="1400" dirty="0"/>
+          </a:p>
+        </p:txBody>
+      </p:sp>
+      <p:sp>
+        <p:nvSpPr>
+          <p:cNvPr id="16" name="Rectangle 15">
+            <a:extLst>
+              <a:ext uri="{FF2B5EF4-FFF2-40B4-BE49-F238E27FC236}">
+                <a16:creationId xmlns:a16="http://schemas.microsoft.com/office/drawing/2014/main" id="{5E5B2C41-D4E9-4614-BD74-3005238BFCF0}"/>
+              </a:ext>
+            </a:extLst>
+          </p:cNvPr>
+          <p:cNvSpPr/>
+          <p:nvPr/>
+        </p:nvSpPr>
+        <p:spPr>
+          <a:xfrm>
+            <a:off x="7917543" y="3002609"/>
+            <a:ext cx="2481942" cy="307777"/>
+          </a:xfrm>
+          <a:prstGeom prst="rect">
+            <a:avLst/>
+          </a:prstGeom>
+        </p:spPr>
+        <p:style>
+          <a:lnRef idx="2">
+            <a:schemeClr val="accent6"/>
+          </a:lnRef>
+          <a:fillRef idx="1">
+            <a:schemeClr val="lt1"/>
+          </a:fillRef>
+          <a:effectRef idx="0">
+            <a:schemeClr val="accent6"/>
+          </a:effectRef>
+          <a:fontRef idx="minor">
+            <a:schemeClr val="dk1"/>
+          </a:fontRef>
+        </p:style>
+        <p:txBody>
+          <a:bodyPr rtlCol="0" anchor="ctr"/>
+          <a:lstStyle/>
+          <a:p>
+            <a:r>
+              <a:rPr lang="en-US" sz="1400" dirty="0"/>
+              <a:t>********</a:t>
+            </a:r>
+            <a:endParaRPr lang="en-ID" sz="1400" dirty="0"/>
+          </a:p>
+        </p:txBody>
+      </p:sp>
+      <p:sp>
+        <p:nvSpPr>
+          <p:cNvPr id="19" name="Rectangle: Rounded Corners 18">
+            <a:extLst>
+              <a:ext uri="{FF2B5EF4-FFF2-40B4-BE49-F238E27FC236}">
+                <a16:creationId xmlns:a16="http://schemas.microsoft.com/office/drawing/2014/main" id="{8D250AE2-B034-446B-8274-9E948AC1F6E8}"/>
+              </a:ext>
+            </a:extLst>
+          </p:cNvPr>
+          <p:cNvSpPr/>
+          <p:nvPr/>
+        </p:nvSpPr>
+        <p:spPr>
+          <a:xfrm>
+            <a:off x="7917543" y="3408557"/>
+            <a:ext cx="1240971" cy="354842"/>
+          </a:xfrm>
+          <a:prstGeom prst="roundRect">
+            <a:avLst/>
+          </a:prstGeom>
+        </p:spPr>
+        <p:style>
+          <a:lnRef idx="2">
+            <a:schemeClr val="accent6">
+              <a:shade val="50000"/>
+            </a:schemeClr>
+          </a:lnRef>
+          <a:fillRef idx="1">
+            <a:schemeClr val="accent6"/>
+          </a:fillRef>
+          <a:effectRef idx="0">
+            <a:schemeClr val="accent6"/>
+          </a:effectRef>
+          <a:fontRef idx="minor">
+            <a:schemeClr val="lt1"/>
+          </a:fontRef>
+        </p:style>
+        <p:txBody>
+          <a:bodyPr rtlCol="0" anchor="ctr"/>
+          <a:lstStyle/>
+          <a:p>
+            <a:pPr algn="ctr"/>
+            <a:r>
+              <a:rPr lang="en-US" sz="1400" dirty="0"/>
+              <a:t>Update</a:t>
+            </a:r>
+            <a:endParaRPr lang="en-ID" sz="1400" dirty="0"/>
+          </a:p>
+        </p:txBody>
+      </p:sp>
+      <p:sp>
+        <p:nvSpPr>
+          <p:cNvPr id="20" name="TextBox 19">
+            <a:extLst>
+              <a:ext uri="{FF2B5EF4-FFF2-40B4-BE49-F238E27FC236}">
+                <a16:creationId xmlns:a16="http://schemas.microsoft.com/office/drawing/2014/main" id="{2760EEE4-36C7-4423-AA2B-F73047FC839B}"/>
+              </a:ext>
+            </a:extLst>
+          </p:cNvPr>
+          <p:cNvSpPr txBox="1"/>
+          <p:nvPr/>
+        </p:nvSpPr>
+        <p:spPr>
+          <a:xfrm>
+            <a:off x="834919" y="2074518"/>
+            <a:ext cx="2672555" cy="369332"/>
+          </a:xfrm>
+          <a:prstGeom prst="rect">
+            <a:avLst/>
+          </a:prstGeom>
+          <a:noFill/>
+        </p:spPr>
+        <p:txBody>
+          <a:bodyPr wrap="square" rtlCol="0">
+            <a:spAutoFit/>
+          </a:bodyPr>
+          <a:lstStyle/>
+          <a:p>
+            <a:r>
+              <a:rPr lang="en-US" dirty="0"/>
+              <a:t>Total successful payment</a:t>
+            </a:r>
+            <a:endParaRPr lang="en-ID" dirty="0"/>
+          </a:p>
+        </p:txBody>
+      </p:sp>
+      <p:sp>
+        <p:nvSpPr>
+          <p:cNvPr id="21" name="TextBox 20">
+            <a:extLst>
+              <a:ext uri="{FF2B5EF4-FFF2-40B4-BE49-F238E27FC236}">
+                <a16:creationId xmlns:a16="http://schemas.microsoft.com/office/drawing/2014/main" id="{0E88763E-4C4E-4AF4-B902-20990F45BD87}"/>
+              </a:ext>
+            </a:extLst>
+          </p:cNvPr>
+          <p:cNvSpPr txBox="1"/>
+          <p:nvPr/>
+        </p:nvSpPr>
+        <p:spPr>
+          <a:xfrm>
+            <a:off x="812800" y="2382293"/>
+            <a:ext cx="4678018" cy="646331"/>
+          </a:xfrm>
+          <a:prstGeom prst="rect">
+            <a:avLst/>
+          </a:prstGeom>
+          <a:noFill/>
+        </p:spPr>
+        <p:txBody>
+          <a:bodyPr wrap="square" rtlCol="0">
+            <a:spAutoFit/>
+          </a:bodyPr>
+          <a:lstStyle/>
+          <a:p>
+            <a:r>
+              <a:rPr lang="en-US" sz="3600" dirty="0"/>
+              <a:t>Rp100.000</a:t>
+            </a:r>
+            <a:endParaRPr lang="en-ID" sz="3600" dirty="0"/>
+          </a:p>
+        </p:txBody>
+      </p:sp>
+    </p:spTree>
+    <p:extLst>
+      <p:ext uri="{BB962C8B-B14F-4D97-AF65-F5344CB8AC3E}">
+        <p14:creationId xmlns:p14="http://schemas.microsoft.com/office/powerpoint/2010/main" val="3592270532"/>
+      </p:ext>
+    </p:extLst>
+  </p:cSld>
+  <p:clrMapOvr>
+    <a:masterClrMapping/>
+  </p:clrMapOvr>
+</p:sld>
+</file>
+
+<file path=ppt/slides/slide11.xml><?xml version="1.0" encoding="utf-8"?>
+<p:sld xmlns:a="http://schemas.openxmlformats.org/drawingml/2006/main" xmlns:r="http://schemas.openxmlformats.org/officeDocument/2006/relationships" xmlns:p="http://schemas.openxmlformats.org/presentationml/2006/main">
+  <p:cSld>
+    <p:spTree>
+      <p:nvGrpSpPr>
+        <p:cNvPr id="1" name=""/>
+        <p:cNvGrpSpPr/>
+        <p:nvPr/>
+      </p:nvGrpSpPr>
+      <p:grpSpPr>
+        <a:xfrm>
+          <a:off x="0" y="0"/>
+          <a:ext cx="0" cy="0"/>
+          <a:chOff x="0" y="0"/>
+          <a:chExt cx="0" cy="0"/>
+        </a:xfrm>
+      </p:grpSpPr>
+      <p:sp>
+        <p:nvSpPr>
+          <p:cNvPr id="4" name="TextBox 3">
+            <a:extLst>
+              <a:ext uri="{FF2B5EF4-FFF2-40B4-BE49-F238E27FC236}">
+                <a16:creationId xmlns:a16="http://schemas.microsoft.com/office/drawing/2014/main" id="{58573E4E-8B92-464C-A313-BEBD5DA96CDD}"/>
+              </a:ext>
+            </a:extLst>
+          </p:cNvPr>
+          <p:cNvSpPr txBox="1"/>
+          <p:nvPr/>
+        </p:nvSpPr>
+        <p:spPr>
+          <a:xfrm>
+            <a:off x="689112" y="593828"/>
+            <a:ext cx="4678018" cy="646331"/>
+          </a:xfrm>
+          <a:prstGeom prst="rect">
+            <a:avLst/>
+          </a:prstGeom>
+          <a:noFill/>
+        </p:spPr>
+        <p:txBody>
+          <a:bodyPr wrap="square" rtlCol="0">
+            <a:spAutoFit/>
+          </a:bodyPr>
+          <a:lstStyle/>
+          <a:p>
+            <a:r>
+              <a:rPr lang="en-US" sz="3600" dirty="0"/>
+              <a:t>Buyer’s Transaction</a:t>
+            </a:r>
+            <a:endParaRPr lang="en-ID" sz="3600" dirty="0"/>
+          </a:p>
+        </p:txBody>
+      </p:sp>
+      <p:sp>
+        <p:nvSpPr>
+          <p:cNvPr id="5" name="TextBox 4">
+            <a:extLst>
+              <a:ext uri="{FF2B5EF4-FFF2-40B4-BE49-F238E27FC236}">
+                <a16:creationId xmlns:a16="http://schemas.microsoft.com/office/drawing/2014/main" id="{B3B69308-61CD-4618-8691-C41090DE6E85}"/>
+              </a:ext>
+            </a:extLst>
+          </p:cNvPr>
+          <p:cNvSpPr txBox="1"/>
+          <p:nvPr/>
+        </p:nvSpPr>
+        <p:spPr>
+          <a:xfrm>
+            <a:off x="9163978" y="743851"/>
+            <a:ext cx="1311966" cy="369332"/>
+          </a:xfrm>
+          <a:prstGeom prst="rect">
+            <a:avLst/>
+          </a:prstGeom>
+          <a:noFill/>
+        </p:spPr>
+        <p:txBody>
+          <a:bodyPr wrap="square" rtlCol="0">
+            <a:spAutoFit/>
+          </a:bodyPr>
+          <a:lstStyle/>
+          <a:p>
+            <a:r>
+              <a:rPr lang="en-US" dirty="0"/>
+              <a:t>Transaction</a:t>
+            </a:r>
+            <a:endParaRPr lang="en-ID" dirty="0"/>
+          </a:p>
+        </p:txBody>
+      </p:sp>
+      <p:sp>
+        <p:nvSpPr>
+          <p:cNvPr id="7" name="TextBox 6">
+            <a:extLst>
+              <a:ext uri="{FF2B5EF4-FFF2-40B4-BE49-F238E27FC236}">
+                <a16:creationId xmlns:a16="http://schemas.microsoft.com/office/drawing/2014/main" id="{5C09185B-C102-4DA4-BD0A-A95762DE3047}"/>
+              </a:ext>
+            </a:extLst>
+          </p:cNvPr>
+          <p:cNvSpPr txBox="1"/>
+          <p:nvPr/>
+        </p:nvSpPr>
+        <p:spPr>
+          <a:xfrm>
+            <a:off x="10701129" y="743851"/>
+            <a:ext cx="1311966" cy="369332"/>
+          </a:xfrm>
+          <a:prstGeom prst="rect">
+            <a:avLst/>
+          </a:prstGeom>
+          <a:noFill/>
+        </p:spPr>
+        <p:txBody>
+          <a:bodyPr wrap="square" rtlCol="0">
+            <a:spAutoFit/>
+          </a:bodyPr>
+          <a:lstStyle/>
+          <a:p>
+            <a:r>
+              <a:rPr lang="en-US" dirty="0"/>
+              <a:t>Logout</a:t>
+            </a:r>
+            <a:endParaRPr lang="en-ID" dirty="0"/>
+          </a:p>
+        </p:txBody>
+      </p:sp>
+      <p:graphicFrame>
+        <p:nvGraphicFramePr>
+          <p:cNvPr id="2" name="Table 2">
+            <a:extLst>
+              <a:ext uri="{FF2B5EF4-FFF2-40B4-BE49-F238E27FC236}">
+                <a16:creationId xmlns:a16="http://schemas.microsoft.com/office/drawing/2014/main" id="{67A880A4-B2FD-4973-8181-096551BF18BE}"/>
+              </a:ext>
+            </a:extLst>
+          </p:cNvPr>
+          <p:cNvGraphicFramePr>
+            <a:graphicFrameLocks noGrp="1"/>
+          </p:cNvGraphicFramePr>
+          <p:nvPr>
+            <p:extLst>
+              <p:ext uri="{D42A27DB-BD31-4B8C-83A1-F6EECF244321}">
+                <p14:modId xmlns:p14="http://schemas.microsoft.com/office/powerpoint/2010/main" val="3041675096"/>
+              </p:ext>
+            </p:extLst>
+          </p:nvPr>
+        </p:nvGraphicFramePr>
+        <p:xfrm>
+          <a:off x="313899" y="4070342"/>
+          <a:ext cx="11491413" cy="1483360"/>
+        </p:xfrm>
+        <a:graphic>
+          <a:graphicData uri="http://schemas.openxmlformats.org/drawingml/2006/table">
+            <a:tbl>
+              <a:tblPr firstRow="1" bandRow="1">
+                <a:tableStyleId>{68D230F3-CF80-4859-8CE7-A43EE81993B5}</a:tableStyleId>
+              </a:tblPr>
+              <a:tblGrid>
+                <a:gridCol w="470147">
+                  <a:extLst>
+                    <a:ext uri="{9D8B030D-6E8A-4147-A177-3AD203B41FA5}">
+                      <a16:colId xmlns:a16="http://schemas.microsoft.com/office/drawing/2014/main" val="202847888"/>
+                    </a:ext>
+                  </a:extLst>
+                </a:gridCol>
+                <a:gridCol w="935572">
+                  <a:extLst>
+                    <a:ext uri="{9D8B030D-6E8A-4147-A177-3AD203B41FA5}">
+                      <a16:colId xmlns:a16="http://schemas.microsoft.com/office/drawing/2014/main" val="3655148703"/>
+                    </a:ext>
+                  </a:extLst>
+                </a:gridCol>
+                <a:gridCol w="1610436">
+                  <a:extLst>
+                    <a:ext uri="{9D8B030D-6E8A-4147-A177-3AD203B41FA5}">
+                      <a16:colId xmlns:a16="http://schemas.microsoft.com/office/drawing/2014/main" val="2307959109"/>
+                    </a:ext>
+                  </a:extLst>
+                </a:gridCol>
+                <a:gridCol w="1269242">
+                  <a:extLst>
+                    <a:ext uri="{9D8B030D-6E8A-4147-A177-3AD203B41FA5}">
+                      <a16:colId xmlns:a16="http://schemas.microsoft.com/office/drawing/2014/main" val="2539618424"/>
+                    </a:ext>
+                  </a:extLst>
+                </a:gridCol>
+                <a:gridCol w="1310185">
+                  <a:extLst>
+                    <a:ext uri="{9D8B030D-6E8A-4147-A177-3AD203B41FA5}">
+                      <a16:colId xmlns:a16="http://schemas.microsoft.com/office/drawing/2014/main" val="1835854017"/>
+                    </a:ext>
+                  </a:extLst>
+                </a:gridCol>
+                <a:gridCol w="1091820">
+                  <a:extLst>
+                    <a:ext uri="{9D8B030D-6E8A-4147-A177-3AD203B41FA5}">
+                      <a16:colId xmlns:a16="http://schemas.microsoft.com/office/drawing/2014/main" val="1753649867"/>
+                    </a:ext>
+                  </a:extLst>
+                </a:gridCol>
+                <a:gridCol w="1187356">
+                  <a:extLst>
+                    <a:ext uri="{9D8B030D-6E8A-4147-A177-3AD203B41FA5}">
+                      <a16:colId xmlns:a16="http://schemas.microsoft.com/office/drawing/2014/main" val="2952683578"/>
+                    </a:ext>
+                  </a:extLst>
+                </a:gridCol>
+                <a:gridCol w="1146412">
+                  <a:extLst>
+                    <a:ext uri="{9D8B030D-6E8A-4147-A177-3AD203B41FA5}">
+                      <a16:colId xmlns:a16="http://schemas.microsoft.com/office/drawing/2014/main" val="2277416920"/>
+                    </a:ext>
+                  </a:extLst>
+                </a:gridCol>
+                <a:gridCol w="1269241">
+                  <a:extLst>
+                    <a:ext uri="{9D8B030D-6E8A-4147-A177-3AD203B41FA5}">
+                      <a16:colId xmlns:a16="http://schemas.microsoft.com/office/drawing/2014/main" val="560691569"/>
+                    </a:ext>
+                  </a:extLst>
+                </a:gridCol>
+                <a:gridCol w="1201002">
+                  <a:extLst>
+                    <a:ext uri="{9D8B030D-6E8A-4147-A177-3AD203B41FA5}">
+                      <a16:colId xmlns:a16="http://schemas.microsoft.com/office/drawing/2014/main" val="3802597100"/>
+                    </a:ext>
+                  </a:extLst>
+                </a:gridCol>
+              </a:tblGrid>
+              <a:tr h="370840">
+                <a:tc>
+                  <a:txBody>
+                    <a:bodyPr/>
+                    <a:lstStyle/>
+                    <a:p>
+                      <a:pPr algn="ctr"/>
+                      <a:r>
+                        <a:rPr lang="en-US" sz="1400" dirty="0"/>
+                        <a:t>No</a:t>
+                      </a:r>
+                      <a:endParaRPr lang="en-ID" sz="1400" dirty="0"/>
+                    </a:p>
+                  </a:txBody>
+                  <a:tcPr/>
+                </a:tc>
+                <a:tc>
+                  <a:txBody>
+                    <a:bodyPr/>
+                    <a:lstStyle/>
+                    <a:p>
+                      <a:pPr algn="ctr"/>
+                      <a:r>
+                        <a:rPr lang="en-US" sz="1400" dirty="0"/>
+                        <a:t>Trans ID</a:t>
+                      </a:r>
+                      <a:endParaRPr lang="en-ID" sz="1400" dirty="0"/>
+                    </a:p>
+                  </a:txBody>
+                  <a:tcPr/>
+                </a:tc>
+                <a:tc>
+                  <a:txBody>
+                    <a:bodyPr/>
+                    <a:lstStyle/>
+                    <a:p>
+                      <a:pPr algn="ctr"/>
+                      <a:r>
+                        <a:rPr lang="en-US" sz="1400" dirty="0"/>
+                        <a:t>Date</a:t>
+                      </a:r>
+                      <a:endParaRPr lang="en-ID" sz="1400" dirty="0"/>
+                    </a:p>
+                  </a:txBody>
+                  <a:tcPr/>
+                </a:tc>
+                <a:tc>
+                  <a:txBody>
+                    <a:bodyPr/>
+                    <a:lstStyle/>
+                    <a:p>
+                      <a:pPr algn="ctr"/>
+                      <a:r>
+                        <a:rPr lang="en-US" sz="1400" dirty="0"/>
+                        <a:t>Member</a:t>
+                      </a:r>
+                      <a:endParaRPr lang="en-ID" sz="1400" dirty="0"/>
+                    </a:p>
+                  </a:txBody>
+                  <a:tcPr/>
+                </a:tc>
+                <a:tc>
+                  <a:txBody>
+                    <a:bodyPr/>
+                    <a:lstStyle/>
+                    <a:p>
+                      <a:pPr algn="ctr"/>
+                      <a:r>
+                        <a:rPr lang="en-US" sz="1400" dirty="0"/>
+                        <a:t>Product</a:t>
+                      </a:r>
+                      <a:endParaRPr lang="en-ID" sz="1400" dirty="0"/>
+                    </a:p>
+                  </a:txBody>
+                  <a:tcPr/>
+                </a:tc>
+                <a:tc>
+                  <a:txBody>
+                    <a:bodyPr/>
+                    <a:lstStyle/>
+                    <a:p>
+                      <a:pPr algn="ctr"/>
+                      <a:r>
+                        <a:rPr lang="en-US" sz="1400" dirty="0"/>
+                        <a:t>Weight(gr)</a:t>
+                      </a:r>
+                      <a:endParaRPr lang="en-ID" sz="1400" dirty="0"/>
+                    </a:p>
+                  </a:txBody>
+                  <a:tcPr/>
+                </a:tc>
+                <a:tc>
+                  <a:txBody>
+                    <a:bodyPr/>
+                    <a:lstStyle/>
+                    <a:p>
+                      <a:pPr algn="ctr"/>
+                      <a:r>
+                        <a:rPr lang="en-US" sz="1400" dirty="0"/>
+                        <a:t>Amount</a:t>
+                      </a:r>
+                      <a:endParaRPr lang="en-ID" sz="1400" dirty="0"/>
+                    </a:p>
+                  </a:txBody>
+                  <a:tcPr/>
+                </a:tc>
+                <a:tc>
+                  <a:txBody>
+                    <a:bodyPr/>
+                    <a:lstStyle/>
+                    <a:p>
+                      <a:pPr algn="ctr"/>
+                      <a:r>
+                        <a:rPr lang="en-US" sz="1400" dirty="0"/>
+                        <a:t>Status</a:t>
+                      </a:r>
+                      <a:endParaRPr lang="en-ID" sz="1400" dirty="0"/>
+                    </a:p>
+                  </a:txBody>
+                  <a:tcPr/>
+                </a:tc>
+                <a:tc>
+                  <a:txBody>
+                    <a:bodyPr/>
+                    <a:lstStyle/>
+                    <a:p>
+                      <a:pPr algn="ctr"/>
+                      <a:endParaRPr lang="en-ID" sz="1400" dirty="0"/>
+                    </a:p>
+                  </a:txBody>
+                  <a:tcPr/>
+                </a:tc>
+                <a:tc>
+                  <a:txBody>
+                    <a:bodyPr/>
+                    <a:lstStyle/>
+                    <a:p>
+                      <a:pPr algn="ctr"/>
+                      <a:endParaRPr lang="en-ID" sz="1400" dirty="0"/>
+                    </a:p>
+                  </a:txBody>
+                  <a:tcPr/>
+                </a:tc>
+                <a:extLst>
+                  <a:ext uri="{0D108BD9-81ED-4DB2-BD59-A6C34878D82A}">
+                    <a16:rowId xmlns:a16="http://schemas.microsoft.com/office/drawing/2014/main" val="252389372"/>
+                  </a:ext>
+                </a:extLst>
+              </a:tr>
+              <a:tr h="370840">
+                <a:tc>
+                  <a:txBody>
+                    <a:bodyPr/>
+                    <a:lstStyle/>
+                    <a:p>
+                      <a:pPr algn="ctr"/>
+                      <a:r>
+                        <a:rPr lang="en-US" sz="1400" dirty="0"/>
+                        <a:t>1</a:t>
+                      </a:r>
+                      <a:endParaRPr lang="en-ID" sz="1400" dirty="0"/>
+                    </a:p>
+                  </a:txBody>
+                  <a:tcPr/>
+                </a:tc>
+                <a:tc>
+                  <a:txBody>
+                    <a:bodyPr/>
+                    <a:lstStyle/>
+                    <a:p>
+                      <a:r>
+                        <a:rPr lang="en-US" sz="1400" dirty="0"/>
+                        <a:t>TRX 1</a:t>
+                      </a:r>
+                      <a:endParaRPr lang="en-ID" sz="1400" dirty="0"/>
+                    </a:p>
+                  </a:txBody>
+                  <a:tcPr/>
+                </a:tc>
+                <a:tc>
+                  <a:txBody>
+                    <a:bodyPr/>
+                    <a:lstStyle/>
+                    <a:p>
+                      <a:r>
+                        <a:rPr lang="en-US" sz="1400" b="0" kern="1200" dirty="0">
+                          <a:solidFill>
+                            <a:schemeClr val="dk1"/>
+                          </a:solidFill>
+                          <a:effectLst/>
+                        </a:rPr>
+                        <a:t>Tue, 7 Jan 25 14:48</a:t>
+                      </a:r>
+                      <a:endParaRPr lang="en-ID" sz="1400" dirty="0"/>
+                    </a:p>
+                  </a:txBody>
+                  <a:tcPr/>
+                </a:tc>
+                <a:tc>
+                  <a:txBody>
+                    <a:bodyPr/>
+                    <a:lstStyle/>
+                    <a:p>
+                      <a:pPr marL="0" marR="0" lvl="0" indent="0" algn="l" defTabSz="914400" rtl="0" eaLnBrk="1" fontAlgn="auto" latinLnBrk="0" hangingPunct="1">
+                        <a:lnSpc>
+                          <a:spcPct val="100000"/>
+                        </a:lnSpc>
+                        <a:spcBef>
+                          <a:spcPts val="0"/>
+                        </a:spcBef>
+                        <a:spcAft>
+                          <a:spcPts val="0"/>
+                        </a:spcAft>
+                        <a:buClrTx/>
+                        <a:buSzTx/>
+                        <a:buFontTx/>
+                        <a:buNone/>
+                        <a:tabLst/>
+                        <a:defRPr/>
+                      </a:pPr>
+                      <a:r>
+                        <a:rPr lang="en-US" sz="1400" dirty="0"/>
+                        <a:t>Sandra </a:t>
+                      </a:r>
+                      <a:r>
+                        <a:rPr lang="en-US" sz="1400" dirty="0" err="1"/>
+                        <a:t>Dewi</a:t>
+                      </a:r>
+                      <a:endParaRPr lang="en-ID" sz="1400" dirty="0"/>
+                    </a:p>
+                  </a:txBody>
+                  <a:tcPr/>
+                </a:tc>
+                <a:tc>
+                  <a:txBody>
+                    <a:bodyPr/>
+                    <a:lstStyle/>
+                    <a:p>
+                      <a:pPr marL="0" marR="0" lvl="0" indent="0" algn="l" defTabSz="914400" rtl="0" eaLnBrk="1" fontAlgn="auto" latinLnBrk="0" hangingPunct="1">
+                        <a:lnSpc>
+                          <a:spcPct val="100000"/>
+                        </a:lnSpc>
+                        <a:spcBef>
+                          <a:spcPts val="0"/>
+                        </a:spcBef>
+                        <a:spcAft>
+                          <a:spcPts val="0"/>
+                        </a:spcAft>
+                        <a:buClrTx/>
+                        <a:buSzTx/>
+                        <a:buFontTx/>
+                        <a:buNone/>
+                        <a:tabLst/>
+                        <a:defRPr/>
+                      </a:pPr>
+                      <a:r>
+                        <a:rPr lang="en-US" sz="1400" dirty="0"/>
+                        <a:t>Bottle PET</a:t>
+                      </a:r>
+                      <a:endParaRPr lang="en-ID" sz="1400" dirty="0"/>
+                    </a:p>
+                  </a:txBody>
+                  <a:tcPr/>
+                </a:tc>
+                <a:tc>
+                  <a:txBody>
+                    <a:bodyPr/>
+                    <a:lstStyle/>
+                    <a:p>
+                      <a:pPr algn="r"/>
+                      <a:r>
+                        <a:rPr lang="en-US" sz="1400" dirty="0"/>
+                        <a:t>1000</a:t>
+                      </a:r>
+                      <a:endParaRPr lang="en-ID" sz="1400" dirty="0"/>
+                    </a:p>
+                  </a:txBody>
+                  <a:tcPr/>
+                </a:tc>
+                <a:tc>
+                  <a:txBody>
+                    <a:bodyPr/>
+                    <a:lstStyle/>
+                    <a:p>
+                      <a:pPr algn="r"/>
+                      <a:r>
+                        <a:rPr lang="en-US" sz="1400" dirty="0"/>
+                        <a:t>100.000</a:t>
+                      </a:r>
+                      <a:endParaRPr lang="en-ID" sz="1400" dirty="0"/>
+                    </a:p>
+                  </a:txBody>
+                  <a:tcPr/>
+                </a:tc>
+                <a:tc>
+                  <a:txBody>
+                    <a:bodyPr/>
+                    <a:lstStyle/>
+                    <a:p>
+                      <a:pPr algn="ctr"/>
+                      <a:r>
+                        <a:rPr lang="en-US" sz="1400" dirty="0">
+                          <a:solidFill>
+                            <a:srgbClr val="FF0000"/>
+                          </a:solidFill>
+                        </a:rPr>
+                        <a:t>Pending</a:t>
+                      </a:r>
+                      <a:endParaRPr lang="en-ID" sz="1400" dirty="0">
+                        <a:solidFill>
+                          <a:srgbClr val="FF0000"/>
+                        </a:solidFill>
+                      </a:endParaRPr>
+                    </a:p>
+                  </a:txBody>
+                  <a:tcPr/>
+                </a:tc>
+                <a:tc>
+                  <a:txBody>
+                    <a:bodyPr/>
+                    <a:lstStyle/>
+                    <a:p>
+                      <a:endParaRPr lang="en-ID" sz="1400" dirty="0"/>
+                    </a:p>
+                  </a:txBody>
+                  <a:tcPr/>
+                </a:tc>
+                <a:tc>
+                  <a:txBody>
+                    <a:bodyPr/>
+                    <a:lstStyle/>
+                    <a:p>
+                      <a:endParaRPr lang="en-ID" sz="1400" dirty="0"/>
+                    </a:p>
+                  </a:txBody>
+                  <a:tcPr/>
+                </a:tc>
+                <a:extLst>
+                  <a:ext uri="{0D108BD9-81ED-4DB2-BD59-A6C34878D82A}">
+                    <a16:rowId xmlns:a16="http://schemas.microsoft.com/office/drawing/2014/main" val="107401764"/>
+                  </a:ext>
+                </a:extLst>
+              </a:tr>
+              <a:tr h="370840">
+                <a:tc>
+                  <a:txBody>
+                    <a:bodyPr/>
+                    <a:lstStyle/>
+                    <a:p>
+                      <a:pPr algn="ctr"/>
+                      <a:r>
+                        <a:rPr lang="en-US" sz="1400" dirty="0"/>
+                        <a:t>2</a:t>
+                      </a:r>
+                      <a:endParaRPr lang="en-ID" sz="1400" dirty="0"/>
+                    </a:p>
+                  </a:txBody>
+                  <a:tcPr/>
+                </a:tc>
+                <a:tc>
+                  <a:txBody>
+                    <a:bodyPr/>
+                    <a:lstStyle/>
+                    <a:p>
+                      <a:r>
+                        <a:rPr lang="en-US" sz="1400" dirty="0"/>
+                        <a:t>TRX 2</a:t>
+                      </a:r>
+                      <a:endParaRPr lang="en-ID" sz="1400" dirty="0"/>
+                    </a:p>
+                  </a:txBody>
+                  <a:tcPr/>
+                </a:tc>
+                <a:tc>
+                  <a:txBody>
+                    <a:bodyPr/>
+                    <a:lstStyle/>
+                    <a:p>
+                      <a:r>
+                        <a:rPr lang="en-US" sz="1400" b="0" kern="1200" dirty="0">
+                          <a:solidFill>
+                            <a:schemeClr val="dk1"/>
+                          </a:solidFill>
+                          <a:effectLst/>
+                        </a:rPr>
+                        <a:t>Tue, 7 Jan 25 14:48</a:t>
+                      </a:r>
+                      <a:endParaRPr lang="en-ID" sz="1400" dirty="0"/>
+                    </a:p>
+                  </a:txBody>
+                  <a:tcPr/>
+                </a:tc>
+                <a:tc>
+                  <a:txBody>
+                    <a:bodyPr/>
+                    <a:lstStyle/>
+                    <a:p>
+                      <a:pPr marL="0" marR="0" lvl="0" indent="0" algn="l" defTabSz="914400" rtl="0" eaLnBrk="1" fontAlgn="auto" latinLnBrk="0" hangingPunct="1">
+                        <a:lnSpc>
+                          <a:spcPct val="100000"/>
+                        </a:lnSpc>
+                        <a:spcBef>
+                          <a:spcPts val="0"/>
+                        </a:spcBef>
+                        <a:spcAft>
+                          <a:spcPts val="0"/>
+                        </a:spcAft>
+                        <a:buClrTx/>
+                        <a:buSzTx/>
+                        <a:buFontTx/>
+                        <a:buNone/>
+                        <a:tabLst/>
+                        <a:defRPr/>
+                      </a:pPr>
+                      <a:r>
+                        <a:rPr lang="en-US" sz="1400" dirty="0"/>
+                        <a:t>Sandra </a:t>
+                      </a:r>
+                      <a:r>
+                        <a:rPr lang="en-US" sz="1400" dirty="0" err="1"/>
+                        <a:t>Dewi</a:t>
+                      </a:r>
+                      <a:endParaRPr lang="en-ID" sz="1400" dirty="0"/>
+                    </a:p>
+                  </a:txBody>
+                  <a:tcPr/>
+                </a:tc>
+                <a:tc>
+                  <a:txBody>
+                    <a:bodyPr/>
+                    <a:lstStyle/>
+                    <a:p>
+                      <a:pPr marL="0" marR="0" lvl="0" indent="0" algn="l" defTabSz="914400" rtl="0" eaLnBrk="1" fontAlgn="auto" latinLnBrk="0" hangingPunct="1">
+                        <a:lnSpc>
+                          <a:spcPct val="100000"/>
+                        </a:lnSpc>
+                        <a:spcBef>
+                          <a:spcPts val="0"/>
+                        </a:spcBef>
+                        <a:spcAft>
+                          <a:spcPts val="0"/>
+                        </a:spcAft>
+                        <a:buClrTx/>
+                        <a:buSzTx/>
+                        <a:buFontTx/>
+                        <a:buNone/>
+                        <a:tabLst/>
+                        <a:defRPr/>
+                      </a:pPr>
+                      <a:r>
+                        <a:rPr lang="en-US" sz="1400" dirty="0"/>
+                        <a:t>Other</a:t>
+                      </a:r>
+                      <a:endParaRPr lang="en-ID" sz="1400" dirty="0"/>
+                    </a:p>
+                  </a:txBody>
+                  <a:tcPr/>
+                </a:tc>
+                <a:tc>
+                  <a:txBody>
+                    <a:bodyPr/>
+                    <a:lstStyle/>
+                    <a:p>
+                      <a:pPr algn="r"/>
+                      <a:r>
+                        <a:rPr lang="en-US" sz="1400" dirty="0"/>
+                        <a:t>2000</a:t>
+                      </a:r>
+                      <a:endParaRPr lang="en-ID" sz="1400" dirty="0"/>
+                    </a:p>
+                  </a:txBody>
+                  <a:tcPr/>
+                </a:tc>
+                <a:tc>
+                  <a:txBody>
+                    <a:bodyPr/>
+                    <a:lstStyle/>
+                    <a:p>
+                      <a:pPr algn="r"/>
+                      <a:r>
+                        <a:rPr lang="en-US" sz="1400" dirty="0"/>
+                        <a:t>100.000</a:t>
+                      </a:r>
+                      <a:endParaRPr lang="en-ID" sz="1400" dirty="0"/>
+                    </a:p>
+                  </a:txBody>
+                  <a:tcPr/>
+                </a:tc>
+                <a:tc>
+                  <a:txBody>
+                    <a:bodyPr/>
+                    <a:lstStyle/>
+                    <a:p>
+                      <a:pPr algn="ctr"/>
+                      <a:r>
+                        <a:rPr lang="en-US" sz="1400" dirty="0">
+                          <a:solidFill>
+                            <a:srgbClr val="00B050"/>
+                          </a:solidFill>
+                        </a:rPr>
+                        <a:t>Approved</a:t>
+                      </a:r>
+                      <a:endParaRPr lang="en-ID" sz="1400" dirty="0">
+                        <a:solidFill>
+                          <a:srgbClr val="00B050"/>
+                        </a:solidFill>
+                      </a:endParaRPr>
+                    </a:p>
+                  </a:txBody>
+                  <a:tcPr/>
+                </a:tc>
+                <a:tc>
+                  <a:txBody>
+                    <a:bodyPr/>
+                    <a:lstStyle/>
+                    <a:p>
+                      <a:endParaRPr lang="en-ID" sz="1400" dirty="0"/>
+                    </a:p>
+                  </a:txBody>
+                  <a:tcPr/>
+                </a:tc>
+                <a:tc>
+                  <a:txBody>
+                    <a:bodyPr/>
+                    <a:lstStyle/>
+                    <a:p>
+                      <a:endParaRPr lang="en-ID" sz="1400"/>
+                    </a:p>
+                  </a:txBody>
+                  <a:tcPr/>
+                </a:tc>
+                <a:extLst>
+                  <a:ext uri="{0D108BD9-81ED-4DB2-BD59-A6C34878D82A}">
+                    <a16:rowId xmlns:a16="http://schemas.microsoft.com/office/drawing/2014/main" val="788250398"/>
+                  </a:ext>
+                </a:extLst>
+              </a:tr>
+              <a:tr h="370840">
+                <a:tc>
+                  <a:txBody>
+                    <a:bodyPr/>
+                    <a:lstStyle/>
+                    <a:p>
+                      <a:pPr algn="ctr"/>
+                      <a:r>
+                        <a:rPr lang="en-US" sz="1400" dirty="0"/>
+                        <a:t>3</a:t>
+                      </a:r>
+                      <a:endParaRPr lang="en-ID" sz="1400" dirty="0"/>
+                    </a:p>
+                  </a:txBody>
+                  <a:tcPr/>
+                </a:tc>
+                <a:tc>
+                  <a:txBody>
+                    <a:bodyPr/>
+                    <a:lstStyle/>
+                    <a:p>
+                      <a:r>
+                        <a:rPr lang="en-US" sz="1400" dirty="0"/>
+                        <a:t>TRX 3</a:t>
+                      </a:r>
+                      <a:endParaRPr lang="en-ID" sz="1400" dirty="0"/>
+                    </a:p>
+                  </a:txBody>
+                  <a:tcPr/>
+                </a:tc>
+                <a:tc>
+                  <a:txBody>
+                    <a:bodyPr/>
+                    <a:lstStyle/>
+                    <a:p>
+                      <a:r>
+                        <a:rPr lang="en-US" sz="1400" b="0" kern="1200" dirty="0">
+                          <a:solidFill>
+                            <a:schemeClr val="dk1"/>
+                          </a:solidFill>
+                          <a:effectLst/>
+                        </a:rPr>
+                        <a:t>Tue, 7 Jan 25 14:48</a:t>
+                      </a:r>
+                      <a:endParaRPr lang="en-US" sz="1400" dirty="0"/>
+                    </a:p>
+                  </a:txBody>
+                  <a:tcPr/>
+                </a:tc>
+                <a:tc>
+                  <a:txBody>
+                    <a:bodyPr/>
+                    <a:lstStyle/>
+                    <a:p>
+                      <a:r>
+                        <a:rPr lang="en-US" sz="1400" dirty="0"/>
+                        <a:t>Nico </a:t>
+                      </a:r>
+                      <a:r>
+                        <a:rPr lang="en-US" sz="1400" dirty="0" err="1"/>
+                        <a:t>Pardede</a:t>
+                      </a:r>
+                      <a:endParaRPr lang="en-ID" sz="1400" dirty="0"/>
+                    </a:p>
+                  </a:txBody>
+                  <a:tcPr/>
+                </a:tc>
+                <a:tc>
+                  <a:txBody>
+                    <a:bodyPr/>
+                    <a:lstStyle/>
+                    <a:p>
+                      <a:pPr marL="0" marR="0" lvl="0" indent="0" algn="l" defTabSz="914400" rtl="0" eaLnBrk="1" fontAlgn="auto" latinLnBrk="0" hangingPunct="1">
+                        <a:lnSpc>
+                          <a:spcPct val="100000"/>
+                        </a:lnSpc>
+                        <a:spcBef>
+                          <a:spcPts val="0"/>
+                        </a:spcBef>
+                        <a:spcAft>
+                          <a:spcPts val="0"/>
+                        </a:spcAft>
+                        <a:buClrTx/>
+                        <a:buSzTx/>
+                        <a:buFontTx/>
+                        <a:buNone/>
+                        <a:tabLst/>
+                        <a:defRPr/>
+                      </a:pPr>
+                      <a:r>
+                        <a:rPr lang="en-US" sz="1400" dirty="0"/>
+                        <a:t>Bottle PET</a:t>
+                      </a:r>
+                      <a:endParaRPr lang="en-ID" sz="1400" dirty="0"/>
+                    </a:p>
+                  </a:txBody>
+                  <a:tcPr/>
+                </a:tc>
+                <a:tc>
+                  <a:txBody>
+                    <a:bodyPr/>
+                    <a:lstStyle/>
+                    <a:p>
+                      <a:pPr algn="r"/>
+                      <a:r>
+                        <a:rPr lang="en-US" sz="1400" dirty="0"/>
+                        <a:t>3000</a:t>
+                      </a:r>
+                      <a:endParaRPr lang="en-ID" sz="1400" dirty="0"/>
+                    </a:p>
+                  </a:txBody>
+                  <a:tcPr/>
+                </a:tc>
+                <a:tc>
+                  <a:txBody>
+                    <a:bodyPr/>
+                    <a:lstStyle/>
+                    <a:p>
+                      <a:pPr algn="r"/>
+                      <a:r>
+                        <a:rPr lang="en-US" sz="1400" dirty="0"/>
+                        <a:t>300.000</a:t>
+                      </a:r>
+                      <a:endParaRPr lang="en-ID" sz="1400" dirty="0"/>
+                    </a:p>
+                  </a:txBody>
+                  <a:tcPr/>
+                </a:tc>
+                <a:tc>
+                  <a:txBody>
+                    <a:bodyPr/>
+                    <a:lstStyle/>
+                    <a:p>
+                      <a:pPr algn="ctr"/>
+                      <a:r>
+                        <a:rPr lang="en-US" sz="1400" dirty="0"/>
+                        <a:t>Finish</a:t>
+                      </a:r>
+                      <a:endParaRPr lang="en-ID" sz="1400" dirty="0"/>
+                    </a:p>
+                  </a:txBody>
+                  <a:tcPr/>
+                </a:tc>
+                <a:tc>
+                  <a:txBody>
+                    <a:bodyPr/>
+                    <a:lstStyle/>
+                    <a:p>
+                      <a:endParaRPr lang="en-ID" sz="1400"/>
+                    </a:p>
+                  </a:txBody>
+                  <a:tcPr/>
+                </a:tc>
+                <a:tc>
+                  <a:txBody>
+                    <a:bodyPr/>
+                    <a:lstStyle/>
+                    <a:p>
+                      <a:endParaRPr lang="en-ID" sz="1400" dirty="0"/>
+                    </a:p>
+                  </a:txBody>
+                  <a:tcPr/>
+                </a:tc>
+                <a:extLst>
+                  <a:ext uri="{0D108BD9-81ED-4DB2-BD59-A6C34878D82A}">
+                    <a16:rowId xmlns:a16="http://schemas.microsoft.com/office/drawing/2014/main" val="3940111735"/>
+                  </a:ext>
+                </a:extLst>
+              </a:tr>
+            </a:tbl>
+          </a:graphicData>
+        </a:graphic>
+      </p:graphicFrame>
+      <p:sp>
+        <p:nvSpPr>
+          <p:cNvPr id="19" name="TextBox 18">
+            <a:extLst>
+              <a:ext uri="{FF2B5EF4-FFF2-40B4-BE49-F238E27FC236}">
+                <a16:creationId xmlns:a16="http://schemas.microsoft.com/office/drawing/2014/main" id="{83752F8D-13DE-4695-8377-1671CEE6D98A}"/>
+              </a:ext>
+            </a:extLst>
+          </p:cNvPr>
+          <p:cNvSpPr txBox="1"/>
+          <p:nvPr/>
+        </p:nvSpPr>
+        <p:spPr>
+          <a:xfrm>
+            <a:off x="812800" y="1990125"/>
+            <a:ext cx="3062514" cy="307777"/>
+          </a:xfrm>
+          <a:prstGeom prst="rect">
+            <a:avLst/>
+          </a:prstGeom>
+          <a:noFill/>
+        </p:spPr>
+        <p:txBody>
+          <a:bodyPr wrap="square" rtlCol="0">
+            <a:spAutoFit/>
+          </a:bodyPr>
+          <a:lstStyle/>
+          <a:p>
+            <a:r>
+              <a:rPr lang="en-US" sz="1400" b="1" dirty="0"/>
+              <a:t>Search Form</a:t>
+            </a:r>
+            <a:endParaRPr lang="en-ID" sz="1400" b="1" dirty="0"/>
+          </a:p>
+        </p:txBody>
+      </p:sp>
+      <p:sp>
+        <p:nvSpPr>
+          <p:cNvPr id="21" name="TextBox 20">
+            <a:extLst>
+              <a:ext uri="{FF2B5EF4-FFF2-40B4-BE49-F238E27FC236}">
+                <a16:creationId xmlns:a16="http://schemas.microsoft.com/office/drawing/2014/main" id="{A9854168-DE12-4CF8-A432-E23399466251}"/>
+              </a:ext>
+            </a:extLst>
+          </p:cNvPr>
+          <p:cNvSpPr txBox="1"/>
+          <p:nvPr/>
+        </p:nvSpPr>
+        <p:spPr>
+          <a:xfrm>
+            <a:off x="812800" y="2356084"/>
+            <a:ext cx="3062514" cy="307777"/>
+          </a:xfrm>
+          <a:prstGeom prst="rect">
+            <a:avLst/>
+          </a:prstGeom>
+          <a:noFill/>
+        </p:spPr>
+        <p:txBody>
+          <a:bodyPr wrap="square" rtlCol="0">
+            <a:spAutoFit/>
+          </a:bodyPr>
+          <a:lstStyle/>
+          <a:p>
+            <a:r>
+              <a:rPr lang="en-US" sz="1400" dirty="0"/>
+              <a:t>Kiosk</a:t>
+            </a:r>
+            <a:endParaRPr lang="en-ID" sz="1400" dirty="0"/>
+          </a:p>
+        </p:txBody>
+      </p:sp>
+      <p:sp>
+        <p:nvSpPr>
+          <p:cNvPr id="23" name="Rectangle 22">
+            <a:extLst>
+              <a:ext uri="{FF2B5EF4-FFF2-40B4-BE49-F238E27FC236}">
+                <a16:creationId xmlns:a16="http://schemas.microsoft.com/office/drawing/2014/main" id="{A236918D-61A9-4CEF-868B-7F509F9C962B}"/>
+              </a:ext>
+            </a:extLst>
+          </p:cNvPr>
+          <p:cNvSpPr/>
+          <p:nvPr/>
+        </p:nvSpPr>
+        <p:spPr>
+          <a:xfrm>
+            <a:off x="1857829" y="2356085"/>
+            <a:ext cx="2481942" cy="307777"/>
+          </a:xfrm>
+          <a:prstGeom prst="rect">
+            <a:avLst/>
+          </a:prstGeom>
+        </p:spPr>
+        <p:style>
+          <a:lnRef idx="2">
+            <a:schemeClr val="accent6"/>
+          </a:lnRef>
+          <a:fillRef idx="1">
+            <a:schemeClr val="lt1"/>
+          </a:fillRef>
+          <a:effectRef idx="0">
+            <a:schemeClr val="accent6"/>
+          </a:effectRef>
+          <a:fontRef idx="minor">
+            <a:schemeClr val="dk1"/>
+          </a:fontRef>
+        </p:style>
+        <p:txBody>
+          <a:bodyPr rtlCol="0" anchor="ctr"/>
+          <a:lstStyle/>
+          <a:p>
+            <a:pPr algn="ctr"/>
+            <a:endParaRPr lang="en-ID"/>
+          </a:p>
+        </p:txBody>
+      </p:sp>
+      <p:sp>
+        <p:nvSpPr>
+          <p:cNvPr id="24" name="TextBox 23">
+            <a:extLst>
+              <a:ext uri="{FF2B5EF4-FFF2-40B4-BE49-F238E27FC236}">
+                <a16:creationId xmlns:a16="http://schemas.microsoft.com/office/drawing/2014/main" id="{4838E431-7C75-4D72-AED9-80C0E6FFC3AF}"/>
+              </a:ext>
+            </a:extLst>
+          </p:cNvPr>
+          <p:cNvSpPr txBox="1"/>
+          <p:nvPr/>
+        </p:nvSpPr>
+        <p:spPr>
+          <a:xfrm>
+            <a:off x="0" y="0"/>
+            <a:ext cx="7779224" cy="369332"/>
+          </a:xfrm>
+          <a:prstGeom prst="rect">
+            <a:avLst/>
+          </a:prstGeom>
+          <a:solidFill>
+            <a:schemeClr val="accent4">
+              <a:lumMod val="20000"/>
+              <a:lumOff val="80000"/>
+            </a:schemeClr>
+          </a:solidFill>
+          <a:ln>
+            <a:solidFill>
+              <a:schemeClr val="accent4">
+                <a:lumMod val="60000"/>
+                <a:lumOff val="40000"/>
+              </a:schemeClr>
+            </a:solidFill>
+          </a:ln>
+          <a:effectLst>
+            <a:outerShdw blurRad="50800" dist="38100" dir="2700000" algn="tl" rotWithShape="0">
+              <a:prstClr val="black">
+                <a:alpha val="40000"/>
+              </a:prstClr>
+            </a:outerShdw>
+          </a:effectLst>
+        </p:spPr>
+        <p:txBody>
+          <a:bodyPr wrap="square" rtlCol="0">
+            <a:spAutoFit/>
+          </a:bodyPr>
+          <a:lstStyle/>
+          <a:p>
+            <a:r>
+              <a:rPr lang="en-US" dirty="0">
+                <a:solidFill>
+                  <a:schemeClr val="bg1">
+                    <a:lumMod val="65000"/>
+                  </a:schemeClr>
+                </a:solidFill>
+              </a:rPr>
+              <a:t>Show all transaction. Only Plant can access this page</a:t>
+            </a:r>
+            <a:endParaRPr lang="en-ID" dirty="0">
+              <a:solidFill>
+                <a:schemeClr val="bg1">
+                  <a:lumMod val="65000"/>
+                </a:schemeClr>
+              </a:solidFill>
+            </a:endParaRPr>
+          </a:p>
+        </p:txBody>
+      </p:sp>
+      <p:sp>
+        <p:nvSpPr>
+          <p:cNvPr id="25" name="TextBox 24">
+            <a:extLst>
+              <a:ext uri="{FF2B5EF4-FFF2-40B4-BE49-F238E27FC236}">
+                <a16:creationId xmlns:a16="http://schemas.microsoft.com/office/drawing/2014/main" id="{0717A534-D6DE-4196-BA30-869D9D4745B4}"/>
+              </a:ext>
+            </a:extLst>
+          </p:cNvPr>
+          <p:cNvSpPr txBox="1"/>
+          <p:nvPr/>
+        </p:nvSpPr>
+        <p:spPr>
+          <a:xfrm>
+            <a:off x="812800" y="1253143"/>
+            <a:ext cx="1311966" cy="369332"/>
+          </a:xfrm>
+          <a:prstGeom prst="rect">
+            <a:avLst/>
+          </a:prstGeom>
+          <a:noFill/>
+        </p:spPr>
+        <p:txBody>
+          <a:bodyPr wrap="square" rtlCol="0">
+            <a:spAutoFit/>
+          </a:bodyPr>
+          <a:lstStyle/>
+          <a:p>
+            <a:r>
+              <a:rPr lang="en-US" dirty="0"/>
+              <a:t>Hi, </a:t>
+            </a:r>
+            <a:r>
+              <a:rPr lang="en-US" sz="1800" dirty="0"/>
+              <a:t>Harvey</a:t>
+            </a:r>
+            <a:endParaRPr lang="en-ID" dirty="0"/>
+          </a:p>
+        </p:txBody>
+      </p:sp>
+      <p:sp>
+        <p:nvSpPr>
+          <p:cNvPr id="26" name="Rectangle: Rounded Corners 25">
+            <a:extLst>
+              <a:ext uri="{FF2B5EF4-FFF2-40B4-BE49-F238E27FC236}">
+                <a16:creationId xmlns:a16="http://schemas.microsoft.com/office/drawing/2014/main" id="{4E784C02-7693-47C5-94FC-63FA7D510630}"/>
+              </a:ext>
+            </a:extLst>
+          </p:cNvPr>
+          <p:cNvSpPr/>
+          <p:nvPr/>
+        </p:nvSpPr>
+        <p:spPr>
+          <a:xfrm>
+            <a:off x="1813378" y="3494625"/>
+            <a:ext cx="1240971" cy="354842"/>
+          </a:xfrm>
+          <a:prstGeom prst="roundRect">
+            <a:avLst/>
+          </a:prstGeom>
+        </p:spPr>
+        <p:style>
+          <a:lnRef idx="2">
+            <a:schemeClr val="accent6">
+              <a:shade val="50000"/>
+            </a:schemeClr>
+          </a:lnRef>
+          <a:fillRef idx="1">
+            <a:schemeClr val="accent6"/>
+          </a:fillRef>
+          <a:effectRef idx="0">
+            <a:schemeClr val="accent6"/>
+          </a:effectRef>
+          <a:fontRef idx="minor">
+            <a:schemeClr val="lt1"/>
+          </a:fontRef>
+        </p:style>
+        <p:txBody>
+          <a:bodyPr rtlCol="0" anchor="ctr"/>
+          <a:lstStyle/>
+          <a:p>
+            <a:pPr algn="ctr"/>
+            <a:r>
+              <a:rPr lang="en-US" sz="1400" dirty="0"/>
+              <a:t>Search</a:t>
+            </a:r>
+            <a:endParaRPr lang="en-ID" sz="1400" dirty="0"/>
+          </a:p>
+        </p:txBody>
+      </p:sp>
+      <p:sp>
+        <p:nvSpPr>
+          <p:cNvPr id="27" name="TextBox 26">
+            <a:extLst>
+              <a:ext uri="{FF2B5EF4-FFF2-40B4-BE49-F238E27FC236}">
+                <a16:creationId xmlns:a16="http://schemas.microsoft.com/office/drawing/2014/main" id="{11521B28-B649-450D-B886-7F53A3F759F5}"/>
+              </a:ext>
+            </a:extLst>
+          </p:cNvPr>
+          <p:cNvSpPr txBox="1"/>
+          <p:nvPr/>
+        </p:nvSpPr>
+        <p:spPr>
+          <a:xfrm>
+            <a:off x="815072" y="2740499"/>
+            <a:ext cx="3062514" cy="307777"/>
+          </a:xfrm>
+          <a:prstGeom prst="rect">
+            <a:avLst/>
+          </a:prstGeom>
+          <a:noFill/>
+        </p:spPr>
+        <p:txBody>
+          <a:bodyPr wrap="square" rtlCol="0">
+            <a:spAutoFit/>
+          </a:bodyPr>
+          <a:lstStyle/>
+          <a:p>
+            <a:r>
+              <a:rPr lang="en-US" sz="1400" dirty="0"/>
+              <a:t>Product</a:t>
+            </a:r>
+            <a:endParaRPr lang="en-ID" sz="1400" dirty="0"/>
+          </a:p>
+        </p:txBody>
+      </p:sp>
+      <p:sp>
+        <p:nvSpPr>
+          <p:cNvPr id="28" name="Rectangle 27">
+            <a:extLst>
+              <a:ext uri="{FF2B5EF4-FFF2-40B4-BE49-F238E27FC236}">
+                <a16:creationId xmlns:a16="http://schemas.microsoft.com/office/drawing/2014/main" id="{6BB25EF2-1990-455D-A491-E47850B4E57E}"/>
+              </a:ext>
+            </a:extLst>
+          </p:cNvPr>
+          <p:cNvSpPr/>
+          <p:nvPr/>
+        </p:nvSpPr>
+        <p:spPr>
+          <a:xfrm>
+            <a:off x="1860101" y="2740500"/>
+            <a:ext cx="2481942" cy="307777"/>
+          </a:xfrm>
+          <a:prstGeom prst="rect">
+            <a:avLst/>
+          </a:prstGeom>
+        </p:spPr>
+        <p:style>
+          <a:lnRef idx="2">
+            <a:schemeClr val="accent6"/>
+          </a:lnRef>
+          <a:fillRef idx="1">
+            <a:schemeClr val="lt1"/>
+          </a:fillRef>
+          <a:effectRef idx="0">
+            <a:schemeClr val="accent6"/>
+          </a:effectRef>
+          <a:fontRef idx="minor">
+            <a:schemeClr val="dk1"/>
+          </a:fontRef>
+        </p:style>
+        <p:txBody>
+          <a:bodyPr rtlCol="0" anchor="ctr"/>
+          <a:lstStyle/>
+          <a:p>
+            <a:pPr algn="ctr"/>
+            <a:endParaRPr lang="en-ID"/>
+          </a:p>
+        </p:txBody>
+      </p:sp>
+      <p:sp>
+        <p:nvSpPr>
+          <p:cNvPr id="22" name="Rectangle: Rounded Corners 21">
+            <a:extLst>
+              <a:ext uri="{FF2B5EF4-FFF2-40B4-BE49-F238E27FC236}">
+                <a16:creationId xmlns:a16="http://schemas.microsoft.com/office/drawing/2014/main" id="{4D1C85CC-27D9-4C3A-906D-49DCE02D6AFF}"/>
+              </a:ext>
+            </a:extLst>
+          </p:cNvPr>
+          <p:cNvSpPr/>
+          <p:nvPr/>
+        </p:nvSpPr>
+        <p:spPr>
+          <a:xfrm>
+            <a:off x="9603747" y="4503403"/>
+            <a:ext cx="872197" cy="245119"/>
+          </a:xfrm>
+          <a:prstGeom prst="roundRect">
+            <a:avLst/>
+          </a:prstGeom>
+        </p:spPr>
+        <p:style>
+          <a:lnRef idx="2">
+            <a:schemeClr val="accent6">
+              <a:shade val="50000"/>
+            </a:schemeClr>
+          </a:lnRef>
+          <a:fillRef idx="1">
+            <a:schemeClr val="accent6"/>
+          </a:fillRef>
+          <a:effectRef idx="0">
+            <a:schemeClr val="accent6"/>
+          </a:effectRef>
+          <a:fontRef idx="minor">
+            <a:schemeClr val="lt1"/>
+          </a:fontRef>
+        </p:style>
+        <p:txBody>
+          <a:bodyPr rtlCol="0" anchor="ctr"/>
+          <a:lstStyle/>
+          <a:p>
+            <a:pPr algn="ctr"/>
+            <a:r>
+              <a:rPr lang="en-US" sz="1400" dirty="0"/>
+              <a:t>Approve</a:t>
+            </a:r>
+            <a:endParaRPr lang="en-ID" sz="1400" dirty="0"/>
+          </a:p>
+        </p:txBody>
+      </p:sp>
+      <p:sp>
+        <p:nvSpPr>
+          <p:cNvPr id="30" name="Rectangle: Rounded Corners 29">
+            <a:extLst>
+              <a:ext uri="{FF2B5EF4-FFF2-40B4-BE49-F238E27FC236}">
+                <a16:creationId xmlns:a16="http://schemas.microsoft.com/office/drawing/2014/main" id="{2C831AE4-27D7-4609-8DDF-9D288618A90E}"/>
+              </a:ext>
+            </a:extLst>
+          </p:cNvPr>
+          <p:cNvSpPr/>
+          <p:nvPr/>
+        </p:nvSpPr>
+        <p:spPr>
+          <a:xfrm>
+            <a:off x="10756674" y="4497061"/>
+            <a:ext cx="872197" cy="245119"/>
+          </a:xfrm>
+          <a:prstGeom prst="roundRect">
+            <a:avLst/>
+          </a:prstGeom>
+        </p:spPr>
+        <p:style>
+          <a:lnRef idx="2">
+            <a:schemeClr val="accent2">
+              <a:shade val="50000"/>
+            </a:schemeClr>
+          </a:lnRef>
+          <a:fillRef idx="1">
+            <a:schemeClr val="accent2"/>
+          </a:fillRef>
+          <a:effectRef idx="0">
+            <a:schemeClr val="accent2"/>
+          </a:effectRef>
+          <a:fontRef idx="minor">
+            <a:schemeClr val="lt1"/>
+          </a:fontRef>
+        </p:style>
+        <p:txBody>
+          <a:bodyPr rtlCol="0" anchor="ctr"/>
+          <a:lstStyle/>
+          <a:p>
+            <a:pPr algn="ctr"/>
+            <a:r>
+              <a:rPr lang="en-US" sz="1400" dirty="0"/>
+              <a:t>Reject</a:t>
+            </a:r>
+            <a:endParaRPr lang="en-ID" sz="1400" dirty="0"/>
+          </a:p>
+        </p:txBody>
+      </p:sp>
+      <p:sp>
+        <p:nvSpPr>
+          <p:cNvPr id="31" name="Speech Bubble: Oval 30">
+            <a:extLst>
+              <a:ext uri="{FF2B5EF4-FFF2-40B4-BE49-F238E27FC236}">
+                <a16:creationId xmlns:a16="http://schemas.microsoft.com/office/drawing/2014/main" id="{93E05563-0FEE-44E5-8307-CCD02F71CE56}"/>
+              </a:ext>
+            </a:extLst>
+          </p:cNvPr>
+          <p:cNvSpPr/>
+          <p:nvPr/>
+        </p:nvSpPr>
+        <p:spPr>
+          <a:xfrm>
+            <a:off x="5696857" y="1775812"/>
+            <a:ext cx="4071582" cy="1423703"/>
+          </a:xfrm>
+          <a:prstGeom prst="wedgeEllipseCallout">
+            <a:avLst>
+              <a:gd name="adj1" fmla="val 53194"/>
+              <a:gd name="adj2" fmla="val 136611"/>
+            </a:avLst>
+          </a:prstGeom>
+        </p:spPr>
+        <p:style>
+          <a:lnRef idx="2">
+            <a:schemeClr val="accent6">
+              <a:shade val="50000"/>
+            </a:schemeClr>
+          </a:lnRef>
+          <a:fillRef idx="1">
+            <a:schemeClr val="accent6"/>
+          </a:fillRef>
+          <a:effectRef idx="0">
+            <a:schemeClr val="accent6"/>
+          </a:effectRef>
+          <a:fontRef idx="minor">
+            <a:schemeClr val="lt1"/>
+          </a:fontRef>
+        </p:style>
+        <p:txBody>
+          <a:bodyPr rtlCol="0" anchor="ctr"/>
+          <a:lstStyle/>
+          <a:p>
+            <a:pPr algn="ctr"/>
+            <a:r>
+              <a:rPr lang="en-US" dirty="0"/>
+              <a:t>If approved, amount will </a:t>
+            </a:r>
+            <a:r>
+              <a:rPr lang="en-US" dirty="0" err="1"/>
+              <a:t>transfered</a:t>
+            </a:r>
+            <a:r>
+              <a:rPr lang="en-US" dirty="0"/>
+              <a:t> to member(recycler)  Virtual Account</a:t>
+            </a:r>
+            <a:endParaRPr lang="en-ID" dirty="0"/>
+          </a:p>
+        </p:txBody>
+      </p:sp>
+      <p:sp>
+        <p:nvSpPr>
+          <p:cNvPr id="33" name="TextBox 32">
+            <a:extLst>
+              <a:ext uri="{FF2B5EF4-FFF2-40B4-BE49-F238E27FC236}">
+                <a16:creationId xmlns:a16="http://schemas.microsoft.com/office/drawing/2014/main" id="{1BA4DD24-853F-41E5-B024-A0AA2E62F1E8}"/>
+              </a:ext>
+            </a:extLst>
+          </p:cNvPr>
+          <p:cNvSpPr txBox="1"/>
+          <p:nvPr/>
+        </p:nvSpPr>
+        <p:spPr>
+          <a:xfrm>
+            <a:off x="812800" y="3133211"/>
+            <a:ext cx="3062514" cy="307777"/>
+          </a:xfrm>
+          <a:prstGeom prst="rect">
+            <a:avLst/>
+          </a:prstGeom>
+          <a:noFill/>
+        </p:spPr>
+        <p:txBody>
+          <a:bodyPr wrap="square" rtlCol="0">
+            <a:spAutoFit/>
+          </a:bodyPr>
+          <a:lstStyle/>
+          <a:p>
+            <a:r>
+              <a:rPr lang="en-US" sz="1400" dirty="0"/>
+              <a:t>Date</a:t>
+            </a:r>
+            <a:endParaRPr lang="en-ID" sz="1400" dirty="0"/>
+          </a:p>
+        </p:txBody>
+      </p:sp>
+      <p:sp>
+        <p:nvSpPr>
+          <p:cNvPr id="34" name="Rectangle 33">
+            <a:extLst>
+              <a:ext uri="{FF2B5EF4-FFF2-40B4-BE49-F238E27FC236}">
+                <a16:creationId xmlns:a16="http://schemas.microsoft.com/office/drawing/2014/main" id="{8D982BD3-77E1-4C99-BFCF-E1DC95975BFC}"/>
+              </a:ext>
+            </a:extLst>
+          </p:cNvPr>
+          <p:cNvSpPr/>
+          <p:nvPr/>
+        </p:nvSpPr>
+        <p:spPr>
+          <a:xfrm>
+            <a:off x="1857829" y="3120512"/>
+            <a:ext cx="1152071" cy="307777"/>
+          </a:xfrm>
+          <a:prstGeom prst="rect">
+            <a:avLst/>
+          </a:prstGeom>
+        </p:spPr>
+        <p:style>
+          <a:lnRef idx="2">
+            <a:schemeClr val="accent6"/>
+          </a:lnRef>
+          <a:fillRef idx="1">
+            <a:schemeClr val="lt1"/>
+          </a:fillRef>
+          <a:effectRef idx="0">
+            <a:schemeClr val="accent6"/>
+          </a:effectRef>
+          <a:fontRef idx="minor">
+            <a:schemeClr val="dk1"/>
+          </a:fontRef>
+        </p:style>
+        <p:txBody>
+          <a:bodyPr rtlCol="0" anchor="ctr"/>
+          <a:lstStyle/>
+          <a:p>
+            <a:r>
+              <a:rPr lang="en-US" sz="1400" dirty="0"/>
+              <a:t>From</a:t>
+            </a:r>
+            <a:endParaRPr lang="en-ID" sz="1400" dirty="0"/>
+          </a:p>
+        </p:txBody>
+      </p:sp>
+      <p:sp>
+        <p:nvSpPr>
+          <p:cNvPr id="35" name="Rectangle 34">
+            <a:extLst>
+              <a:ext uri="{FF2B5EF4-FFF2-40B4-BE49-F238E27FC236}">
+                <a16:creationId xmlns:a16="http://schemas.microsoft.com/office/drawing/2014/main" id="{80F6ADD9-CB07-4811-B715-E76AD6961A3C}"/>
+              </a:ext>
+            </a:extLst>
+          </p:cNvPr>
+          <p:cNvSpPr/>
+          <p:nvPr/>
+        </p:nvSpPr>
+        <p:spPr>
+          <a:xfrm>
+            <a:off x="3098800" y="3121225"/>
+            <a:ext cx="1240971" cy="307777"/>
+          </a:xfrm>
+          <a:prstGeom prst="rect">
+            <a:avLst/>
+          </a:prstGeom>
+        </p:spPr>
+        <p:style>
+          <a:lnRef idx="2">
+            <a:schemeClr val="accent6"/>
+          </a:lnRef>
+          <a:fillRef idx="1">
+            <a:schemeClr val="lt1"/>
+          </a:fillRef>
+          <a:effectRef idx="0">
+            <a:schemeClr val="accent6"/>
+          </a:effectRef>
+          <a:fontRef idx="minor">
+            <a:schemeClr val="dk1"/>
+          </a:fontRef>
+        </p:style>
+        <p:txBody>
+          <a:bodyPr rtlCol="0" anchor="ctr"/>
+          <a:lstStyle/>
+          <a:p>
+            <a:r>
+              <a:rPr lang="en-US" sz="1400" dirty="0"/>
+              <a:t>to</a:t>
+            </a:r>
+            <a:endParaRPr lang="en-ID" sz="1400" dirty="0"/>
+          </a:p>
+        </p:txBody>
+      </p:sp>
+      <p:graphicFrame>
+        <p:nvGraphicFramePr>
+          <p:cNvPr id="37" name="Table 36">
+            <a:extLst>
+              <a:ext uri="{FF2B5EF4-FFF2-40B4-BE49-F238E27FC236}">
+                <a16:creationId xmlns:a16="http://schemas.microsoft.com/office/drawing/2014/main" id="{64D54D81-62D9-439E-95BD-C6EE1447BC82}"/>
+              </a:ext>
+            </a:extLst>
+          </p:cNvPr>
+          <p:cNvGraphicFramePr>
+            <a:graphicFrameLocks noGrp="1"/>
+          </p:cNvGraphicFramePr>
+          <p:nvPr>
+            <p:extLst>
+              <p:ext uri="{D42A27DB-BD31-4B8C-83A1-F6EECF244321}">
+                <p14:modId xmlns:p14="http://schemas.microsoft.com/office/powerpoint/2010/main" val="1901547314"/>
+              </p:ext>
+            </p:extLst>
+          </p:nvPr>
+        </p:nvGraphicFramePr>
+        <p:xfrm>
+          <a:off x="313899" y="5604857"/>
+          <a:ext cx="7864901" cy="370840"/>
+        </p:xfrm>
+        <a:graphic>
+          <a:graphicData uri="http://schemas.openxmlformats.org/drawingml/2006/table">
+            <a:tbl>
+              <a:tblPr firstRow="1" bandRow="1">
+                <a:tableStyleId>{68D230F3-CF80-4859-8CE7-A43EE81993B5}</a:tableStyleId>
+              </a:tblPr>
+              <a:tblGrid>
+                <a:gridCol w="5607830">
+                  <a:extLst>
+                    <a:ext uri="{9D8B030D-6E8A-4147-A177-3AD203B41FA5}">
+                      <a16:colId xmlns:a16="http://schemas.microsoft.com/office/drawing/2014/main" val="499632271"/>
+                    </a:ext>
+                  </a:extLst>
+                </a:gridCol>
+                <a:gridCol w="1126525">
+                  <a:extLst>
+                    <a:ext uri="{9D8B030D-6E8A-4147-A177-3AD203B41FA5}">
+                      <a16:colId xmlns:a16="http://schemas.microsoft.com/office/drawing/2014/main" val="1114575473"/>
+                    </a:ext>
+                  </a:extLst>
+                </a:gridCol>
+                <a:gridCol w="1130546">
+                  <a:extLst>
+                    <a:ext uri="{9D8B030D-6E8A-4147-A177-3AD203B41FA5}">
+                      <a16:colId xmlns:a16="http://schemas.microsoft.com/office/drawing/2014/main" val="1005342953"/>
+                    </a:ext>
+                  </a:extLst>
+                </a:gridCol>
+              </a:tblGrid>
+              <a:tr h="370840">
+                <a:tc>
+                  <a:txBody>
+                    <a:bodyPr/>
+                    <a:lstStyle/>
+                    <a:p>
+                      <a:pPr algn="l"/>
+                      <a:r>
+                        <a:rPr lang="en-US" dirty="0"/>
+                        <a:t>Total transaction</a:t>
+                      </a:r>
+                      <a:endParaRPr lang="en-ID" dirty="0"/>
+                    </a:p>
+                  </a:txBody>
+                  <a:tcPr/>
+                </a:tc>
+                <a:tc>
+                  <a:txBody>
+                    <a:bodyPr/>
+                    <a:lstStyle/>
+                    <a:p>
+                      <a:pPr algn="r"/>
+                      <a:r>
+                        <a:rPr lang="en-US" sz="1400" dirty="0"/>
+                        <a:t>6.000</a:t>
+                      </a:r>
+                      <a:endParaRPr lang="en-ID" sz="1400" dirty="0"/>
+                    </a:p>
+                  </a:txBody>
+                  <a:tcPr/>
+                </a:tc>
+                <a:tc>
+                  <a:txBody>
+                    <a:bodyPr/>
+                    <a:lstStyle/>
+                    <a:p>
+                      <a:pPr algn="r"/>
+                      <a:r>
+                        <a:rPr lang="en-US" sz="1400" dirty="0"/>
+                        <a:t>500.000</a:t>
+                      </a:r>
+                      <a:endParaRPr lang="en-ID" sz="1400" dirty="0"/>
+                    </a:p>
+                  </a:txBody>
+                  <a:tcPr/>
+                </a:tc>
+                <a:extLst>
+                  <a:ext uri="{0D108BD9-81ED-4DB2-BD59-A6C34878D82A}">
+                    <a16:rowId xmlns:a16="http://schemas.microsoft.com/office/drawing/2014/main" val="1274030039"/>
+                  </a:ext>
+                </a:extLst>
+              </a:tr>
+            </a:tbl>
+          </a:graphicData>
+        </a:graphic>
+      </p:graphicFrame>
+    </p:spTree>
+    <p:extLst>
+      <p:ext uri="{BB962C8B-B14F-4D97-AF65-F5344CB8AC3E}">
+        <p14:creationId xmlns:p14="http://schemas.microsoft.com/office/powerpoint/2010/main" val="960524062"/>
       </p:ext>
     </p:extLst>
   </p:cSld>
@@ -3802,7 +6241,7 @@
         </p:nvSpPr>
         <p:spPr>
           <a:xfrm>
-            <a:off x="8017566" y="743851"/>
+            <a:off x="8017566" y="718451"/>
             <a:ext cx="1311966" cy="369332"/>
           </a:xfrm>
           <a:prstGeom prst="rect">
@@ -3911,20 +6350,20 @@
           <p:nvPr>
             <p:extLst>
               <p:ext uri="{D42A27DB-BD31-4B8C-83A1-F6EECF244321}">
-                <p14:modId xmlns:p14="http://schemas.microsoft.com/office/powerpoint/2010/main" val="1445568352"/>
+                <p14:modId xmlns:p14="http://schemas.microsoft.com/office/powerpoint/2010/main" val="3727586870"/>
               </p:ext>
             </p:extLst>
           </p:nvPr>
         </p:nvGraphicFramePr>
         <p:xfrm>
-          <a:off x="689112" y="3005814"/>
+          <a:off x="689112" y="3797387"/>
           <a:ext cx="10663582" cy="2225040"/>
         </p:xfrm>
         <a:graphic>
           <a:graphicData uri="http://schemas.openxmlformats.org/drawingml/2006/table">
             <a:tbl>
               <a:tblPr firstRow="1" bandRow="1">
-                <a:tableStyleId>{073A0DAA-6AF3-43AB-8588-CEC1D06C72B9}</a:tableStyleId>
+                <a:tableStyleId>{68D230F3-CF80-4859-8CE7-A43EE81993B5}</a:tableStyleId>
               </a:tblPr>
               <a:tblGrid>
                 <a:gridCol w="512417">
@@ -4789,7 +7228,7 @@
         </p:blipFill>
         <p:spPr>
           <a:xfrm>
-            <a:off x="9690651" y="3429000"/>
+            <a:off x="9690651" y="4220573"/>
             <a:ext cx="195469" cy="195469"/>
           </a:xfrm>
           <a:prstGeom prst="rect">
@@ -4828,7 +7267,7 @@
         </p:blipFill>
         <p:spPr>
           <a:xfrm>
-            <a:off x="9687337" y="3831866"/>
+            <a:off x="9687337" y="4623439"/>
             <a:ext cx="202096" cy="202096"/>
           </a:xfrm>
           <a:prstGeom prst="rect">
@@ -4867,7 +7306,7 @@
         </p:blipFill>
         <p:spPr>
           <a:xfrm>
-            <a:off x="9684024" y="4208999"/>
+            <a:off x="9684024" y="5000572"/>
             <a:ext cx="202096" cy="202096"/>
           </a:xfrm>
           <a:prstGeom prst="rect">
@@ -4906,7 +7345,7 @@
         </p:blipFill>
         <p:spPr>
           <a:xfrm>
-            <a:off x="9690651" y="4586132"/>
+            <a:off x="9690651" y="5377705"/>
             <a:ext cx="202096" cy="202096"/>
           </a:xfrm>
           <a:prstGeom prst="rect">
@@ -4945,7 +7384,7 @@
         </p:blipFill>
         <p:spPr>
           <a:xfrm>
-            <a:off x="9684024" y="4963265"/>
+            <a:off x="9684024" y="5754838"/>
             <a:ext cx="202096" cy="202096"/>
           </a:xfrm>
           <a:prstGeom prst="rect">
@@ -4984,7 +7423,7 @@
         </p:blipFill>
         <p:spPr>
           <a:xfrm>
-            <a:off x="10701129" y="3441589"/>
+            <a:off x="10701129" y="4233162"/>
             <a:ext cx="195469" cy="195469"/>
           </a:xfrm>
           <a:prstGeom prst="rect">
@@ -5023,7 +7462,7 @@
         </p:blipFill>
         <p:spPr>
           <a:xfrm>
-            <a:off x="10687212" y="3831866"/>
+            <a:off x="10687212" y="4623439"/>
             <a:ext cx="195469" cy="195469"/>
           </a:xfrm>
           <a:prstGeom prst="rect">
@@ -5062,7 +7501,7 @@
         </p:blipFill>
         <p:spPr>
           <a:xfrm>
-            <a:off x="10701129" y="4225233"/>
+            <a:off x="10701129" y="5016806"/>
             <a:ext cx="195469" cy="195469"/>
           </a:xfrm>
           <a:prstGeom prst="rect">
@@ -5101,7 +7540,7 @@
         </p:blipFill>
         <p:spPr>
           <a:xfrm>
-            <a:off x="10701129" y="4596402"/>
+            <a:off x="10701129" y="5387975"/>
             <a:ext cx="195469" cy="195469"/>
           </a:xfrm>
           <a:prstGeom prst="rect">
@@ -5140,7 +7579,7 @@
         </p:blipFill>
         <p:spPr>
           <a:xfrm>
-            <a:off x="10701129" y="4994525"/>
+            <a:off x="10701129" y="5786098"/>
             <a:ext cx="195469" cy="195469"/>
           </a:xfrm>
           <a:prstGeom prst="rect">
@@ -5409,6 +7848,56 @@
                 </a:schemeClr>
               </a:solidFill>
             </a:endParaRPr>
+          </a:p>
+        </p:txBody>
+      </p:sp>
+      <p:sp>
+        <p:nvSpPr>
+          <p:cNvPr id="25" name="Rectangle: Rounded Corners 24">
+            <a:extLst>
+              <a:ext uri="{FF2B5EF4-FFF2-40B4-BE49-F238E27FC236}">
+                <a16:creationId xmlns:a16="http://schemas.microsoft.com/office/drawing/2014/main" id="{4689FCD5-CD06-413A-AD05-C20751B4A98C}"/>
+              </a:ext>
+            </a:extLst>
+          </p:cNvPr>
+          <p:cNvSpPr/>
+          <p:nvPr/>
+        </p:nvSpPr>
+        <p:spPr>
+          <a:xfrm>
+            <a:off x="1857829" y="2760671"/>
+            <a:ext cx="1240971" cy="354842"/>
+          </a:xfrm>
+          <a:prstGeom prst="roundRect">
+            <a:avLst/>
+          </a:prstGeom>
+        </p:spPr>
+        <p:style>
+          <a:lnRef idx="2">
+            <a:schemeClr val="accent6">
+              <a:shade val="50000"/>
+            </a:schemeClr>
+          </a:lnRef>
+          <a:fillRef idx="1">
+            <a:schemeClr val="accent6"/>
+          </a:fillRef>
+          <a:effectRef idx="0">
+            <a:schemeClr val="accent6"/>
+          </a:effectRef>
+          <a:fontRef idx="minor">
+            <a:schemeClr val="lt1"/>
+          </a:fontRef>
+        </p:style>
+        <p:txBody>
+          <a:bodyPr rtlCol="0" anchor="ctr"/>
+          <a:lstStyle/>
+          <a:p>
+            <a:pPr algn="ctr"/>
+            <a:r>
+              <a:rPr lang="en-US" sz="1400" dirty="0"/>
+              <a:t>Search</a:t>
+            </a:r>
+            <a:endParaRPr lang="en-ID" sz="1400" dirty="0"/>
           </a:p>
         </p:txBody>
       </p:sp>
@@ -5492,7 +7981,7 @@
         </p:nvSpPr>
         <p:spPr>
           <a:xfrm>
-            <a:off x="8017566" y="743851"/>
+            <a:off x="8017566" y="718451"/>
             <a:ext cx="1311966" cy="369332"/>
           </a:xfrm>
           <a:prstGeom prst="rect">
@@ -5672,7 +8161,7 @@
         </p:nvSpPr>
         <p:spPr>
           <a:xfrm>
-            <a:off x="2634343" y="1969097"/>
+            <a:off x="2862943" y="1969097"/>
             <a:ext cx="2481942" cy="307777"/>
           </a:xfrm>
           <a:prstGeom prst="rect">
@@ -5716,7 +8205,7 @@
         </p:nvSpPr>
         <p:spPr>
           <a:xfrm>
-            <a:off x="2634343" y="2356084"/>
+            <a:off x="2862943" y="2356084"/>
             <a:ext cx="2481942" cy="307777"/>
           </a:xfrm>
           <a:prstGeom prst="rect">
@@ -5796,7 +8285,7 @@
         </p:nvSpPr>
         <p:spPr>
           <a:xfrm>
-            <a:off x="2634343" y="2743070"/>
+            <a:off x="2862943" y="2743070"/>
             <a:ext cx="2481942" cy="307777"/>
           </a:xfrm>
           <a:prstGeom prst="rect">
@@ -5876,7 +8365,7 @@
         </p:nvSpPr>
         <p:spPr>
           <a:xfrm>
-            <a:off x="2634343" y="3143571"/>
+            <a:off x="2862943" y="3143571"/>
             <a:ext cx="2481942" cy="307777"/>
           </a:xfrm>
           <a:prstGeom prst="rect">
@@ -5956,7 +8445,7 @@
         </p:nvSpPr>
         <p:spPr>
           <a:xfrm>
-            <a:off x="2634343" y="3557587"/>
+            <a:off x="2862943" y="3557587"/>
             <a:ext cx="2481942" cy="307777"/>
           </a:xfrm>
           <a:prstGeom prst="rect">
@@ -6000,7 +8489,7 @@
         </p:nvSpPr>
         <p:spPr>
           <a:xfrm>
-            <a:off x="812800" y="3971601"/>
+            <a:off x="812800" y="4393680"/>
             <a:ext cx="3062514" cy="307777"/>
           </a:xfrm>
           <a:prstGeom prst="rect">
@@ -6036,7 +8525,7 @@
         </p:nvSpPr>
         <p:spPr>
           <a:xfrm>
-            <a:off x="2634343" y="3971601"/>
+            <a:off x="2862943" y="4393680"/>
             <a:ext cx="2481942" cy="307777"/>
           </a:xfrm>
           <a:prstGeom prst="rect">
@@ -6080,7 +8569,7 @@
         </p:nvSpPr>
         <p:spPr>
           <a:xfrm rot="10800000">
-            <a:off x="4864893" y="4037829"/>
+            <a:off x="5093493" y="4459908"/>
             <a:ext cx="190160" cy="175320"/>
           </a:xfrm>
           <a:prstGeom prst="triangle">
@@ -6124,7 +8613,7 @@
         </p:nvSpPr>
         <p:spPr>
           <a:xfrm>
-            <a:off x="2634343" y="4279376"/>
+            <a:off x="2862943" y="4701455"/>
             <a:ext cx="2481942" cy="983187"/>
           </a:xfrm>
           <a:prstGeom prst="rect">
@@ -6242,6 +8731,189 @@
                 </a:schemeClr>
               </a:solidFill>
             </a:endParaRPr>
+          </a:p>
+        </p:txBody>
+      </p:sp>
+      <p:sp>
+        <p:nvSpPr>
+          <p:cNvPr id="2" name="Rectangle: Rounded Corners 1">
+            <a:extLst>
+              <a:ext uri="{FF2B5EF4-FFF2-40B4-BE49-F238E27FC236}">
+                <a16:creationId xmlns:a16="http://schemas.microsoft.com/office/drawing/2014/main" id="{FCC40E60-996B-4F2D-9CB1-73F38F895361}"/>
+              </a:ext>
+            </a:extLst>
+          </p:cNvPr>
+          <p:cNvSpPr/>
+          <p:nvPr/>
+        </p:nvSpPr>
+        <p:spPr>
+          <a:xfrm>
+            <a:off x="2862943" y="5814996"/>
+            <a:ext cx="1240971" cy="354842"/>
+          </a:xfrm>
+          <a:prstGeom prst="roundRect">
+            <a:avLst/>
+          </a:prstGeom>
+        </p:spPr>
+        <p:style>
+          <a:lnRef idx="2">
+            <a:schemeClr val="accent6">
+              <a:shade val="50000"/>
+            </a:schemeClr>
+          </a:lnRef>
+          <a:fillRef idx="1">
+            <a:schemeClr val="accent6"/>
+          </a:fillRef>
+          <a:effectRef idx="0">
+            <a:schemeClr val="accent6"/>
+          </a:effectRef>
+          <a:fontRef idx="minor">
+            <a:schemeClr val="lt1"/>
+          </a:fontRef>
+        </p:style>
+        <p:txBody>
+          <a:bodyPr rtlCol="0" anchor="ctr"/>
+          <a:lstStyle/>
+          <a:p>
+            <a:pPr algn="ctr"/>
+            <a:r>
+              <a:rPr lang="en-US" sz="1400" dirty="0"/>
+              <a:t>Save</a:t>
+            </a:r>
+            <a:endParaRPr lang="en-ID" sz="1400" dirty="0"/>
+          </a:p>
+        </p:txBody>
+      </p:sp>
+      <p:sp>
+        <p:nvSpPr>
+          <p:cNvPr id="33" name="TextBox 32">
+            <a:extLst>
+              <a:ext uri="{FF2B5EF4-FFF2-40B4-BE49-F238E27FC236}">
+                <a16:creationId xmlns:a16="http://schemas.microsoft.com/office/drawing/2014/main" id="{58D33AAA-58E1-499D-AA97-4F113E9C8726}"/>
+              </a:ext>
+            </a:extLst>
+          </p:cNvPr>
+          <p:cNvSpPr txBox="1"/>
+          <p:nvPr/>
+        </p:nvSpPr>
+        <p:spPr>
+          <a:xfrm>
+            <a:off x="812800" y="3971603"/>
+            <a:ext cx="3062514" cy="307777"/>
+          </a:xfrm>
+          <a:prstGeom prst="rect">
+            <a:avLst/>
+          </a:prstGeom>
+          <a:noFill/>
+        </p:spPr>
+        <p:txBody>
+          <a:bodyPr wrap="square" rtlCol="0">
+            <a:spAutoFit/>
+          </a:bodyPr>
+          <a:lstStyle/>
+          <a:p>
+            <a:r>
+              <a:rPr lang="en-US" sz="1400" dirty="0"/>
+              <a:t>Member Virtual Account</a:t>
+            </a:r>
+            <a:endParaRPr lang="en-ID" sz="1400" dirty="0"/>
+          </a:p>
+        </p:txBody>
+      </p:sp>
+      <p:sp>
+        <p:nvSpPr>
+          <p:cNvPr id="34" name="Rectangle 33">
+            <a:extLst>
+              <a:ext uri="{FF2B5EF4-FFF2-40B4-BE49-F238E27FC236}">
+                <a16:creationId xmlns:a16="http://schemas.microsoft.com/office/drawing/2014/main" id="{6F477BDF-8F1E-4001-BEA3-417B6FB97908}"/>
+              </a:ext>
+            </a:extLst>
+          </p:cNvPr>
+          <p:cNvSpPr/>
+          <p:nvPr/>
+        </p:nvSpPr>
+        <p:spPr>
+          <a:xfrm>
+            <a:off x="2862943" y="3971603"/>
+            <a:ext cx="2481942" cy="307777"/>
+          </a:xfrm>
+          <a:prstGeom prst="rect">
+            <a:avLst/>
+          </a:prstGeom>
+        </p:spPr>
+        <p:style>
+          <a:lnRef idx="2">
+            <a:schemeClr val="accent6"/>
+          </a:lnRef>
+          <a:fillRef idx="1">
+            <a:schemeClr val="lt1"/>
+          </a:fillRef>
+          <a:effectRef idx="0">
+            <a:schemeClr val="accent6"/>
+          </a:effectRef>
+          <a:fontRef idx="minor">
+            <a:schemeClr val="dk1"/>
+          </a:fontRef>
+        </p:style>
+        <p:txBody>
+          <a:bodyPr rtlCol="0" anchor="ctr"/>
+          <a:lstStyle/>
+          <a:p>
+            <a:pPr algn="ctr"/>
+            <a:endParaRPr lang="en-ID"/>
+          </a:p>
+        </p:txBody>
+      </p:sp>
+      <p:sp>
+        <p:nvSpPr>
+          <p:cNvPr id="35" name="Speech Bubble: Oval 34">
+            <a:extLst>
+              <a:ext uri="{FF2B5EF4-FFF2-40B4-BE49-F238E27FC236}">
+                <a16:creationId xmlns:a16="http://schemas.microsoft.com/office/drawing/2014/main" id="{A3E1E86F-E868-4906-B6D9-AB0566BB5AEF}"/>
+              </a:ext>
+            </a:extLst>
+          </p:cNvPr>
+          <p:cNvSpPr/>
+          <p:nvPr/>
+        </p:nvSpPr>
+        <p:spPr>
+          <a:xfrm>
+            <a:off x="6280897" y="4087261"/>
+            <a:ext cx="4071582" cy="976387"/>
+          </a:xfrm>
+          <a:prstGeom prst="wedgeEllipseCallout">
+            <a:avLst>
+              <a:gd name="adj1" fmla="val -80931"/>
+              <a:gd name="adj2" fmla="val -48026"/>
+            </a:avLst>
+          </a:prstGeom>
+        </p:spPr>
+        <p:style>
+          <a:lnRef idx="2">
+            <a:schemeClr val="accent6">
+              <a:shade val="50000"/>
+            </a:schemeClr>
+          </a:lnRef>
+          <a:fillRef idx="1">
+            <a:schemeClr val="accent6"/>
+          </a:fillRef>
+          <a:effectRef idx="0">
+            <a:schemeClr val="accent6"/>
+          </a:effectRef>
+          <a:fontRef idx="minor">
+            <a:schemeClr val="lt1"/>
+          </a:fontRef>
+        </p:style>
+        <p:txBody>
+          <a:bodyPr rtlCol="0" anchor="ctr"/>
+          <a:lstStyle/>
+          <a:p>
+            <a:pPr algn="ctr"/>
+            <a:r>
+              <a:rPr lang="en-US" dirty="0"/>
+              <a:t>Bank Virtual Account Number. Only for Member/Recycler</a:t>
+            </a:r>
+            <a:endParaRPr lang="en-ID" dirty="0"/>
           </a:p>
         </p:txBody>
       </p:sp>
@@ -6325,7 +8997,7 @@
         </p:nvSpPr>
         <p:spPr>
           <a:xfrm>
-            <a:off x="8017566" y="743851"/>
+            <a:off x="8017566" y="718451"/>
             <a:ext cx="1311966" cy="369332"/>
           </a:xfrm>
           <a:prstGeom prst="rect">
@@ -6434,7 +9106,7 @@
           <p:nvPr>
             <p:extLst>
               <p:ext uri="{D42A27DB-BD31-4B8C-83A1-F6EECF244321}">
-                <p14:modId xmlns:p14="http://schemas.microsoft.com/office/powerpoint/2010/main" val="1191276860"/>
+                <p14:modId xmlns:p14="http://schemas.microsoft.com/office/powerpoint/2010/main" val="3785592322"/>
               </p:ext>
             </p:extLst>
           </p:nvPr>
@@ -6447,7 +9119,7 @@
           <a:graphicData uri="http://schemas.openxmlformats.org/drawingml/2006/table">
             <a:tbl>
               <a:tblPr firstRow="1" bandRow="1">
-                <a:tableStyleId>{073A0DAA-6AF3-43AB-8588-CEC1D06C72B9}</a:tableStyleId>
+                <a:tableStyleId>{68D230F3-CF80-4859-8CE7-A43EE81993B5}</a:tableStyleId>
               </a:tblPr>
               <a:tblGrid>
                 <a:gridCol w="512417">
@@ -7202,6 +9874,56 @@
           </a:p>
         </p:txBody>
       </p:sp>
+      <p:sp>
+        <p:nvSpPr>
+          <p:cNvPr id="17" name="Rectangle: Rounded Corners 16">
+            <a:extLst>
+              <a:ext uri="{FF2B5EF4-FFF2-40B4-BE49-F238E27FC236}">
+                <a16:creationId xmlns:a16="http://schemas.microsoft.com/office/drawing/2014/main" id="{BD7E2A76-C68B-4060-9C73-1F6F45C0378D}"/>
+              </a:ext>
+            </a:extLst>
+          </p:cNvPr>
+          <p:cNvSpPr/>
+          <p:nvPr/>
+        </p:nvSpPr>
+        <p:spPr>
+          <a:xfrm>
+            <a:off x="4453636" y="1931975"/>
+            <a:ext cx="1240971" cy="354842"/>
+          </a:xfrm>
+          <a:prstGeom prst="roundRect">
+            <a:avLst/>
+          </a:prstGeom>
+        </p:spPr>
+        <p:style>
+          <a:lnRef idx="2">
+            <a:schemeClr val="accent6">
+              <a:shade val="50000"/>
+            </a:schemeClr>
+          </a:lnRef>
+          <a:fillRef idx="1">
+            <a:schemeClr val="accent6"/>
+          </a:fillRef>
+          <a:effectRef idx="0">
+            <a:schemeClr val="accent6"/>
+          </a:effectRef>
+          <a:fontRef idx="minor">
+            <a:schemeClr val="lt1"/>
+          </a:fontRef>
+        </p:style>
+        <p:txBody>
+          <a:bodyPr rtlCol="0" anchor="ctr"/>
+          <a:lstStyle/>
+          <a:p>
+            <a:pPr algn="ctr"/>
+            <a:r>
+              <a:rPr lang="en-US" sz="1400" dirty="0"/>
+              <a:t>Search</a:t>
+            </a:r>
+            <a:endParaRPr lang="en-ID" sz="1400" dirty="0"/>
+          </a:p>
+        </p:txBody>
+      </p:sp>
     </p:spTree>
     <p:extLst>
       <p:ext uri="{BB962C8B-B14F-4D97-AF65-F5344CB8AC3E}">
@@ -7282,7 +10004,7 @@
         </p:nvSpPr>
         <p:spPr>
           <a:xfrm>
-            <a:off x="8017566" y="743851"/>
+            <a:off x="8017566" y="718451"/>
             <a:ext cx="1311966" cy="369332"/>
           </a:xfrm>
           <a:prstGeom prst="rect">
@@ -7487,8 +10209,11 @@
           <a:bodyPr rtlCol="0" anchor="ctr"/>
           <a:lstStyle/>
           <a:p>
-            <a:pPr algn="ctr"/>
-            <a:endParaRPr lang="en-ID"/>
+            <a:r>
+              <a:rPr lang="en-US" sz="1400" dirty="0"/>
+              <a:t>Bottle PET</a:t>
+            </a:r>
+            <a:endParaRPr lang="en-ID" sz="1400" dirty="0"/>
           </a:p>
         </p:txBody>
       </p:sp>
@@ -7531,8 +10256,11 @@
           <a:bodyPr rtlCol="0" anchor="ctr"/>
           <a:lstStyle/>
           <a:p>
-            <a:pPr algn="ctr"/>
-            <a:endParaRPr lang="en-ID"/>
+            <a:r>
+              <a:rPr lang="en-US" sz="1400" dirty="0"/>
+              <a:t>100</a:t>
+            </a:r>
+            <a:endParaRPr lang="en-ID" sz="1400" dirty="0"/>
           </a:p>
         </p:txBody>
       </p:sp>
@@ -7601,6 +10329,56 @@
                 </a:schemeClr>
               </a:solidFill>
             </a:endParaRPr>
+          </a:p>
+        </p:txBody>
+      </p:sp>
+      <p:sp>
+        <p:nvSpPr>
+          <p:cNvPr id="11" name="Rectangle: Rounded Corners 10">
+            <a:extLst>
+              <a:ext uri="{FF2B5EF4-FFF2-40B4-BE49-F238E27FC236}">
+                <a16:creationId xmlns:a16="http://schemas.microsoft.com/office/drawing/2014/main" id="{DA23B737-2E92-4382-AD6F-3D5D09AA8861}"/>
+              </a:ext>
+            </a:extLst>
+          </p:cNvPr>
+          <p:cNvSpPr/>
+          <p:nvPr/>
+        </p:nvSpPr>
+        <p:spPr>
+          <a:xfrm>
+            <a:off x="2634343" y="2743070"/>
+            <a:ext cx="1240971" cy="354842"/>
+          </a:xfrm>
+          <a:prstGeom prst="roundRect">
+            <a:avLst/>
+          </a:prstGeom>
+        </p:spPr>
+        <p:style>
+          <a:lnRef idx="2">
+            <a:schemeClr val="accent6">
+              <a:shade val="50000"/>
+            </a:schemeClr>
+          </a:lnRef>
+          <a:fillRef idx="1">
+            <a:schemeClr val="accent6"/>
+          </a:fillRef>
+          <a:effectRef idx="0">
+            <a:schemeClr val="accent6"/>
+          </a:effectRef>
+          <a:fontRef idx="minor">
+            <a:schemeClr val="lt1"/>
+          </a:fontRef>
+        </p:style>
+        <p:txBody>
+          <a:bodyPr rtlCol="0" anchor="ctr"/>
+          <a:lstStyle/>
+          <a:p>
+            <a:pPr algn="ctr"/>
+            <a:r>
+              <a:rPr lang="en-US" sz="1400" dirty="0"/>
+              <a:t>Save</a:t>
+            </a:r>
+            <a:endParaRPr lang="en-ID" sz="1400" dirty="0"/>
           </a:p>
         </p:txBody>
       </p:sp>
@@ -7684,7 +10462,7 @@
         </p:nvSpPr>
         <p:spPr>
           <a:xfrm>
-            <a:off x="8017566" y="743851"/>
+            <a:off x="9163978" y="743851"/>
             <a:ext cx="1311966" cy="369332"/>
           </a:xfrm>
           <a:prstGeom prst="rect">
@@ -7700,43 +10478,7 @@
           <a:p>
             <a:r>
               <a:rPr lang="en-US" dirty="0"/>
-              <a:t>Users</a:t>
-            </a:r>
-            <a:endParaRPr lang="en-ID" dirty="0"/>
-          </a:p>
-        </p:txBody>
-      </p:sp>
-      <p:sp>
-        <p:nvSpPr>
-          <p:cNvPr id="6" name="TextBox 5">
-            <a:extLst>
-              <a:ext uri="{FF2B5EF4-FFF2-40B4-BE49-F238E27FC236}">
-                <a16:creationId xmlns:a16="http://schemas.microsoft.com/office/drawing/2014/main" id="{D6DA138E-C45E-4AB3-B702-243BCB96B670}"/>
-              </a:ext>
-            </a:extLst>
-          </p:cNvPr>
-          <p:cNvSpPr txBox="1"/>
-          <p:nvPr/>
-        </p:nvSpPr>
-        <p:spPr>
-          <a:xfrm>
-            <a:off x="9150625" y="732328"/>
-            <a:ext cx="1311966" cy="369332"/>
-          </a:xfrm>
-          <a:prstGeom prst="rect">
-            <a:avLst/>
-          </a:prstGeom>
-          <a:noFill/>
-        </p:spPr>
-        <p:txBody>
-          <a:bodyPr wrap="square" rtlCol="0">
-            <a:spAutoFit/>
-          </a:bodyPr>
-          <a:lstStyle/>
-          <a:p>
-            <a:r>
-              <a:rPr lang="en-US" dirty="0"/>
-              <a:t>Products</a:t>
+              <a:t>Transaction</a:t>
             </a:r>
             <a:endParaRPr lang="en-ID" dirty="0"/>
           </a:p>
@@ -7793,93 +10535,86 @@
           <p:nvPr>
             <p:extLst>
               <p:ext uri="{D42A27DB-BD31-4B8C-83A1-F6EECF244321}">
-                <p14:modId xmlns:p14="http://schemas.microsoft.com/office/powerpoint/2010/main" val="2132767133"/>
+                <p14:modId xmlns:p14="http://schemas.microsoft.com/office/powerpoint/2010/main" val="4140765766"/>
               </p:ext>
             </p:extLst>
           </p:nvPr>
         </p:nvGraphicFramePr>
         <p:xfrm>
-          <a:off x="689112" y="3005814"/>
-          <a:ext cx="9555532" cy="2499360"/>
+          <a:off x="313899" y="4070342"/>
+          <a:ext cx="11491413" cy="1483360"/>
         </p:xfrm>
         <a:graphic>
           <a:graphicData uri="http://schemas.openxmlformats.org/drawingml/2006/table">
             <a:tbl>
               <a:tblPr firstRow="1" bandRow="1">
-                <a:tableStyleId>{073A0DAA-6AF3-43AB-8588-CEC1D06C72B9}</a:tableStyleId>
+                <a:tableStyleId>{68D230F3-CF80-4859-8CE7-A43EE81993B5}</a:tableStyleId>
               </a:tblPr>
               <a:tblGrid>
-                <a:gridCol w="299438">
+                <a:gridCol w="470147">
                   <a:extLst>
                     <a:ext uri="{9D8B030D-6E8A-4147-A177-3AD203B41FA5}">
                       <a16:colId xmlns:a16="http://schemas.microsoft.com/office/drawing/2014/main" val="202847888"/>
                     </a:ext>
                   </a:extLst>
                 </a:gridCol>
-                <a:gridCol w="869917">
+                <a:gridCol w="1516609">
                   <a:extLst>
                     <a:ext uri="{9D8B030D-6E8A-4147-A177-3AD203B41FA5}">
                       <a16:colId xmlns:a16="http://schemas.microsoft.com/office/drawing/2014/main" val="3655148703"/>
                     </a:ext>
                   </a:extLst>
                 </a:gridCol>
-                <a:gridCol w="1242542">
+                <a:gridCol w="1616252">
                   <a:extLst>
                     <a:ext uri="{9D8B030D-6E8A-4147-A177-3AD203B41FA5}">
                       <a16:colId xmlns:a16="http://schemas.microsoft.com/office/drawing/2014/main" val="2307959109"/>
                     </a:ext>
                   </a:extLst>
                 </a:gridCol>
-                <a:gridCol w="980661">
-                  <a:extLst>
-                    <a:ext uri="{9D8B030D-6E8A-4147-A177-3AD203B41FA5}">
-                      <a16:colId xmlns:a16="http://schemas.microsoft.com/office/drawing/2014/main" val="2077623319"/>
-                    </a:ext>
-                  </a:extLst>
-                </a:gridCol>
-                <a:gridCol w="1046921">
+                <a:gridCol w="1460311">
                   <a:extLst>
                     <a:ext uri="{9D8B030D-6E8A-4147-A177-3AD203B41FA5}">
                       <a16:colId xmlns:a16="http://schemas.microsoft.com/office/drawing/2014/main" val="2539618424"/>
                     </a:ext>
                   </a:extLst>
                 </a:gridCol>
-                <a:gridCol w="861392">
+                <a:gridCol w="1023582">
                   <a:extLst>
                     <a:ext uri="{9D8B030D-6E8A-4147-A177-3AD203B41FA5}">
                       <a16:colId xmlns:a16="http://schemas.microsoft.com/office/drawing/2014/main" val="1835854017"/>
                     </a:ext>
                   </a:extLst>
                 </a:gridCol>
-                <a:gridCol w="809843">
+                <a:gridCol w="1364776">
                   <a:extLst>
                     <a:ext uri="{9D8B030D-6E8A-4147-A177-3AD203B41FA5}">
                       <a16:colId xmlns:a16="http://schemas.microsoft.com/office/drawing/2014/main" val="1753649867"/>
                     </a:ext>
                   </a:extLst>
                 </a:gridCol>
-                <a:gridCol w="1108047">
+                <a:gridCol w="1351128">
                   <a:extLst>
                     <a:ext uri="{9D8B030D-6E8A-4147-A177-3AD203B41FA5}">
                       <a16:colId xmlns:a16="http://schemas.microsoft.com/office/drawing/2014/main" val="2952683578"/>
                     </a:ext>
                   </a:extLst>
                 </a:gridCol>
-                <a:gridCol w="1108047">
+                <a:gridCol w="1310186">
                   <a:extLst>
                     <a:ext uri="{9D8B030D-6E8A-4147-A177-3AD203B41FA5}">
                       <a16:colId xmlns:a16="http://schemas.microsoft.com/office/drawing/2014/main" val="2277416920"/>
                     </a:ext>
                   </a:extLst>
                 </a:gridCol>
-                <a:gridCol w="614879">
+                <a:gridCol w="696035">
                   <a:extLst>
                     <a:ext uri="{9D8B030D-6E8A-4147-A177-3AD203B41FA5}">
                       <a16:colId xmlns:a16="http://schemas.microsoft.com/office/drawing/2014/main" val="560691569"/>
                     </a:ext>
                   </a:extLst>
                 </a:gridCol>
-                <a:gridCol w="613845">
+                <a:gridCol w="682387">
                   <a:extLst>
                     <a:ext uri="{9D8B030D-6E8A-4147-A177-3AD203B41FA5}">
                       <a16:colId xmlns:a16="http://schemas.microsoft.com/office/drawing/2014/main" val="3802597100"/>
@@ -7941,21 +10676,6 @@
                       <a:pPr algn="ctr"/>
                       <a:r>
                         <a:rPr lang="en-US" sz="1400" dirty="0"/>
-                        <a:t>Kiosk</a:t>
-                      </a:r>
-                      <a:endParaRPr lang="en-ID" sz="1400" dirty="0"/>
-                    </a:p>
-                  </a:txBody>
-                  <a:tcPr/>
-                </a:tc>
-                <a:tc>
-                  <a:txBody>
-                    <a:bodyPr/>
-                    <a:lstStyle/>
-                    <a:p>
-                      <a:pPr algn="ctr"/>
-                      <a:r>
-                        <a:rPr lang="en-US" sz="1400" dirty="0"/>
                         <a:t>Member</a:t>
                       </a:r>
                       <a:endParaRPr lang="en-ID" sz="1400" dirty="0"/>
@@ -8095,34 +10815,13 @@
                     <a:lstStyle/>
                     <a:p>
                       <a:r>
-                        <a:rPr lang="en-US" sz="1400" b="0" i="0" kern="1200" dirty="0">
+                        <a:rPr lang="en-US" sz="1400" b="0" kern="1200" dirty="0">
                           <a:solidFill>
                             <a:schemeClr val="dk1"/>
                           </a:solidFill>
                           <a:effectLst/>
-                          <a:latin typeface="+mn-lt"/>
-                          <a:ea typeface="+mn-ea"/>
-                          <a:cs typeface="+mn-cs"/>
                         </a:rPr>
                         <a:t>Tue, 7 Jan 25 14:48</a:t>
-                      </a:r>
-                      <a:endParaRPr lang="en-ID" sz="1400" dirty="0"/>
-                    </a:p>
-                  </a:txBody>
-                  <a:tcPr/>
-                </a:tc>
-                <a:tc>
-                  <a:txBody>
-                    <a:bodyPr/>
-                    <a:lstStyle/>
-                    <a:p>
-                      <a:r>
-                        <a:rPr lang="en-US" sz="1400" dirty="0"/>
-                        <a:t>Eric </a:t>
-                      </a:r>
-                      <a:r>
-                        <a:rPr lang="en-US" sz="1400" dirty="0" err="1"/>
-                        <a:t>Cantona</a:t>
                       </a:r>
                       <a:endParaRPr lang="en-ID" sz="1400" dirty="0"/>
                     </a:p>
@@ -8192,42 +10891,58 @@
                       </a:r>
                       <a:endParaRPr lang="en-ID" sz="1400" dirty="0"/>
                     </a:p>
-                    <a:p>
-                      <a:endParaRPr lang="en-ID" sz="1400" dirty="0"/>
-                    </a:p>
-                  </a:txBody>
-                  <a:tcPr/>
-                </a:tc>
-                <a:tc>
-                  <a:txBody>
-                    <a:bodyPr/>
-                    <a:lstStyle/>
-                    <a:p>
-                      <a:endParaRPr lang="en-ID" sz="1400" dirty="0"/>
-                    </a:p>
-                  </a:txBody>
-                  <a:tcPr/>
-                </a:tc>
-                <a:tc>
-                  <a:txBody>
-                    <a:bodyPr/>
-                    <a:lstStyle/>
-                    <a:p>
-                      <a:endParaRPr lang="en-ID" sz="1400" dirty="0"/>
-                    </a:p>
-                  </a:txBody>
-                  <a:tcPr/>
-                </a:tc>
-                <a:tc>
-                  <a:txBody>
-                    <a:bodyPr/>
-                    <a:lstStyle/>
-                    <a:p>
+                  </a:txBody>
+                  <a:tcPr/>
+                </a:tc>
+                <a:tc>
+                  <a:txBody>
+                    <a:bodyPr/>
+                    <a:lstStyle/>
+                    <a:p>
+                      <a:pPr algn="r"/>
                       <a:r>
                         <a:rPr lang="en-US" sz="1400" dirty="0"/>
-                        <a:t>Administrator</a:t>
-                      </a:r>
-                      <a:endParaRPr lang="en-ID" sz="1400" dirty="0"/>
+                        <a:t>1000</a:t>
+                      </a:r>
+                      <a:endParaRPr lang="en-ID" sz="1400" dirty="0"/>
+                    </a:p>
+                  </a:txBody>
+                  <a:tcPr/>
+                </a:tc>
+                <a:tc>
+                  <a:txBody>
+                    <a:bodyPr/>
+                    <a:lstStyle/>
+                    <a:p>
+                      <a:pPr algn="r"/>
+                      <a:r>
+                        <a:rPr lang="en-US" sz="1400" dirty="0"/>
+                        <a:t>100.000</a:t>
+                      </a:r>
+                      <a:endParaRPr lang="en-ID" sz="1400" dirty="0"/>
+                    </a:p>
+                  </a:txBody>
+                  <a:tcPr/>
+                </a:tc>
+                <a:tc>
+                  <a:txBody>
+                    <a:bodyPr/>
+                    <a:lstStyle/>
+                    <a:p>
+                      <a:pPr algn="ctr"/>
+                      <a:r>
+                        <a:rPr lang="en-US" sz="1400" dirty="0">
+                          <a:solidFill>
+                            <a:srgbClr val="FF0000"/>
+                          </a:solidFill>
+                        </a:rPr>
+                        <a:t>Pending</a:t>
+                      </a:r>
+                      <a:endParaRPr lang="en-ID" sz="1400" dirty="0">
+                        <a:solidFill>
+                          <a:srgbClr val="FF0000"/>
+                        </a:solidFill>
+                      </a:endParaRPr>
                     </a:p>
                   </a:txBody>
                   <a:tcPr/>
@@ -8294,34 +11009,13 @@
                     <a:lstStyle/>
                     <a:p>
                       <a:r>
-                        <a:rPr lang="en-US" sz="1400" b="0" i="0" kern="1200" dirty="0">
+                        <a:rPr lang="en-US" sz="1400" b="0" kern="1200" dirty="0">
                           <a:solidFill>
                             <a:schemeClr val="dk1"/>
                           </a:solidFill>
                           <a:effectLst/>
-                          <a:latin typeface="+mn-lt"/>
-                          <a:ea typeface="+mn-ea"/>
-                          <a:cs typeface="+mn-cs"/>
                         </a:rPr>
                         <a:t>Tue, 7 Jan 25 14:48</a:t>
-                      </a:r>
-                      <a:endParaRPr lang="en-ID" sz="1400" dirty="0"/>
-                    </a:p>
-                  </a:txBody>
-                  <a:tcPr/>
-                </a:tc>
-                <a:tc>
-                  <a:txBody>
-                    <a:bodyPr/>
-                    <a:lstStyle/>
-                    <a:p>
-                      <a:r>
-                        <a:rPr lang="en-US" sz="1400" dirty="0"/>
-                        <a:t>Eric </a:t>
-                      </a:r>
-                      <a:r>
-                        <a:rPr lang="en-US" sz="1400" dirty="0" err="1"/>
-                        <a:t>Cantona</a:t>
                       </a:r>
                       <a:endParaRPr lang="en-ID" sz="1400" dirty="0"/>
                     </a:p>
@@ -8399,31 +11093,50 @@
                     <a:bodyPr/>
                     <a:lstStyle/>
                     <a:p>
-                      <a:endParaRPr lang="en-ID" sz="1400" dirty="0"/>
-                    </a:p>
-                  </a:txBody>
-                  <a:tcPr/>
-                </a:tc>
-                <a:tc>
-                  <a:txBody>
-                    <a:bodyPr/>
-                    <a:lstStyle/>
-                    <a:p>
-                      <a:endParaRPr lang="en-ID" sz="1400" dirty="0"/>
-                    </a:p>
-                  </a:txBody>
-                  <a:tcPr/>
-                </a:tc>
-                <a:tc>
-                  <a:txBody>
-                    <a:bodyPr/>
-                    <a:lstStyle/>
-                    <a:p>
+                      <a:pPr algn="r"/>
                       <a:r>
                         <a:rPr lang="en-US" sz="1400" dirty="0"/>
-                        <a:t>Kiosk</a:t>
-                      </a:r>
-                      <a:endParaRPr lang="en-ID" sz="1400" dirty="0"/>
+                        <a:t>2000</a:t>
+                      </a:r>
+                      <a:endParaRPr lang="en-ID" sz="1400" dirty="0"/>
+                    </a:p>
+                  </a:txBody>
+                  <a:tcPr/>
+                </a:tc>
+                <a:tc>
+                  <a:txBody>
+                    <a:bodyPr/>
+                    <a:lstStyle/>
+                    <a:p>
+                      <a:pPr algn="r"/>
+                      <a:r>
+                        <a:rPr lang="en-US" sz="1400" dirty="0"/>
+                        <a:t>100.000</a:t>
+                      </a:r>
+                      <a:endParaRPr lang="en-ID" sz="1400" dirty="0"/>
+                    </a:p>
+                  </a:txBody>
+                  <a:tcPr/>
+                </a:tc>
+                <a:tc>
+                  <a:txBody>
+                    <a:bodyPr/>
+                    <a:lstStyle/>
+                    <a:p>
+                      <a:pPr algn="ctr"/>
+                      <a:r>
+                        <a:rPr lang="en-US" sz="1400" dirty="0">
+                          <a:solidFill>
+                            <a:srgbClr val="00B050"/>
+                          </a:solidFill>
+                        </a:rPr>
+                        <a:t>Approved</a:t>
+                      </a:r>
+                      <a:endParaRPr lang="en-ID" sz="1400" dirty="0">
+                        <a:solidFill>
+                          <a:srgbClr val="00B050"/>
+                        </a:solidFill>
+                      </a:endParaRPr>
                     </a:p>
                   </a:txBody>
                   <a:tcPr/>
@@ -8490,36 +11203,15 @@
                     <a:lstStyle/>
                     <a:p>
                       <a:r>
-                        <a:rPr lang="en-US" sz="1400" b="0" i="0" kern="1200" dirty="0">
+                        <a:rPr lang="en-US" sz="1400" b="0" kern="1200" dirty="0">
                           <a:solidFill>
                             <a:schemeClr val="dk1"/>
                           </a:solidFill>
                           <a:effectLst/>
-                          <a:latin typeface="+mn-lt"/>
-                          <a:ea typeface="+mn-ea"/>
-                          <a:cs typeface="+mn-cs"/>
                         </a:rPr>
                         <a:t>Tue, 7 Jan 25 14:48</a:t>
                       </a:r>
                       <a:endParaRPr lang="en-US" sz="1400" dirty="0"/>
-                    </a:p>
-                  </a:txBody>
-                  <a:tcPr/>
-                </a:tc>
-                <a:tc>
-                  <a:txBody>
-                    <a:bodyPr/>
-                    <a:lstStyle/>
-                    <a:p>
-                      <a:r>
-                        <a:rPr lang="en-US" sz="1400" dirty="0"/>
-                        <a:t>Eric </a:t>
-                      </a:r>
-                      <a:r>
-                        <a:rPr lang="en-US" sz="1400" dirty="0" err="1"/>
-                        <a:t>Cantona</a:t>
-                      </a:r>
-                      <a:endParaRPr lang="en-ID" sz="1400" dirty="0"/>
                     </a:p>
                   </a:txBody>
                   <a:tcPr/>
@@ -8570,40 +11262,48 @@
                       </a:r>
                       <a:endParaRPr lang="en-ID" sz="1400" dirty="0"/>
                     </a:p>
-                    <a:p>
-                      <a:endParaRPr lang="en-ID" sz="1400" dirty="0"/>
-                    </a:p>
-                  </a:txBody>
-                  <a:tcPr/>
-                </a:tc>
-                <a:tc>
-                  <a:txBody>
-                    <a:bodyPr/>
-                    <a:lstStyle/>
-                    <a:p>
-                      <a:endParaRPr lang="en-ID" sz="1400" dirty="0"/>
-                    </a:p>
-                  </a:txBody>
-                  <a:tcPr/>
-                </a:tc>
-                <a:tc>
-                  <a:txBody>
-                    <a:bodyPr/>
-                    <a:lstStyle/>
-                    <a:p>
-                      <a:endParaRPr lang="en-ID" sz="1400" dirty="0"/>
-                    </a:p>
-                  </a:txBody>
-                  <a:tcPr/>
-                </a:tc>
-                <a:tc>
-                  <a:txBody>
-                    <a:bodyPr/>
-                    <a:lstStyle/>
-                    <a:p>
+                  </a:txBody>
+                  <a:tcPr/>
+                </a:tc>
+                <a:tc>
+                  <a:txBody>
+                    <a:bodyPr/>
+                    <a:lstStyle/>
+                    <a:p>
+                      <a:pPr algn="r"/>
                       <a:r>
                         <a:rPr lang="en-US" sz="1400" dirty="0"/>
-                        <a:t>Plant</a:t>
+                        <a:t>3000</a:t>
+                      </a:r>
+                      <a:endParaRPr lang="en-ID" sz="1400" dirty="0"/>
+                    </a:p>
+                  </a:txBody>
+                  <a:tcPr/>
+                </a:tc>
+                <a:tc>
+                  <a:txBody>
+                    <a:bodyPr/>
+                    <a:lstStyle/>
+                    <a:p>
+                      <a:pPr algn="r"/>
+                      <a:r>
+                        <a:rPr lang="en-US" sz="1400" dirty="0"/>
+                        <a:t>300.000</a:t>
+                      </a:r>
+                      <a:endParaRPr lang="en-ID" sz="1400" dirty="0"/>
+                    </a:p>
+                  </a:txBody>
+                  <a:tcPr/>
+                </a:tc>
+                <a:tc>
+                  <a:txBody>
+                    <a:bodyPr/>
+                    <a:lstStyle/>
+                    <a:p>
+                      <a:pPr algn="ctr"/>
+                      <a:r>
+                        <a:rPr lang="en-US" sz="1400" dirty="0"/>
+                        <a:t>Finish</a:t>
                       </a:r>
                       <a:endParaRPr lang="en-ID" sz="1400" dirty="0"/>
                     </a:p>
@@ -8671,7 +11371,7 @@
         </p:blipFill>
         <p:spPr>
           <a:xfrm>
-            <a:off x="9690651" y="3429000"/>
+            <a:off x="10632344" y="4520827"/>
             <a:ext cx="195469" cy="195469"/>
           </a:xfrm>
           <a:prstGeom prst="rect">
@@ -8710,7 +11410,7 @@
         </p:blipFill>
         <p:spPr>
           <a:xfrm>
-            <a:off x="9687337" y="3831866"/>
+            <a:off x="10629030" y="4923693"/>
             <a:ext cx="202096" cy="202096"/>
           </a:xfrm>
           <a:prstGeom prst="rect">
@@ -8749,7 +11449,7 @@
         </p:blipFill>
         <p:spPr>
           <a:xfrm>
-            <a:off x="9684024" y="4208999"/>
+            <a:off x="10625717" y="5300826"/>
             <a:ext cx="202096" cy="202096"/>
           </a:xfrm>
           <a:prstGeom prst="rect">
@@ -8759,10 +11459,10 @@
       </p:pic>
       <p:pic>
         <p:nvPicPr>
-          <p:cNvPr id="11" name="Graphic 10" descr="Pencil with solid fill">
-            <a:extLst>
-              <a:ext uri="{FF2B5EF4-FFF2-40B4-BE49-F238E27FC236}">
-                <a16:creationId xmlns:a16="http://schemas.microsoft.com/office/drawing/2014/main" id="{6C3674D9-A9F3-4C26-BA8C-1813834C4B7E}"/>
+          <p:cNvPr id="14" name="Graphic 13" descr="Close with solid fill">
+            <a:extLst>
+              <a:ext uri="{FF2B5EF4-FFF2-40B4-BE49-F238E27FC236}">
+                <a16:creationId xmlns:a16="http://schemas.microsoft.com/office/drawing/2014/main" id="{3AC2AE8A-06B0-4080-82F3-F7B53B27B4A6}"/>
               </a:ext>
             </a:extLst>
           </p:cNvPr>
@@ -8772,13 +11472,13 @@
           <p:nvPr/>
         </p:nvPicPr>
         <p:blipFill>
-          <a:blip r:embed="rId2">
+          <a:blip r:embed="rId4">
             <a:extLst>
               <a:ext uri="{28A0092B-C50C-407E-A947-70E740481C1C}">
                 <a14:useLocalDpi xmlns:a14="http://schemas.microsoft.com/office/drawing/2010/main" val="0"/>
               </a:ext>
               <a:ext uri="{96DAC541-7B7A-43D3-8B79-37D633B846F1}">
-                <asvg:svgBlip xmlns:asvg="http://schemas.microsoft.com/office/drawing/2016/SVG/main" r:embed="rId3"/>
+                <asvg:svgBlip xmlns:asvg="http://schemas.microsoft.com/office/drawing/2016/SVG/main" r:embed="rId5"/>
               </a:ext>
             </a:extLst>
           </a:blip>
@@ -8788,8 +11488,8 @@
         </p:blipFill>
         <p:spPr>
           <a:xfrm>
-            <a:off x="9690651" y="4586132"/>
-            <a:ext cx="202096" cy="202096"/>
+            <a:off x="11369869" y="4533415"/>
+            <a:ext cx="195469" cy="195469"/>
           </a:xfrm>
           <a:prstGeom prst="rect">
             <a:avLst/>
@@ -8798,10 +11498,10 @@
       </p:pic>
       <p:pic>
         <p:nvPicPr>
-          <p:cNvPr id="12" name="Graphic 11" descr="Pencil with solid fill">
-            <a:extLst>
-              <a:ext uri="{FF2B5EF4-FFF2-40B4-BE49-F238E27FC236}">
-                <a16:creationId xmlns:a16="http://schemas.microsoft.com/office/drawing/2014/main" id="{1CE47783-9470-49A8-AA58-4F0D303E6BC5}"/>
+          <p:cNvPr id="15" name="Graphic 14" descr="Close with solid fill">
+            <a:extLst>
+              <a:ext uri="{FF2B5EF4-FFF2-40B4-BE49-F238E27FC236}">
+                <a16:creationId xmlns:a16="http://schemas.microsoft.com/office/drawing/2014/main" id="{79552EC6-7479-47DA-8491-2E070DAA0F7D}"/>
               </a:ext>
             </a:extLst>
           </p:cNvPr>
@@ -8811,13 +11511,13 @@
           <p:nvPr/>
         </p:nvPicPr>
         <p:blipFill>
-          <a:blip r:embed="rId2">
+          <a:blip r:embed="rId4">
             <a:extLst>
               <a:ext uri="{28A0092B-C50C-407E-A947-70E740481C1C}">
                 <a14:useLocalDpi xmlns:a14="http://schemas.microsoft.com/office/drawing/2010/main" val="0"/>
               </a:ext>
               <a:ext uri="{96DAC541-7B7A-43D3-8B79-37D633B846F1}">
-                <asvg:svgBlip xmlns:asvg="http://schemas.microsoft.com/office/drawing/2016/SVG/main" r:embed="rId3"/>
+                <asvg:svgBlip xmlns:asvg="http://schemas.microsoft.com/office/drawing/2016/SVG/main" r:embed="rId5"/>
               </a:ext>
             </a:extLst>
           </a:blip>
@@ -8827,8 +11527,8 @@
         </p:blipFill>
         <p:spPr>
           <a:xfrm>
-            <a:off x="9684024" y="4963265"/>
-            <a:ext cx="202096" cy="202096"/>
+            <a:off x="11369598" y="4896396"/>
+            <a:ext cx="195469" cy="195469"/>
           </a:xfrm>
           <a:prstGeom prst="rect">
             <a:avLst/>
@@ -8837,10 +11537,10 @@
       </p:pic>
       <p:pic>
         <p:nvPicPr>
-          <p:cNvPr id="14" name="Graphic 13" descr="Close with solid fill">
-            <a:extLst>
-              <a:ext uri="{FF2B5EF4-FFF2-40B4-BE49-F238E27FC236}">
-                <a16:creationId xmlns:a16="http://schemas.microsoft.com/office/drawing/2014/main" id="{3AC2AE8A-06B0-4080-82F3-F7B53B27B4A6}"/>
+          <p:cNvPr id="16" name="Graphic 15" descr="Close with solid fill">
+            <a:extLst>
+              <a:ext uri="{FF2B5EF4-FFF2-40B4-BE49-F238E27FC236}">
+                <a16:creationId xmlns:a16="http://schemas.microsoft.com/office/drawing/2014/main" id="{CFB6765E-1CA0-406C-94C3-78FB8F5F17FE}"/>
               </a:ext>
             </a:extLst>
           </p:cNvPr>
@@ -8866,163 +11566,7 @@
         </p:blipFill>
         <p:spPr>
           <a:xfrm>
-            <a:off x="10701129" y="3441589"/>
-            <a:ext cx="195469" cy="195469"/>
-          </a:xfrm>
-          <a:prstGeom prst="rect">
-            <a:avLst/>
-          </a:prstGeom>
-        </p:spPr>
-      </p:pic>
-      <p:pic>
-        <p:nvPicPr>
-          <p:cNvPr id="15" name="Graphic 14" descr="Close with solid fill">
-            <a:extLst>
-              <a:ext uri="{FF2B5EF4-FFF2-40B4-BE49-F238E27FC236}">
-                <a16:creationId xmlns:a16="http://schemas.microsoft.com/office/drawing/2014/main" id="{79552EC6-7479-47DA-8491-2E070DAA0F7D}"/>
-              </a:ext>
-            </a:extLst>
-          </p:cNvPr>
-          <p:cNvPicPr>
-            <a:picLocks noChangeAspect="1"/>
-          </p:cNvPicPr>
-          <p:nvPr/>
-        </p:nvPicPr>
-        <p:blipFill>
-          <a:blip r:embed="rId4">
-            <a:extLst>
-              <a:ext uri="{28A0092B-C50C-407E-A947-70E740481C1C}">
-                <a14:useLocalDpi xmlns:a14="http://schemas.microsoft.com/office/drawing/2010/main" val="0"/>
-              </a:ext>
-              <a:ext uri="{96DAC541-7B7A-43D3-8B79-37D633B846F1}">
-                <asvg:svgBlip xmlns:asvg="http://schemas.microsoft.com/office/drawing/2016/SVG/main" r:embed="rId5"/>
-              </a:ext>
-            </a:extLst>
-          </a:blip>
-          <a:stretch>
-            <a:fillRect/>
-          </a:stretch>
-        </p:blipFill>
-        <p:spPr>
-          <a:xfrm>
-            <a:off x="10687212" y="3831866"/>
-            <a:ext cx="195469" cy="195469"/>
-          </a:xfrm>
-          <a:prstGeom prst="rect">
-            <a:avLst/>
-          </a:prstGeom>
-        </p:spPr>
-      </p:pic>
-      <p:pic>
-        <p:nvPicPr>
-          <p:cNvPr id="16" name="Graphic 15" descr="Close with solid fill">
-            <a:extLst>
-              <a:ext uri="{FF2B5EF4-FFF2-40B4-BE49-F238E27FC236}">
-                <a16:creationId xmlns:a16="http://schemas.microsoft.com/office/drawing/2014/main" id="{CFB6765E-1CA0-406C-94C3-78FB8F5F17FE}"/>
-              </a:ext>
-            </a:extLst>
-          </p:cNvPr>
-          <p:cNvPicPr>
-            <a:picLocks noChangeAspect="1"/>
-          </p:cNvPicPr>
-          <p:nvPr/>
-        </p:nvPicPr>
-        <p:blipFill>
-          <a:blip r:embed="rId4">
-            <a:extLst>
-              <a:ext uri="{28A0092B-C50C-407E-A947-70E740481C1C}">
-                <a14:useLocalDpi xmlns:a14="http://schemas.microsoft.com/office/drawing/2010/main" val="0"/>
-              </a:ext>
-              <a:ext uri="{96DAC541-7B7A-43D3-8B79-37D633B846F1}">
-                <asvg:svgBlip xmlns:asvg="http://schemas.microsoft.com/office/drawing/2016/SVG/main" r:embed="rId5"/>
-              </a:ext>
-            </a:extLst>
-          </a:blip>
-          <a:stretch>
-            <a:fillRect/>
-          </a:stretch>
-        </p:blipFill>
-        <p:spPr>
-          <a:xfrm>
-            <a:off x="10701129" y="4225233"/>
-            <a:ext cx="195469" cy="195469"/>
-          </a:xfrm>
-          <a:prstGeom prst="rect">
-            <a:avLst/>
-          </a:prstGeom>
-        </p:spPr>
-      </p:pic>
-      <p:pic>
-        <p:nvPicPr>
-          <p:cNvPr id="17" name="Graphic 16" descr="Close with solid fill">
-            <a:extLst>
-              <a:ext uri="{FF2B5EF4-FFF2-40B4-BE49-F238E27FC236}">
-                <a16:creationId xmlns:a16="http://schemas.microsoft.com/office/drawing/2014/main" id="{CCBE07A9-1748-4E73-A169-E86A06D38CFA}"/>
-              </a:ext>
-            </a:extLst>
-          </p:cNvPr>
-          <p:cNvPicPr>
-            <a:picLocks noChangeAspect="1"/>
-          </p:cNvPicPr>
-          <p:nvPr/>
-        </p:nvPicPr>
-        <p:blipFill>
-          <a:blip r:embed="rId4">
-            <a:extLst>
-              <a:ext uri="{28A0092B-C50C-407E-A947-70E740481C1C}">
-                <a14:useLocalDpi xmlns:a14="http://schemas.microsoft.com/office/drawing/2010/main" val="0"/>
-              </a:ext>
-              <a:ext uri="{96DAC541-7B7A-43D3-8B79-37D633B846F1}">
-                <asvg:svgBlip xmlns:asvg="http://schemas.microsoft.com/office/drawing/2016/SVG/main" r:embed="rId5"/>
-              </a:ext>
-            </a:extLst>
-          </a:blip>
-          <a:stretch>
-            <a:fillRect/>
-          </a:stretch>
-        </p:blipFill>
-        <p:spPr>
-          <a:xfrm>
-            <a:off x="10701129" y="4596402"/>
-            <a:ext cx="195469" cy="195469"/>
-          </a:xfrm>
-          <a:prstGeom prst="rect">
-            <a:avLst/>
-          </a:prstGeom>
-        </p:spPr>
-      </p:pic>
-      <p:pic>
-        <p:nvPicPr>
-          <p:cNvPr id="18" name="Graphic 17" descr="Close with solid fill">
-            <a:extLst>
-              <a:ext uri="{FF2B5EF4-FFF2-40B4-BE49-F238E27FC236}">
-                <a16:creationId xmlns:a16="http://schemas.microsoft.com/office/drawing/2014/main" id="{F98A6DB2-9414-4F07-82C5-1DD11305BE5A}"/>
-              </a:ext>
-            </a:extLst>
-          </p:cNvPr>
-          <p:cNvPicPr>
-            <a:picLocks noChangeAspect="1"/>
-          </p:cNvPicPr>
-          <p:nvPr/>
-        </p:nvPicPr>
-        <p:blipFill>
-          <a:blip r:embed="rId4">
-            <a:extLst>
-              <a:ext uri="{28A0092B-C50C-407E-A947-70E740481C1C}">
-                <a14:useLocalDpi xmlns:a14="http://schemas.microsoft.com/office/drawing/2010/main" val="0"/>
-              </a:ext>
-              <a:ext uri="{96DAC541-7B7A-43D3-8B79-37D633B846F1}">
-                <asvg:svgBlip xmlns:asvg="http://schemas.microsoft.com/office/drawing/2016/SVG/main" r:embed="rId5"/>
-              </a:ext>
-            </a:extLst>
-          </a:blip>
-          <a:stretch>
-            <a:fillRect/>
-          </a:stretch>
-        </p:blipFill>
-        <p:spPr>
-          <a:xfrm>
-            <a:off x="10701129" y="4994525"/>
+            <a:off x="11369875" y="5276114"/>
             <a:ext cx="195469" cy="195469"/>
           </a:xfrm>
           <a:prstGeom prst="rect">
@@ -9161,7 +11705,7 @@
         <p:spPr>
           <a:xfrm>
             <a:off x="0" y="0"/>
-            <a:ext cx="6546574" cy="369332"/>
+            <a:ext cx="7779224" cy="369332"/>
           </a:xfrm>
           <a:prstGeom prst="rect">
             <a:avLst/>
@@ -9202,7 +11746,7 @@
                   </a:schemeClr>
                 </a:solidFill>
               </a:rPr>
-              <a:t>Show all transaction for kiosk. Only Kiosk can access this page</a:t>
+              <a:t>Show all transaction for kiosk. Only transactions made on that Kiosk are displayed</a:t>
             </a:r>
             <a:endParaRPr lang="en-ID" dirty="0">
               <a:solidFill>
@@ -9250,10 +11794,2790 @@
           </a:p>
         </p:txBody>
       </p:sp>
+      <p:sp>
+        <p:nvSpPr>
+          <p:cNvPr id="26" name="Rectangle: Rounded Corners 25">
+            <a:extLst>
+              <a:ext uri="{FF2B5EF4-FFF2-40B4-BE49-F238E27FC236}">
+                <a16:creationId xmlns:a16="http://schemas.microsoft.com/office/drawing/2014/main" id="{4E784C02-7693-47C5-94FC-63FA7D510630}"/>
+              </a:ext>
+            </a:extLst>
+          </p:cNvPr>
+          <p:cNvSpPr/>
+          <p:nvPr/>
+        </p:nvSpPr>
+        <p:spPr>
+          <a:xfrm>
+            <a:off x="1857829" y="3527899"/>
+            <a:ext cx="1240971" cy="354842"/>
+          </a:xfrm>
+          <a:prstGeom prst="roundRect">
+            <a:avLst/>
+          </a:prstGeom>
+        </p:spPr>
+        <p:style>
+          <a:lnRef idx="2">
+            <a:schemeClr val="accent6">
+              <a:shade val="50000"/>
+            </a:schemeClr>
+          </a:lnRef>
+          <a:fillRef idx="1">
+            <a:schemeClr val="accent6"/>
+          </a:fillRef>
+          <a:effectRef idx="0">
+            <a:schemeClr val="accent6"/>
+          </a:effectRef>
+          <a:fontRef idx="minor">
+            <a:schemeClr val="lt1"/>
+          </a:fontRef>
+        </p:style>
+        <p:txBody>
+          <a:bodyPr rtlCol="0" anchor="ctr"/>
+          <a:lstStyle/>
+          <a:p>
+            <a:pPr algn="ctr"/>
+            <a:r>
+              <a:rPr lang="en-US" sz="1400" dirty="0"/>
+              <a:t>Search</a:t>
+            </a:r>
+            <a:endParaRPr lang="en-ID" sz="1400" dirty="0"/>
+          </a:p>
+        </p:txBody>
+      </p:sp>
+      <p:sp>
+        <p:nvSpPr>
+          <p:cNvPr id="27" name="TextBox 26">
+            <a:extLst>
+              <a:ext uri="{FF2B5EF4-FFF2-40B4-BE49-F238E27FC236}">
+                <a16:creationId xmlns:a16="http://schemas.microsoft.com/office/drawing/2014/main" id="{11521B28-B649-450D-B886-7F53A3F759F5}"/>
+              </a:ext>
+            </a:extLst>
+          </p:cNvPr>
+          <p:cNvSpPr txBox="1"/>
+          <p:nvPr/>
+        </p:nvSpPr>
+        <p:spPr>
+          <a:xfrm>
+            <a:off x="815072" y="2740499"/>
+            <a:ext cx="3062514" cy="307777"/>
+          </a:xfrm>
+          <a:prstGeom prst="rect">
+            <a:avLst/>
+          </a:prstGeom>
+          <a:noFill/>
+        </p:spPr>
+        <p:txBody>
+          <a:bodyPr wrap="square" rtlCol="0">
+            <a:spAutoFit/>
+          </a:bodyPr>
+          <a:lstStyle/>
+          <a:p>
+            <a:r>
+              <a:rPr lang="en-US" sz="1400" dirty="0"/>
+              <a:t>Trans ID</a:t>
+            </a:r>
+            <a:endParaRPr lang="en-ID" sz="1400" dirty="0"/>
+          </a:p>
+        </p:txBody>
+      </p:sp>
+      <p:sp>
+        <p:nvSpPr>
+          <p:cNvPr id="28" name="Rectangle 27">
+            <a:extLst>
+              <a:ext uri="{FF2B5EF4-FFF2-40B4-BE49-F238E27FC236}">
+                <a16:creationId xmlns:a16="http://schemas.microsoft.com/office/drawing/2014/main" id="{6BB25EF2-1990-455D-A491-E47850B4E57E}"/>
+              </a:ext>
+            </a:extLst>
+          </p:cNvPr>
+          <p:cNvSpPr/>
+          <p:nvPr/>
+        </p:nvSpPr>
+        <p:spPr>
+          <a:xfrm>
+            <a:off x="1860101" y="2740500"/>
+            <a:ext cx="2481942" cy="307777"/>
+          </a:xfrm>
+          <a:prstGeom prst="rect">
+            <a:avLst/>
+          </a:prstGeom>
+        </p:spPr>
+        <p:style>
+          <a:lnRef idx="2">
+            <a:schemeClr val="accent6"/>
+          </a:lnRef>
+          <a:fillRef idx="1">
+            <a:schemeClr val="lt1"/>
+          </a:fillRef>
+          <a:effectRef idx="0">
+            <a:schemeClr val="accent6"/>
+          </a:effectRef>
+          <a:fontRef idx="minor">
+            <a:schemeClr val="dk1"/>
+          </a:fontRef>
+        </p:style>
+        <p:txBody>
+          <a:bodyPr rtlCol="0" anchor="ctr"/>
+          <a:lstStyle/>
+          <a:p>
+            <a:pPr algn="ctr"/>
+            <a:endParaRPr lang="en-ID"/>
+          </a:p>
+        </p:txBody>
+      </p:sp>
+      <p:sp>
+        <p:nvSpPr>
+          <p:cNvPr id="29" name="TextBox 28">
+            <a:extLst>
+              <a:ext uri="{FF2B5EF4-FFF2-40B4-BE49-F238E27FC236}">
+                <a16:creationId xmlns:a16="http://schemas.microsoft.com/office/drawing/2014/main" id="{6E421C93-8BF5-41E4-9B7D-017A38B504A9}"/>
+              </a:ext>
+            </a:extLst>
+          </p:cNvPr>
+          <p:cNvSpPr txBox="1"/>
+          <p:nvPr/>
+        </p:nvSpPr>
+        <p:spPr>
+          <a:xfrm>
+            <a:off x="7983944" y="732327"/>
+            <a:ext cx="1187353" cy="369332"/>
+          </a:xfrm>
+          <a:prstGeom prst="rect">
+            <a:avLst/>
+          </a:prstGeom>
+          <a:noFill/>
+        </p:spPr>
+        <p:txBody>
+          <a:bodyPr wrap="square" rtlCol="0">
+            <a:spAutoFit/>
+          </a:bodyPr>
+          <a:lstStyle/>
+          <a:p>
+            <a:r>
+              <a:rPr lang="en-US" dirty="0"/>
+              <a:t>Recycle</a:t>
+            </a:r>
+            <a:endParaRPr lang="en-ID" dirty="0"/>
+          </a:p>
+        </p:txBody>
+      </p:sp>
+      <p:sp>
+        <p:nvSpPr>
+          <p:cNvPr id="30" name="TextBox 29">
+            <a:extLst>
+              <a:ext uri="{FF2B5EF4-FFF2-40B4-BE49-F238E27FC236}">
+                <a16:creationId xmlns:a16="http://schemas.microsoft.com/office/drawing/2014/main" id="{1383F82D-ADDC-4596-9526-B2F6494F2241}"/>
+              </a:ext>
+            </a:extLst>
+          </p:cNvPr>
+          <p:cNvSpPr txBox="1"/>
+          <p:nvPr/>
+        </p:nvSpPr>
+        <p:spPr>
+          <a:xfrm>
+            <a:off x="812800" y="3130784"/>
+            <a:ext cx="3062514" cy="307777"/>
+          </a:xfrm>
+          <a:prstGeom prst="rect">
+            <a:avLst/>
+          </a:prstGeom>
+          <a:noFill/>
+        </p:spPr>
+        <p:txBody>
+          <a:bodyPr wrap="square" rtlCol="0">
+            <a:spAutoFit/>
+          </a:bodyPr>
+          <a:lstStyle/>
+          <a:p>
+            <a:r>
+              <a:rPr lang="en-US" sz="1400" dirty="0"/>
+              <a:t>Date</a:t>
+            </a:r>
+            <a:endParaRPr lang="en-ID" sz="1400" dirty="0"/>
+          </a:p>
+        </p:txBody>
+      </p:sp>
+      <p:sp>
+        <p:nvSpPr>
+          <p:cNvPr id="31" name="Rectangle 30">
+            <a:extLst>
+              <a:ext uri="{FF2B5EF4-FFF2-40B4-BE49-F238E27FC236}">
+                <a16:creationId xmlns:a16="http://schemas.microsoft.com/office/drawing/2014/main" id="{C4415D3F-1612-4453-A9F1-9508593616C7}"/>
+              </a:ext>
+            </a:extLst>
+          </p:cNvPr>
+          <p:cNvSpPr/>
+          <p:nvPr/>
+        </p:nvSpPr>
+        <p:spPr>
+          <a:xfrm>
+            <a:off x="1857829" y="3118085"/>
+            <a:ext cx="1152071" cy="307777"/>
+          </a:xfrm>
+          <a:prstGeom prst="rect">
+            <a:avLst/>
+          </a:prstGeom>
+        </p:spPr>
+        <p:style>
+          <a:lnRef idx="2">
+            <a:schemeClr val="accent6"/>
+          </a:lnRef>
+          <a:fillRef idx="1">
+            <a:schemeClr val="lt1"/>
+          </a:fillRef>
+          <a:effectRef idx="0">
+            <a:schemeClr val="accent6"/>
+          </a:effectRef>
+          <a:fontRef idx="minor">
+            <a:schemeClr val="dk1"/>
+          </a:fontRef>
+        </p:style>
+        <p:txBody>
+          <a:bodyPr rtlCol="0" anchor="ctr"/>
+          <a:lstStyle/>
+          <a:p>
+            <a:r>
+              <a:rPr lang="en-US" sz="1400" dirty="0"/>
+              <a:t>From</a:t>
+            </a:r>
+            <a:endParaRPr lang="en-ID" sz="1400" dirty="0"/>
+          </a:p>
+        </p:txBody>
+      </p:sp>
+      <p:sp>
+        <p:nvSpPr>
+          <p:cNvPr id="32" name="Rectangle 31">
+            <a:extLst>
+              <a:ext uri="{FF2B5EF4-FFF2-40B4-BE49-F238E27FC236}">
+                <a16:creationId xmlns:a16="http://schemas.microsoft.com/office/drawing/2014/main" id="{0B8C2D08-D335-4CCE-B8AD-AA54F4709D6B}"/>
+              </a:ext>
+            </a:extLst>
+          </p:cNvPr>
+          <p:cNvSpPr/>
+          <p:nvPr/>
+        </p:nvSpPr>
+        <p:spPr>
+          <a:xfrm>
+            <a:off x="3098800" y="3118798"/>
+            <a:ext cx="1240971" cy="307777"/>
+          </a:xfrm>
+          <a:prstGeom prst="rect">
+            <a:avLst/>
+          </a:prstGeom>
+        </p:spPr>
+        <p:style>
+          <a:lnRef idx="2">
+            <a:schemeClr val="accent6"/>
+          </a:lnRef>
+          <a:fillRef idx="1">
+            <a:schemeClr val="lt1"/>
+          </a:fillRef>
+          <a:effectRef idx="0">
+            <a:schemeClr val="accent6"/>
+          </a:effectRef>
+          <a:fontRef idx="minor">
+            <a:schemeClr val="dk1"/>
+          </a:fontRef>
+        </p:style>
+        <p:txBody>
+          <a:bodyPr rtlCol="0" anchor="ctr"/>
+          <a:lstStyle/>
+          <a:p>
+            <a:r>
+              <a:rPr lang="en-US" sz="1400" dirty="0"/>
+              <a:t>to</a:t>
+            </a:r>
+            <a:endParaRPr lang="en-ID" sz="1400" dirty="0"/>
+          </a:p>
+        </p:txBody>
+      </p:sp>
+      <p:graphicFrame>
+        <p:nvGraphicFramePr>
+          <p:cNvPr id="33" name="Table 33">
+            <a:extLst>
+              <a:ext uri="{FF2B5EF4-FFF2-40B4-BE49-F238E27FC236}">
+                <a16:creationId xmlns:a16="http://schemas.microsoft.com/office/drawing/2014/main" id="{DA027CEA-8531-495D-935A-33E6BE249E5F}"/>
+              </a:ext>
+            </a:extLst>
+          </p:cNvPr>
+          <p:cNvGraphicFramePr>
+            <a:graphicFrameLocks noGrp="1"/>
+          </p:cNvGraphicFramePr>
+          <p:nvPr>
+            <p:extLst>
+              <p:ext uri="{D42A27DB-BD31-4B8C-83A1-F6EECF244321}">
+                <p14:modId xmlns:p14="http://schemas.microsoft.com/office/powerpoint/2010/main" val="2533097689"/>
+              </p:ext>
+            </p:extLst>
+          </p:nvPr>
+        </p:nvGraphicFramePr>
+        <p:xfrm>
+          <a:off x="313899" y="5627348"/>
+          <a:ext cx="8850079" cy="370840"/>
+        </p:xfrm>
+        <a:graphic>
+          <a:graphicData uri="http://schemas.openxmlformats.org/drawingml/2006/table">
+            <a:tbl>
+              <a:tblPr firstRow="1" bandRow="1">
+                <a:tableStyleId>{68D230F3-CF80-4859-8CE7-A43EE81993B5}</a:tableStyleId>
+              </a:tblPr>
+              <a:tblGrid>
+                <a:gridCol w="6310282">
+                  <a:extLst>
+                    <a:ext uri="{9D8B030D-6E8A-4147-A177-3AD203B41FA5}">
+                      <a16:colId xmlns:a16="http://schemas.microsoft.com/office/drawing/2014/main" val="499632271"/>
+                    </a:ext>
+                  </a:extLst>
+                </a:gridCol>
+                <a:gridCol w="1154745">
+                  <a:extLst>
+                    <a:ext uri="{9D8B030D-6E8A-4147-A177-3AD203B41FA5}">
+                      <a16:colId xmlns:a16="http://schemas.microsoft.com/office/drawing/2014/main" val="1114575473"/>
+                    </a:ext>
+                  </a:extLst>
+                </a:gridCol>
+                <a:gridCol w="1385052">
+                  <a:extLst>
+                    <a:ext uri="{9D8B030D-6E8A-4147-A177-3AD203B41FA5}">
+                      <a16:colId xmlns:a16="http://schemas.microsoft.com/office/drawing/2014/main" val="1005342953"/>
+                    </a:ext>
+                  </a:extLst>
+                </a:gridCol>
+              </a:tblGrid>
+              <a:tr h="370840">
+                <a:tc>
+                  <a:txBody>
+                    <a:bodyPr/>
+                    <a:lstStyle/>
+                    <a:p>
+                      <a:pPr algn="l"/>
+                      <a:r>
+                        <a:rPr lang="en-US" dirty="0"/>
+                        <a:t>Total transaction</a:t>
+                      </a:r>
+                      <a:endParaRPr lang="en-ID" dirty="0"/>
+                    </a:p>
+                  </a:txBody>
+                  <a:tcPr/>
+                </a:tc>
+                <a:tc>
+                  <a:txBody>
+                    <a:bodyPr/>
+                    <a:lstStyle/>
+                    <a:p>
+                      <a:pPr algn="r"/>
+                      <a:r>
+                        <a:rPr lang="en-US" sz="1400" dirty="0"/>
+                        <a:t>6.000</a:t>
+                      </a:r>
+                      <a:endParaRPr lang="en-ID" sz="1400" dirty="0"/>
+                    </a:p>
+                  </a:txBody>
+                  <a:tcPr/>
+                </a:tc>
+                <a:tc>
+                  <a:txBody>
+                    <a:bodyPr/>
+                    <a:lstStyle/>
+                    <a:p>
+                      <a:pPr algn="r"/>
+                      <a:r>
+                        <a:rPr lang="en-US" sz="1400" dirty="0"/>
+                        <a:t>500.000</a:t>
+                      </a:r>
+                      <a:endParaRPr lang="en-ID" sz="1400" dirty="0"/>
+                    </a:p>
+                  </a:txBody>
+                  <a:tcPr/>
+                </a:tc>
+                <a:extLst>
+                  <a:ext uri="{0D108BD9-81ED-4DB2-BD59-A6C34878D82A}">
+                    <a16:rowId xmlns:a16="http://schemas.microsoft.com/office/drawing/2014/main" val="1274030039"/>
+                  </a:ext>
+                </a:extLst>
+              </a:tr>
+            </a:tbl>
+          </a:graphicData>
+        </a:graphic>
+      </p:graphicFrame>
     </p:spTree>
     <p:extLst>
       <p:ext uri="{BB962C8B-B14F-4D97-AF65-F5344CB8AC3E}">
         <p14:creationId xmlns:p14="http://schemas.microsoft.com/office/powerpoint/2010/main" val="1463861075"/>
+      </p:ext>
+    </p:extLst>
+  </p:cSld>
+  <p:clrMapOvr>
+    <a:masterClrMapping/>
+  </p:clrMapOvr>
+</p:sld>
+</file>
+
+<file path=ppt/slides/slide7.xml><?xml version="1.0" encoding="utf-8"?>
+<p:sld xmlns:a="http://schemas.openxmlformats.org/drawingml/2006/main" xmlns:r="http://schemas.openxmlformats.org/officeDocument/2006/relationships" xmlns:p="http://schemas.openxmlformats.org/presentationml/2006/main">
+  <p:cSld>
+    <p:spTree>
+      <p:nvGrpSpPr>
+        <p:cNvPr id="1" name=""/>
+        <p:cNvGrpSpPr/>
+        <p:nvPr/>
+      </p:nvGrpSpPr>
+      <p:grpSpPr>
+        <a:xfrm>
+          <a:off x="0" y="0"/>
+          <a:ext cx="0" cy="0"/>
+          <a:chOff x="0" y="0"/>
+          <a:chExt cx="0" cy="0"/>
+        </a:xfrm>
+      </p:grpSpPr>
+      <p:sp>
+        <p:nvSpPr>
+          <p:cNvPr id="4" name="TextBox 3">
+            <a:extLst>
+              <a:ext uri="{FF2B5EF4-FFF2-40B4-BE49-F238E27FC236}">
+                <a16:creationId xmlns:a16="http://schemas.microsoft.com/office/drawing/2014/main" id="{58573E4E-8B92-464C-A313-BEBD5DA96CDD}"/>
+              </a:ext>
+            </a:extLst>
+          </p:cNvPr>
+          <p:cNvSpPr txBox="1"/>
+          <p:nvPr/>
+        </p:nvSpPr>
+        <p:spPr>
+          <a:xfrm>
+            <a:off x="689112" y="593828"/>
+            <a:ext cx="4015409" cy="646331"/>
+          </a:xfrm>
+          <a:prstGeom prst="rect">
+            <a:avLst/>
+          </a:prstGeom>
+          <a:noFill/>
+        </p:spPr>
+        <p:txBody>
+          <a:bodyPr wrap="square" rtlCol="0">
+            <a:spAutoFit/>
+          </a:bodyPr>
+          <a:lstStyle/>
+          <a:p>
+            <a:r>
+              <a:rPr lang="en-US" sz="3600" dirty="0"/>
+              <a:t>Receive Product</a:t>
+            </a:r>
+            <a:endParaRPr lang="en-ID" sz="3600" dirty="0"/>
+          </a:p>
+        </p:txBody>
+      </p:sp>
+      <p:sp>
+        <p:nvSpPr>
+          <p:cNvPr id="7" name="TextBox 6">
+            <a:extLst>
+              <a:ext uri="{FF2B5EF4-FFF2-40B4-BE49-F238E27FC236}">
+                <a16:creationId xmlns:a16="http://schemas.microsoft.com/office/drawing/2014/main" id="{5C09185B-C102-4DA4-BD0A-A95762DE3047}"/>
+              </a:ext>
+            </a:extLst>
+          </p:cNvPr>
+          <p:cNvSpPr txBox="1"/>
+          <p:nvPr/>
+        </p:nvSpPr>
+        <p:spPr>
+          <a:xfrm>
+            <a:off x="10701129" y="743851"/>
+            <a:ext cx="1311966" cy="369332"/>
+          </a:xfrm>
+          <a:prstGeom prst="rect">
+            <a:avLst/>
+          </a:prstGeom>
+          <a:noFill/>
+        </p:spPr>
+        <p:txBody>
+          <a:bodyPr wrap="square" rtlCol="0">
+            <a:spAutoFit/>
+          </a:bodyPr>
+          <a:lstStyle/>
+          <a:p>
+            <a:r>
+              <a:rPr lang="en-US" dirty="0"/>
+              <a:t>Logout</a:t>
+            </a:r>
+            <a:endParaRPr lang="en-ID" dirty="0"/>
+          </a:p>
+        </p:txBody>
+      </p:sp>
+      <p:sp>
+        <p:nvSpPr>
+          <p:cNvPr id="20" name="TextBox 19">
+            <a:extLst>
+              <a:ext uri="{FF2B5EF4-FFF2-40B4-BE49-F238E27FC236}">
+                <a16:creationId xmlns:a16="http://schemas.microsoft.com/office/drawing/2014/main" id="{D9252AED-D620-440C-8BE0-DBFA5469071F}"/>
+              </a:ext>
+            </a:extLst>
+          </p:cNvPr>
+          <p:cNvSpPr txBox="1"/>
+          <p:nvPr/>
+        </p:nvSpPr>
+        <p:spPr>
+          <a:xfrm>
+            <a:off x="812800" y="1969098"/>
+            <a:ext cx="3062514" cy="307777"/>
+          </a:xfrm>
+          <a:prstGeom prst="rect">
+            <a:avLst/>
+          </a:prstGeom>
+          <a:noFill/>
+        </p:spPr>
+        <p:txBody>
+          <a:bodyPr wrap="square" rtlCol="0">
+            <a:spAutoFit/>
+          </a:bodyPr>
+          <a:lstStyle/>
+          <a:p>
+            <a:r>
+              <a:rPr lang="en-US" sz="1400" dirty="0"/>
+              <a:t>Member</a:t>
+            </a:r>
+            <a:endParaRPr lang="en-ID" sz="1400" dirty="0"/>
+          </a:p>
+        </p:txBody>
+      </p:sp>
+      <p:sp>
+        <p:nvSpPr>
+          <p:cNvPr id="21" name="TextBox 20">
+            <a:extLst>
+              <a:ext uri="{FF2B5EF4-FFF2-40B4-BE49-F238E27FC236}">
+                <a16:creationId xmlns:a16="http://schemas.microsoft.com/office/drawing/2014/main" id="{A9854168-DE12-4CF8-A432-E23399466251}"/>
+              </a:ext>
+            </a:extLst>
+          </p:cNvPr>
+          <p:cNvSpPr txBox="1"/>
+          <p:nvPr/>
+        </p:nvSpPr>
+        <p:spPr>
+          <a:xfrm>
+            <a:off x="812800" y="2356084"/>
+            <a:ext cx="3062514" cy="307777"/>
+          </a:xfrm>
+          <a:prstGeom prst="rect">
+            <a:avLst/>
+          </a:prstGeom>
+          <a:noFill/>
+        </p:spPr>
+        <p:txBody>
+          <a:bodyPr wrap="square" rtlCol="0">
+            <a:spAutoFit/>
+          </a:bodyPr>
+          <a:lstStyle/>
+          <a:p>
+            <a:r>
+              <a:rPr lang="en-US" sz="1400" dirty="0"/>
+              <a:t>Weight (gram)</a:t>
+            </a:r>
+            <a:endParaRPr lang="en-ID" sz="1400" dirty="0"/>
+          </a:p>
+        </p:txBody>
+      </p:sp>
+      <p:sp>
+        <p:nvSpPr>
+          <p:cNvPr id="22" name="Rectangle 21">
+            <a:extLst>
+              <a:ext uri="{FF2B5EF4-FFF2-40B4-BE49-F238E27FC236}">
+                <a16:creationId xmlns:a16="http://schemas.microsoft.com/office/drawing/2014/main" id="{1A7A6A1E-321C-45AA-A991-C95DA71933F4}"/>
+              </a:ext>
+            </a:extLst>
+          </p:cNvPr>
+          <p:cNvSpPr/>
+          <p:nvPr/>
+        </p:nvSpPr>
+        <p:spPr>
+          <a:xfrm>
+            <a:off x="2634343" y="1969097"/>
+            <a:ext cx="2481942" cy="307777"/>
+          </a:xfrm>
+          <a:prstGeom prst="rect">
+            <a:avLst/>
+          </a:prstGeom>
+        </p:spPr>
+        <p:style>
+          <a:lnRef idx="2">
+            <a:schemeClr val="accent6"/>
+          </a:lnRef>
+          <a:fillRef idx="1">
+            <a:schemeClr val="lt1"/>
+          </a:fillRef>
+          <a:effectRef idx="0">
+            <a:schemeClr val="accent6"/>
+          </a:effectRef>
+          <a:fontRef idx="minor">
+            <a:schemeClr val="dk1"/>
+          </a:fontRef>
+        </p:style>
+        <p:txBody>
+          <a:bodyPr rtlCol="0" anchor="ctr"/>
+          <a:lstStyle/>
+          <a:p>
+            <a:r>
+              <a:rPr lang="en-US" sz="1400" dirty="0"/>
+              <a:t>#sandra</a:t>
+            </a:r>
+            <a:endParaRPr lang="en-ID" sz="1400" dirty="0"/>
+          </a:p>
+        </p:txBody>
+      </p:sp>
+      <p:sp>
+        <p:nvSpPr>
+          <p:cNvPr id="23" name="Rectangle 22">
+            <a:extLst>
+              <a:ext uri="{FF2B5EF4-FFF2-40B4-BE49-F238E27FC236}">
+                <a16:creationId xmlns:a16="http://schemas.microsoft.com/office/drawing/2014/main" id="{A236918D-61A9-4CEF-868B-7F509F9C962B}"/>
+              </a:ext>
+            </a:extLst>
+          </p:cNvPr>
+          <p:cNvSpPr/>
+          <p:nvPr/>
+        </p:nvSpPr>
+        <p:spPr>
+          <a:xfrm>
+            <a:off x="2634343" y="2356084"/>
+            <a:ext cx="2481942" cy="307777"/>
+          </a:xfrm>
+          <a:prstGeom prst="rect">
+            <a:avLst/>
+          </a:prstGeom>
+        </p:spPr>
+        <p:style>
+          <a:lnRef idx="2">
+            <a:schemeClr val="accent6"/>
+          </a:lnRef>
+          <a:fillRef idx="1">
+            <a:schemeClr val="lt1"/>
+          </a:fillRef>
+          <a:effectRef idx="0">
+            <a:schemeClr val="accent6"/>
+          </a:effectRef>
+          <a:fontRef idx="minor">
+            <a:schemeClr val="dk1"/>
+          </a:fontRef>
+        </p:style>
+        <p:txBody>
+          <a:bodyPr rtlCol="0" anchor="ctr"/>
+          <a:lstStyle/>
+          <a:p>
+            <a:pPr algn="ctr"/>
+            <a:endParaRPr lang="en-ID"/>
+          </a:p>
+        </p:txBody>
+      </p:sp>
+      <p:sp>
+        <p:nvSpPr>
+          <p:cNvPr id="24" name="TextBox 23">
+            <a:extLst>
+              <a:ext uri="{FF2B5EF4-FFF2-40B4-BE49-F238E27FC236}">
+                <a16:creationId xmlns:a16="http://schemas.microsoft.com/office/drawing/2014/main" id="{F61A2D2E-64F6-490D-ACEE-09B13E23E20D}"/>
+              </a:ext>
+            </a:extLst>
+          </p:cNvPr>
+          <p:cNvSpPr txBox="1"/>
+          <p:nvPr/>
+        </p:nvSpPr>
+        <p:spPr>
+          <a:xfrm>
+            <a:off x="812800" y="2743070"/>
+            <a:ext cx="3062514" cy="307777"/>
+          </a:xfrm>
+          <a:prstGeom prst="rect">
+            <a:avLst/>
+          </a:prstGeom>
+          <a:noFill/>
+        </p:spPr>
+        <p:txBody>
+          <a:bodyPr wrap="square" rtlCol="0">
+            <a:spAutoFit/>
+          </a:bodyPr>
+          <a:lstStyle/>
+          <a:p>
+            <a:r>
+              <a:rPr lang="en-US" sz="1400" dirty="0"/>
+              <a:t>Product</a:t>
+            </a:r>
+            <a:endParaRPr lang="en-ID" sz="1400" dirty="0"/>
+          </a:p>
+        </p:txBody>
+      </p:sp>
+      <p:sp>
+        <p:nvSpPr>
+          <p:cNvPr id="31" name="Rectangle 30">
+            <a:extLst>
+              <a:ext uri="{FF2B5EF4-FFF2-40B4-BE49-F238E27FC236}">
+                <a16:creationId xmlns:a16="http://schemas.microsoft.com/office/drawing/2014/main" id="{FBCA17D7-81ED-41E8-BD11-D958CBD02223}"/>
+              </a:ext>
+            </a:extLst>
+          </p:cNvPr>
+          <p:cNvSpPr/>
+          <p:nvPr/>
+        </p:nvSpPr>
+        <p:spPr>
+          <a:xfrm>
+            <a:off x="2634343" y="2743301"/>
+            <a:ext cx="2481942" cy="307777"/>
+          </a:xfrm>
+          <a:prstGeom prst="rect">
+            <a:avLst/>
+          </a:prstGeom>
+        </p:spPr>
+        <p:style>
+          <a:lnRef idx="2">
+            <a:schemeClr val="accent6"/>
+          </a:lnRef>
+          <a:fillRef idx="1">
+            <a:schemeClr val="lt1"/>
+          </a:fillRef>
+          <a:effectRef idx="0">
+            <a:schemeClr val="accent6"/>
+          </a:effectRef>
+          <a:fontRef idx="minor">
+            <a:schemeClr val="dk1"/>
+          </a:fontRef>
+        </p:style>
+        <p:txBody>
+          <a:bodyPr rtlCol="0" anchor="ctr"/>
+          <a:lstStyle/>
+          <a:p>
+            <a:pPr algn="ctr"/>
+            <a:endParaRPr lang="en-ID"/>
+          </a:p>
+        </p:txBody>
+      </p:sp>
+      <p:sp>
+        <p:nvSpPr>
+          <p:cNvPr id="3" name="Isosceles Triangle 2">
+            <a:extLst>
+              <a:ext uri="{FF2B5EF4-FFF2-40B4-BE49-F238E27FC236}">
+                <a16:creationId xmlns:a16="http://schemas.microsoft.com/office/drawing/2014/main" id="{EC7945B1-ACD6-4881-A091-42F7DB36B1BB}"/>
+              </a:ext>
+            </a:extLst>
+          </p:cNvPr>
+          <p:cNvSpPr/>
+          <p:nvPr/>
+        </p:nvSpPr>
+        <p:spPr>
+          <a:xfrm rot="10800000">
+            <a:off x="4864893" y="2809529"/>
+            <a:ext cx="190160" cy="175320"/>
+          </a:xfrm>
+          <a:prstGeom prst="triangle">
+            <a:avLst/>
+          </a:prstGeom>
+        </p:spPr>
+        <p:style>
+          <a:lnRef idx="2">
+            <a:schemeClr val="accent6"/>
+          </a:lnRef>
+          <a:fillRef idx="1">
+            <a:schemeClr val="lt1"/>
+          </a:fillRef>
+          <a:effectRef idx="0">
+            <a:schemeClr val="accent6"/>
+          </a:effectRef>
+          <a:fontRef idx="minor">
+            <a:schemeClr val="dk1"/>
+          </a:fontRef>
+        </p:style>
+        <p:txBody>
+          <a:bodyPr rtlCol="0" anchor="ctr"/>
+          <a:lstStyle/>
+          <a:p>
+            <a:pPr algn="ctr"/>
+            <a:endParaRPr lang="en-ID" dirty="0"/>
+          </a:p>
+        </p:txBody>
+      </p:sp>
+      <p:sp>
+        <p:nvSpPr>
+          <p:cNvPr id="13" name="Rectangle 12">
+            <a:extLst>
+              <a:ext uri="{FF2B5EF4-FFF2-40B4-BE49-F238E27FC236}">
+                <a16:creationId xmlns:a16="http://schemas.microsoft.com/office/drawing/2014/main" id="{7B8D42A6-CE96-40B9-B12E-9D6D15D5DAAC}"/>
+              </a:ext>
+            </a:extLst>
+          </p:cNvPr>
+          <p:cNvSpPr/>
+          <p:nvPr/>
+        </p:nvSpPr>
+        <p:spPr>
+          <a:xfrm>
+            <a:off x="2634343" y="3051076"/>
+            <a:ext cx="2481942" cy="755847"/>
+          </a:xfrm>
+          <a:prstGeom prst="rect">
+            <a:avLst/>
+          </a:prstGeom>
+        </p:spPr>
+        <p:style>
+          <a:lnRef idx="2">
+            <a:schemeClr val="accent6"/>
+          </a:lnRef>
+          <a:fillRef idx="1">
+            <a:schemeClr val="lt1"/>
+          </a:fillRef>
+          <a:effectRef idx="0">
+            <a:schemeClr val="accent6"/>
+          </a:effectRef>
+          <a:fontRef idx="minor">
+            <a:schemeClr val="dk1"/>
+          </a:fontRef>
+        </p:style>
+        <p:txBody>
+          <a:bodyPr rtlCol="0" anchor="ctr"/>
+          <a:lstStyle/>
+          <a:p>
+            <a:r>
+              <a:rPr lang="en-US" sz="1400" dirty="0"/>
+              <a:t>Bottle PET</a:t>
+            </a:r>
+            <a:br>
+              <a:rPr lang="en-US" sz="1400" dirty="0"/>
+            </a:br>
+            <a:r>
+              <a:rPr lang="en-US" sz="1400" dirty="0"/>
+              <a:t>Bottle PVC</a:t>
+            </a:r>
+          </a:p>
+          <a:p>
+            <a:r>
+              <a:rPr lang="en-US" sz="1400" dirty="0"/>
+              <a:t>Other</a:t>
+            </a:r>
+            <a:endParaRPr lang="en-ID" sz="1400" dirty="0"/>
+          </a:p>
+        </p:txBody>
+      </p:sp>
+      <p:sp>
+        <p:nvSpPr>
+          <p:cNvPr id="32" name="TextBox 31">
+            <a:extLst>
+              <a:ext uri="{FF2B5EF4-FFF2-40B4-BE49-F238E27FC236}">
+                <a16:creationId xmlns:a16="http://schemas.microsoft.com/office/drawing/2014/main" id="{EF16366A-41A6-4B6C-A5F7-E62584A965BC}"/>
+              </a:ext>
+            </a:extLst>
+          </p:cNvPr>
+          <p:cNvSpPr txBox="1"/>
+          <p:nvPr/>
+        </p:nvSpPr>
+        <p:spPr>
+          <a:xfrm>
+            <a:off x="0" y="0"/>
+            <a:ext cx="6546574" cy="369332"/>
+          </a:xfrm>
+          <a:prstGeom prst="rect">
+            <a:avLst/>
+          </a:prstGeom>
+          <a:solidFill>
+            <a:schemeClr val="accent4">
+              <a:lumMod val="20000"/>
+              <a:lumOff val="80000"/>
+            </a:schemeClr>
+          </a:solidFill>
+          <a:ln>
+            <a:solidFill>
+              <a:schemeClr val="accent4">
+                <a:lumMod val="60000"/>
+                <a:lumOff val="40000"/>
+              </a:schemeClr>
+            </a:solidFill>
+          </a:ln>
+          <a:effectLst>
+            <a:outerShdw blurRad="50800" dist="38100" dir="2700000" algn="tl" rotWithShape="0">
+              <a:prstClr val="black">
+                <a:alpha val="40000"/>
+              </a:prstClr>
+            </a:outerShdw>
+          </a:effectLst>
+        </p:spPr>
+        <p:txBody>
+          <a:bodyPr wrap="square" rtlCol="0">
+            <a:spAutoFit/>
+          </a:bodyPr>
+          <a:lstStyle/>
+          <a:p>
+            <a:r>
+              <a:rPr lang="en-US" dirty="0">
+                <a:solidFill>
+                  <a:schemeClr val="bg1">
+                    <a:lumMod val="65000"/>
+                  </a:schemeClr>
+                </a:solidFill>
+              </a:rPr>
+              <a:t>Input recycle transaction. Only kiosk can access this page</a:t>
+            </a:r>
+            <a:endParaRPr lang="en-ID" dirty="0">
+              <a:solidFill>
+                <a:schemeClr val="bg1">
+                  <a:lumMod val="65000"/>
+                </a:schemeClr>
+              </a:solidFill>
+            </a:endParaRPr>
+          </a:p>
+        </p:txBody>
+      </p:sp>
+      <p:sp>
+        <p:nvSpPr>
+          <p:cNvPr id="34" name="TextBox 33">
+            <a:extLst>
+              <a:ext uri="{FF2B5EF4-FFF2-40B4-BE49-F238E27FC236}">
+                <a16:creationId xmlns:a16="http://schemas.microsoft.com/office/drawing/2014/main" id="{73A41467-EFB2-4015-AACE-D28312C6DD2D}"/>
+              </a:ext>
+            </a:extLst>
+          </p:cNvPr>
+          <p:cNvSpPr txBox="1"/>
+          <p:nvPr/>
+        </p:nvSpPr>
+        <p:spPr>
+          <a:xfrm>
+            <a:off x="9163978" y="743851"/>
+            <a:ext cx="1311966" cy="369332"/>
+          </a:xfrm>
+          <a:prstGeom prst="rect">
+            <a:avLst/>
+          </a:prstGeom>
+          <a:noFill/>
+        </p:spPr>
+        <p:txBody>
+          <a:bodyPr wrap="square" rtlCol="0">
+            <a:spAutoFit/>
+          </a:bodyPr>
+          <a:lstStyle/>
+          <a:p>
+            <a:r>
+              <a:rPr lang="en-US" dirty="0"/>
+              <a:t>Transaction</a:t>
+            </a:r>
+            <a:endParaRPr lang="en-ID" dirty="0"/>
+          </a:p>
+        </p:txBody>
+      </p:sp>
+      <p:sp>
+        <p:nvSpPr>
+          <p:cNvPr id="2" name="Speech Bubble: Oval 1">
+            <a:extLst>
+              <a:ext uri="{FF2B5EF4-FFF2-40B4-BE49-F238E27FC236}">
+                <a16:creationId xmlns:a16="http://schemas.microsoft.com/office/drawing/2014/main" id="{1712865B-D492-44A6-A6FA-09DBF81F3C74}"/>
+              </a:ext>
+            </a:extLst>
+          </p:cNvPr>
+          <p:cNvSpPr/>
+          <p:nvPr/>
+        </p:nvSpPr>
+        <p:spPr>
+          <a:xfrm>
+            <a:off x="5696857" y="2122985"/>
+            <a:ext cx="4071582" cy="976387"/>
+          </a:xfrm>
+          <a:prstGeom prst="wedgeEllipseCallout">
+            <a:avLst>
+              <a:gd name="adj1" fmla="val -68766"/>
+              <a:gd name="adj2" fmla="val -48026"/>
+            </a:avLst>
+          </a:prstGeom>
+        </p:spPr>
+        <p:style>
+          <a:lnRef idx="2">
+            <a:schemeClr val="accent6">
+              <a:shade val="50000"/>
+            </a:schemeClr>
+          </a:lnRef>
+          <a:fillRef idx="1">
+            <a:schemeClr val="accent6"/>
+          </a:fillRef>
+          <a:effectRef idx="0">
+            <a:schemeClr val="accent6"/>
+          </a:effectRef>
+          <a:fontRef idx="minor">
+            <a:schemeClr val="lt1"/>
+          </a:fontRef>
+        </p:style>
+        <p:txBody>
+          <a:bodyPr rtlCol="0" anchor="ctr"/>
+          <a:lstStyle/>
+          <a:p>
+            <a:pPr algn="ctr"/>
+            <a:r>
+              <a:rPr lang="en-US" dirty="0"/>
+              <a:t>QR Code scan result from member goes here</a:t>
+            </a:r>
+            <a:endParaRPr lang="en-ID" dirty="0"/>
+          </a:p>
+        </p:txBody>
+      </p:sp>
+      <p:sp>
+        <p:nvSpPr>
+          <p:cNvPr id="35" name="Rectangle: Rounded Corners 34">
+            <a:extLst>
+              <a:ext uri="{FF2B5EF4-FFF2-40B4-BE49-F238E27FC236}">
+                <a16:creationId xmlns:a16="http://schemas.microsoft.com/office/drawing/2014/main" id="{D3BCF9FB-4593-4498-B4C8-C6597F5E715D}"/>
+              </a:ext>
+            </a:extLst>
+          </p:cNvPr>
+          <p:cNvSpPr/>
+          <p:nvPr/>
+        </p:nvSpPr>
+        <p:spPr>
+          <a:xfrm>
+            <a:off x="2634343" y="3873149"/>
+            <a:ext cx="1240971" cy="354842"/>
+          </a:xfrm>
+          <a:prstGeom prst="roundRect">
+            <a:avLst/>
+          </a:prstGeom>
+        </p:spPr>
+        <p:style>
+          <a:lnRef idx="2">
+            <a:schemeClr val="accent6">
+              <a:shade val="50000"/>
+            </a:schemeClr>
+          </a:lnRef>
+          <a:fillRef idx="1">
+            <a:schemeClr val="accent6"/>
+          </a:fillRef>
+          <a:effectRef idx="0">
+            <a:schemeClr val="accent6"/>
+          </a:effectRef>
+          <a:fontRef idx="minor">
+            <a:schemeClr val="lt1"/>
+          </a:fontRef>
+        </p:style>
+        <p:txBody>
+          <a:bodyPr rtlCol="0" anchor="ctr"/>
+          <a:lstStyle/>
+          <a:p>
+            <a:pPr algn="ctr"/>
+            <a:r>
+              <a:rPr lang="en-US" sz="1400" dirty="0"/>
+              <a:t>recycle</a:t>
+            </a:r>
+            <a:endParaRPr lang="en-ID" sz="1400" dirty="0"/>
+          </a:p>
+        </p:txBody>
+      </p:sp>
+      <p:sp>
+        <p:nvSpPr>
+          <p:cNvPr id="36" name="TextBox 35">
+            <a:extLst>
+              <a:ext uri="{FF2B5EF4-FFF2-40B4-BE49-F238E27FC236}">
+                <a16:creationId xmlns:a16="http://schemas.microsoft.com/office/drawing/2014/main" id="{566ECF9E-E76C-4E03-AEC9-08897C23F202}"/>
+              </a:ext>
+            </a:extLst>
+          </p:cNvPr>
+          <p:cNvSpPr txBox="1"/>
+          <p:nvPr/>
+        </p:nvSpPr>
+        <p:spPr>
+          <a:xfrm>
+            <a:off x="7983944" y="732327"/>
+            <a:ext cx="1187353" cy="369332"/>
+          </a:xfrm>
+          <a:prstGeom prst="rect">
+            <a:avLst/>
+          </a:prstGeom>
+          <a:noFill/>
+        </p:spPr>
+        <p:txBody>
+          <a:bodyPr wrap="square" rtlCol="0">
+            <a:spAutoFit/>
+          </a:bodyPr>
+          <a:lstStyle/>
+          <a:p>
+            <a:r>
+              <a:rPr lang="en-US" dirty="0"/>
+              <a:t>Recycle</a:t>
+            </a:r>
+            <a:endParaRPr lang="en-ID" dirty="0"/>
+          </a:p>
+        </p:txBody>
+      </p:sp>
+    </p:spTree>
+    <p:extLst>
+      <p:ext uri="{BB962C8B-B14F-4D97-AF65-F5344CB8AC3E}">
+        <p14:creationId xmlns:p14="http://schemas.microsoft.com/office/powerpoint/2010/main" val="3009490181"/>
+      </p:ext>
+    </p:extLst>
+  </p:cSld>
+  <p:clrMapOvr>
+    <a:masterClrMapping/>
+  </p:clrMapOvr>
+</p:sld>
+</file>
+
+<file path=ppt/slides/slide8.xml><?xml version="1.0" encoding="utf-8"?>
+<p:sld xmlns:a="http://schemas.openxmlformats.org/drawingml/2006/main" xmlns:r="http://schemas.openxmlformats.org/officeDocument/2006/relationships" xmlns:p="http://schemas.openxmlformats.org/presentationml/2006/main">
+  <p:cSld>
+    <p:spTree>
+      <p:nvGrpSpPr>
+        <p:cNvPr id="1" name=""/>
+        <p:cNvGrpSpPr/>
+        <p:nvPr/>
+      </p:nvGrpSpPr>
+      <p:grpSpPr>
+        <a:xfrm>
+          <a:off x="0" y="0"/>
+          <a:ext cx="0" cy="0"/>
+          <a:chOff x="0" y="0"/>
+          <a:chExt cx="0" cy="0"/>
+        </a:xfrm>
+      </p:grpSpPr>
+      <p:sp>
+        <p:nvSpPr>
+          <p:cNvPr id="4" name="TextBox 3">
+            <a:extLst>
+              <a:ext uri="{FF2B5EF4-FFF2-40B4-BE49-F238E27FC236}">
+                <a16:creationId xmlns:a16="http://schemas.microsoft.com/office/drawing/2014/main" id="{58573E4E-8B92-464C-A313-BEBD5DA96CDD}"/>
+              </a:ext>
+            </a:extLst>
+          </p:cNvPr>
+          <p:cNvSpPr txBox="1"/>
+          <p:nvPr/>
+        </p:nvSpPr>
+        <p:spPr>
+          <a:xfrm>
+            <a:off x="689112" y="593828"/>
+            <a:ext cx="4678018" cy="646331"/>
+          </a:xfrm>
+          <a:prstGeom prst="rect">
+            <a:avLst/>
+          </a:prstGeom>
+          <a:noFill/>
+        </p:spPr>
+        <p:txBody>
+          <a:bodyPr wrap="square" rtlCol="0">
+            <a:spAutoFit/>
+          </a:bodyPr>
+          <a:lstStyle/>
+          <a:p>
+            <a:r>
+              <a:rPr lang="en-US" sz="3600" dirty="0"/>
+              <a:t>Member’s Transaction</a:t>
+            </a:r>
+            <a:endParaRPr lang="en-ID" sz="3600" dirty="0"/>
+          </a:p>
+        </p:txBody>
+      </p:sp>
+      <p:sp>
+        <p:nvSpPr>
+          <p:cNvPr id="5" name="TextBox 4">
+            <a:extLst>
+              <a:ext uri="{FF2B5EF4-FFF2-40B4-BE49-F238E27FC236}">
+                <a16:creationId xmlns:a16="http://schemas.microsoft.com/office/drawing/2014/main" id="{B3B69308-61CD-4618-8691-C41090DE6E85}"/>
+              </a:ext>
+            </a:extLst>
+          </p:cNvPr>
+          <p:cNvSpPr txBox="1"/>
+          <p:nvPr/>
+        </p:nvSpPr>
+        <p:spPr>
+          <a:xfrm>
+            <a:off x="8761863" y="743851"/>
+            <a:ext cx="1714081" cy="369332"/>
+          </a:xfrm>
+          <a:prstGeom prst="rect">
+            <a:avLst/>
+          </a:prstGeom>
+          <a:noFill/>
+        </p:spPr>
+        <p:txBody>
+          <a:bodyPr wrap="square" rtlCol="0">
+            <a:spAutoFit/>
+          </a:bodyPr>
+          <a:lstStyle/>
+          <a:p>
+            <a:r>
+              <a:rPr lang="en-US" dirty="0"/>
+              <a:t>My Transaction</a:t>
+            </a:r>
+            <a:endParaRPr lang="en-ID" dirty="0"/>
+          </a:p>
+        </p:txBody>
+      </p:sp>
+      <p:sp>
+        <p:nvSpPr>
+          <p:cNvPr id="7" name="TextBox 6">
+            <a:extLst>
+              <a:ext uri="{FF2B5EF4-FFF2-40B4-BE49-F238E27FC236}">
+                <a16:creationId xmlns:a16="http://schemas.microsoft.com/office/drawing/2014/main" id="{5C09185B-C102-4DA4-BD0A-A95762DE3047}"/>
+              </a:ext>
+            </a:extLst>
+          </p:cNvPr>
+          <p:cNvSpPr txBox="1"/>
+          <p:nvPr/>
+        </p:nvSpPr>
+        <p:spPr>
+          <a:xfrm>
+            <a:off x="10701129" y="743851"/>
+            <a:ext cx="1311966" cy="369332"/>
+          </a:xfrm>
+          <a:prstGeom prst="rect">
+            <a:avLst/>
+          </a:prstGeom>
+          <a:noFill/>
+        </p:spPr>
+        <p:txBody>
+          <a:bodyPr wrap="square" rtlCol="0">
+            <a:spAutoFit/>
+          </a:bodyPr>
+          <a:lstStyle/>
+          <a:p>
+            <a:r>
+              <a:rPr lang="en-US" dirty="0"/>
+              <a:t>Logout</a:t>
+            </a:r>
+            <a:endParaRPr lang="en-ID" dirty="0"/>
+          </a:p>
+        </p:txBody>
+      </p:sp>
+      <p:graphicFrame>
+        <p:nvGraphicFramePr>
+          <p:cNvPr id="2" name="Table 2">
+            <a:extLst>
+              <a:ext uri="{FF2B5EF4-FFF2-40B4-BE49-F238E27FC236}">
+                <a16:creationId xmlns:a16="http://schemas.microsoft.com/office/drawing/2014/main" id="{67A880A4-B2FD-4973-8181-096551BF18BE}"/>
+              </a:ext>
+            </a:extLst>
+          </p:cNvPr>
+          <p:cNvGraphicFramePr>
+            <a:graphicFrameLocks noGrp="1"/>
+          </p:cNvGraphicFramePr>
+          <p:nvPr>
+            <p:extLst>
+              <p:ext uri="{D42A27DB-BD31-4B8C-83A1-F6EECF244321}">
+                <p14:modId xmlns:p14="http://schemas.microsoft.com/office/powerpoint/2010/main" val="3717347219"/>
+              </p:ext>
+            </p:extLst>
+          </p:nvPr>
+        </p:nvGraphicFramePr>
+        <p:xfrm>
+          <a:off x="313899" y="4070342"/>
+          <a:ext cx="11122924" cy="1112520"/>
+        </p:xfrm>
+        <a:graphic>
+          <a:graphicData uri="http://schemas.openxmlformats.org/drawingml/2006/table">
+            <a:tbl>
+              <a:tblPr firstRow="1" bandRow="1">
+                <a:tableStyleId>{68D230F3-CF80-4859-8CE7-A43EE81993B5}</a:tableStyleId>
+              </a:tblPr>
+              <a:tblGrid>
+                <a:gridCol w="517098">
+                  <a:extLst>
+                    <a:ext uri="{9D8B030D-6E8A-4147-A177-3AD203B41FA5}">
+                      <a16:colId xmlns:a16="http://schemas.microsoft.com/office/drawing/2014/main" val="202847888"/>
+                    </a:ext>
+                  </a:extLst>
+                </a:gridCol>
+                <a:gridCol w="1668065">
+                  <a:extLst>
+                    <a:ext uri="{9D8B030D-6E8A-4147-A177-3AD203B41FA5}">
+                      <a16:colId xmlns:a16="http://schemas.microsoft.com/office/drawing/2014/main" val="3655148703"/>
+                    </a:ext>
+                  </a:extLst>
+                </a:gridCol>
+                <a:gridCol w="1777659">
+                  <a:extLst>
+                    <a:ext uri="{9D8B030D-6E8A-4147-A177-3AD203B41FA5}">
+                      <a16:colId xmlns:a16="http://schemas.microsoft.com/office/drawing/2014/main" val="2307959109"/>
+                    </a:ext>
+                  </a:extLst>
+                </a:gridCol>
+                <a:gridCol w="1606145">
+                  <a:extLst>
+                    <a:ext uri="{9D8B030D-6E8A-4147-A177-3AD203B41FA5}">
+                      <a16:colId xmlns:a16="http://schemas.microsoft.com/office/drawing/2014/main" val="2539618424"/>
+                    </a:ext>
+                  </a:extLst>
+                </a:gridCol>
+                <a:gridCol w="1125802">
+                  <a:extLst>
+                    <a:ext uri="{9D8B030D-6E8A-4147-A177-3AD203B41FA5}">
+                      <a16:colId xmlns:a16="http://schemas.microsoft.com/office/drawing/2014/main" val="1835854017"/>
+                    </a:ext>
+                  </a:extLst>
+                </a:gridCol>
+                <a:gridCol w="1501069">
+                  <a:extLst>
+                    <a:ext uri="{9D8B030D-6E8A-4147-A177-3AD203B41FA5}">
+                      <a16:colId xmlns:a16="http://schemas.microsoft.com/office/drawing/2014/main" val="1753649867"/>
+                    </a:ext>
+                  </a:extLst>
+                </a:gridCol>
+                <a:gridCol w="1486058">
+                  <a:extLst>
+                    <a:ext uri="{9D8B030D-6E8A-4147-A177-3AD203B41FA5}">
+                      <a16:colId xmlns:a16="http://schemas.microsoft.com/office/drawing/2014/main" val="2952683578"/>
+                    </a:ext>
+                  </a:extLst>
+                </a:gridCol>
+                <a:gridCol w="1441028">
+                  <a:extLst>
+                    <a:ext uri="{9D8B030D-6E8A-4147-A177-3AD203B41FA5}">
+                      <a16:colId xmlns:a16="http://schemas.microsoft.com/office/drawing/2014/main" val="2277416920"/>
+                    </a:ext>
+                  </a:extLst>
+                </a:gridCol>
+              </a:tblGrid>
+              <a:tr h="370840">
+                <a:tc>
+                  <a:txBody>
+                    <a:bodyPr/>
+                    <a:lstStyle/>
+                    <a:p>
+                      <a:pPr algn="ctr"/>
+                      <a:r>
+                        <a:rPr lang="en-US" sz="1400" dirty="0"/>
+                        <a:t>No</a:t>
+                      </a:r>
+                      <a:endParaRPr lang="en-ID" sz="1400" dirty="0"/>
+                    </a:p>
+                  </a:txBody>
+                  <a:tcPr/>
+                </a:tc>
+                <a:tc>
+                  <a:txBody>
+                    <a:bodyPr/>
+                    <a:lstStyle/>
+                    <a:p>
+                      <a:pPr algn="ctr"/>
+                      <a:r>
+                        <a:rPr lang="en-US" sz="1400" dirty="0"/>
+                        <a:t>Trans ID</a:t>
+                      </a:r>
+                      <a:endParaRPr lang="en-ID" sz="1400" dirty="0"/>
+                    </a:p>
+                  </a:txBody>
+                  <a:tcPr/>
+                </a:tc>
+                <a:tc>
+                  <a:txBody>
+                    <a:bodyPr/>
+                    <a:lstStyle/>
+                    <a:p>
+                      <a:pPr algn="ctr"/>
+                      <a:r>
+                        <a:rPr lang="en-US" sz="1400" dirty="0"/>
+                        <a:t>Date</a:t>
+                      </a:r>
+                      <a:endParaRPr lang="en-ID" sz="1400" dirty="0"/>
+                    </a:p>
+                  </a:txBody>
+                  <a:tcPr/>
+                </a:tc>
+                <a:tc>
+                  <a:txBody>
+                    <a:bodyPr/>
+                    <a:lstStyle/>
+                    <a:p>
+                      <a:pPr algn="ctr"/>
+                      <a:r>
+                        <a:rPr lang="en-US" sz="1400" dirty="0"/>
+                        <a:t>Kiosk</a:t>
+                      </a:r>
+                      <a:endParaRPr lang="en-ID" sz="1400" dirty="0"/>
+                    </a:p>
+                  </a:txBody>
+                  <a:tcPr/>
+                </a:tc>
+                <a:tc>
+                  <a:txBody>
+                    <a:bodyPr/>
+                    <a:lstStyle/>
+                    <a:p>
+                      <a:pPr algn="ctr"/>
+                      <a:r>
+                        <a:rPr lang="en-US" sz="1400" dirty="0"/>
+                        <a:t>Product</a:t>
+                      </a:r>
+                      <a:endParaRPr lang="en-ID" sz="1400" dirty="0"/>
+                    </a:p>
+                  </a:txBody>
+                  <a:tcPr/>
+                </a:tc>
+                <a:tc>
+                  <a:txBody>
+                    <a:bodyPr/>
+                    <a:lstStyle/>
+                    <a:p>
+                      <a:pPr algn="ctr"/>
+                      <a:r>
+                        <a:rPr lang="en-US" sz="1400" dirty="0"/>
+                        <a:t>Weight(gr)</a:t>
+                      </a:r>
+                      <a:endParaRPr lang="en-ID" sz="1400" dirty="0"/>
+                    </a:p>
+                  </a:txBody>
+                  <a:tcPr/>
+                </a:tc>
+                <a:tc>
+                  <a:txBody>
+                    <a:bodyPr/>
+                    <a:lstStyle/>
+                    <a:p>
+                      <a:pPr algn="ctr"/>
+                      <a:r>
+                        <a:rPr lang="en-US" sz="1400" dirty="0"/>
+                        <a:t>Amount</a:t>
+                      </a:r>
+                      <a:endParaRPr lang="en-ID" sz="1400" dirty="0"/>
+                    </a:p>
+                  </a:txBody>
+                  <a:tcPr/>
+                </a:tc>
+                <a:tc>
+                  <a:txBody>
+                    <a:bodyPr/>
+                    <a:lstStyle/>
+                    <a:p>
+                      <a:pPr algn="ctr"/>
+                      <a:r>
+                        <a:rPr lang="en-US" sz="1400" dirty="0"/>
+                        <a:t>Status</a:t>
+                      </a:r>
+                      <a:endParaRPr lang="en-ID" sz="1400" dirty="0"/>
+                    </a:p>
+                  </a:txBody>
+                  <a:tcPr/>
+                </a:tc>
+                <a:extLst>
+                  <a:ext uri="{0D108BD9-81ED-4DB2-BD59-A6C34878D82A}">
+                    <a16:rowId xmlns:a16="http://schemas.microsoft.com/office/drawing/2014/main" val="252389372"/>
+                  </a:ext>
+                </a:extLst>
+              </a:tr>
+              <a:tr h="370840">
+                <a:tc>
+                  <a:txBody>
+                    <a:bodyPr/>
+                    <a:lstStyle/>
+                    <a:p>
+                      <a:pPr algn="ctr"/>
+                      <a:r>
+                        <a:rPr lang="en-US" sz="1400" dirty="0"/>
+                        <a:t>1</a:t>
+                      </a:r>
+                      <a:endParaRPr lang="en-ID" sz="1400" dirty="0"/>
+                    </a:p>
+                  </a:txBody>
+                  <a:tcPr/>
+                </a:tc>
+                <a:tc>
+                  <a:txBody>
+                    <a:bodyPr/>
+                    <a:lstStyle/>
+                    <a:p>
+                      <a:r>
+                        <a:rPr lang="en-US" sz="1400" dirty="0"/>
+                        <a:t>TRX 1</a:t>
+                      </a:r>
+                      <a:endParaRPr lang="en-ID" sz="1400" dirty="0"/>
+                    </a:p>
+                  </a:txBody>
+                  <a:tcPr/>
+                </a:tc>
+                <a:tc>
+                  <a:txBody>
+                    <a:bodyPr/>
+                    <a:lstStyle/>
+                    <a:p>
+                      <a:r>
+                        <a:rPr lang="en-US" sz="1400" b="0" kern="1200" dirty="0">
+                          <a:solidFill>
+                            <a:schemeClr val="dk1"/>
+                          </a:solidFill>
+                          <a:effectLst/>
+                        </a:rPr>
+                        <a:t>Tue, 7 Jan 25 14:48</a:t>
+                      </a:r>
+                      <a:endParaRPr lang="en-ID" sz="1400" dirty="0"/>
+                    </a:p>
+                  </a:txBody>
+                  <a:tcPr/>
+                </a:tc>
+                <a:tc>
+                  <a:txBody>
+                    <a:bodyPr/>
+                    <a:lstStyle/>
+                    <a:p>
+                      <a:pPr marL="0" marR="0" lvl="0" indent="0" algn="l" defTabSz="914400" rtl="0" eaLnBrk="1" fontAlgn="auto" latinLnBrk="0" hangingPunct="1">
+                        <a:lnSpc>
+                          <a:spcPct val="100000"/>
+                        </a:lnSpc>
+                        <a:spcBef>
+                          <a:spcPts val="0"/>
+                        </a:spcBef>
+                        <a:spcAft>
+                          <a:spcPts val="0"/>
+                        </a:spcAft>
+                        <a:buClrTx/>
+                        <a:buSzTx/>
+                        <a:buFontTx/>
+                        <a:buNone/>
+                        <a:tabLst/>
+                        <a:defRPr/>
+                      </a:pPr>
+                      <a:r>
+                        <a:rPr lang="en-US" sz="1400" dirty="0"/>
+                        <a:t>Eric </a:t>
+                      </a:r>
+                      <a:r>
+                        <a:rPr lang="en-US" sz="1400" dirty="0" err="1"/>
+                        <a:t>Cantona</a:t>
+                      </a:r>
+                      <a:endParaRPr lang="en-ID" sz="1400" dirty="0"/>
+                    </a:p>
+                  </a:txBody>
+                  <a:tcPr/>
+                </a:tc>
+                <a:tc>
+                  <a:txBody>
+                    <a:bodyPr/>
+                    <a:lstStyle/>
+                    <a:p>
+                      <a:pPr marL="0" marR="0" lvl="0" indent="0" algn="l" defTabSz="914400" rtl="0" eaLnBrk="1" fontAlgn="auto" latinLnBrk="0" hangingPunct="1">
+                        <a:lnSpc>
+                          <a:spcPct val="100000"/>
+                        </a:lnSpc>
+                        <a:spcBef>
+                          <a:spcPts val="0"/>
+                        </a:spcBef>
+                        <a:spcAft>
+                          <a:spcPts val="0"/>
+                        </a:spcAft>
+                        <a:buClrTx/>
+                        <a:buSzTx/>
+                        <a:buFontTx/>
+                        <a:buNone/>
+                        <a:tabLst/>
+                        <a:defRPr/>
+                      </a:pPr>
+                      <a:r>
+                        <a:rPr lang="en-US" sz="1400" dirty="0"/>
+                        <a:t>Bottle PET</a:t>
+                      </a:r>
+                      <a:endParaRPr lang="en-ID" sz="1400" dirty="0"/>
+                    </a:p>
+                  </a:txBody>
+                  <a:tcPr/>
+                </a:tc>
+                <a:tc>
+                  <a:txBody>
+                    <a:bodyPr/>
+                    <a:lstStyle/>
+                    <a:p>
+                      <a:pPr algn="r"/>
+                      <a:r>
+                        <a:rPr lang="en-US" sz="1400" dirty="0"/>
+                        <a:t>1000</a:t>
+                      </a:r>
+                      <a:endParaRPr lang="en-ID" sz="1400" dirty="0"/>
+                    </a:p>
+                  </a:txBody>
+                  <a:tcPr/>
+                </a:tc>
+                <a:tc>
+                  <a:txBody>
+                    <a:bodyPr/>
+                    <a:lstStyle/>
+                    <a:p>
+                      <a:pPr algn="r"/>
+                      <a:r>
+                        <a:rPr lang="en-US" sz="1400" dirty="0"/>
+                        <a:t>100.000</a:t>
+                      </a:r>
+                      <a:endParaRPr lang="en-ID" sz="1400" dirty="0"/>
+                    </a:p>
+                  </a:txBody>
+                  <a:tcPr/>
+                </a:tc>
+                <a:tc>
+                  <a:txBody>
+                    <a:bodyPr/>
+                    <a:lstStyle/>
+                    <a:p>
+                      <a:pPr algn="ctr"/>
+                      <a:r>
+                        <a:rPr lang="en-US" sz="1400" dirty="0">
+                          <a:solidFill>
+                            <a:srgbClr val="FF0000"/>
+                          </a:solidFill>
+                        </a:rPr>
+                        <a:t>Pending</a:t>
+                      </a:r>
+                      <a:endParaRPr lang="en-ID" sz="1400" dirty="0">
+                        <a:solidFill>
+                          <a:srgbClr val="FF0000"/>
+                        </a:solidFill>
+                      </a:endParaRPr>
+                    </a:p>
+                  </a:txBody>
+                  <a:tcPr/>
+                </a:tc>
+                <a:extLst>
+                  <a:ext uri="{0D108BD9-81ED-4DB2-BD59-A6C34878D82A}">
+                    <a16:rowId xmlns:a16="http://schemas.microsoft.com/office/drawing/2014/main" val="107401764"/>
+                  </a:ext>
+                </a:extLst>
+              </a:tr>
+              <a:tr h="370840">
+                <a:tc>
+                  <a:txBody>
+                    <a:bodyPr/>
+                    <a:lstStyle/>
+                    <a:p>
+                      <a:pPr algn="ctr"/>
+                      <a:r>
+                        <a:rPr lang="en-US" sz="1400" dirty="0"/>
+                        <a:t>2</a:t>
+                      </a:r>
+                      <a:endParaRPr lang="en-ID" sz="1400" dirty="0"/>
+                    </a:p>
+                  </a:txBody>
+                  <a:tcPr/>
+                </a:tc>
+                <a:tc>
+                  <a:txBody>
+                    <a:bodyPr/>
+                    <a:lstStyle/>
+                    <a:p>
+                      <a:r>
+                        <a:rPr lang="en-US" sz="1400" dirty="0"/>
+                        <a:t>TRX 2</a:t>
+                      </a:r>
+                      <a:endParaRPr lang="en-ID" sz="1400" dirty="0"/>
+                    </a:p>
+                  </a:txBody>
+                  <a:tcPr/>
+                </a:tc>
+                <a:tc>
+                  <a:txBody>
+                    <a:bodyPr/>
+                    <a:lstStyle/>
+                    <a:p>
+                      <a:r>
+                        <a:rPr lang="en-US" sz="1400" b="0" kern="1200" dirty="0">
+                          <a:solidFill>
+                            <a:schemeClr val="dk1"/>
+                          </a:solidFill>
+                          <a:effectLst/>
+                        </a:rPr>
+                        <a:t>Tue, 7 Jan 25 14:48</a:t>
+                      </a:r>
+                      <a:endParaRPr lang="en-ID" sz="1400" dirty="0"/>
+                    </a:p>
+                  </a:txBody>
+                  <a:tcPr/>
+                </a:tc>
+                <a:tc>
+                  <a:txBody>
+                    <a:bodyPr/>
+                    <a:lstStyle/>
+                    <a:p>
+                      <a:pPr marL="0" marR="0" lvl="0" indent="0" algn="l" defTabSz="914400" rtl="0" eaLnBrk="1" fontAlgn="auto" latinLnBrk="0" hangingPunct="1">
+                        <a:lnSpc>
+                          <a:spcPct val="100000"/>
+                        </a:lnSpc>
+                        <a:spcBef>
+                          <a:spcPts val="0"/>
+                        </a:spcBef>
+                        <a:spcAft>
+                          <a:spcPts val="0"/>
+                        </a:spcAft>
+                        <a:buClrTx/>
+                        <a:buSzTx/>
+                        <a:buFontTx/>
+                        <a:buNone/>
+                        <a:tabLst/>
+                        <a:defRPr/>
+                      </a:pPr>
+                      <a:r>
+                        <a:rPr lang="en-US" sz="1400" dirty="0"/>
+                        <a:t>Eric </a:t>
+                      </a:r>
+                      <a:r>
+                        <a:rPr lang="en-US" sz="1400" dirty="0" err="1"/>
+                        <a:t>Cantona</a:t>
+                      </a:r>
+                      <a:endParaRPr lang="en-ID" sz="1400" dirty="0"/>
+                    </a:p>
+                  </a:txBody>
+                  <a:tcPr/>
+                </a:tc>
+                <a:tc>
+                  <a:txBody>
+                    <a:bodyPr/>
+                    <a:lstStyle/>
+                    <a:p>
+                      <a:pPr marL="0" marR="0" lvl="0" indent="0" algn="l" defTabSz="914400" rtl="0" eaLnBrk="1" fontAlgn="auto" latinLnBrk="0" hangingPunct="1">
+                        <a:lnSpc>
+                          <a:spcPct val="100000"/>
+                        </a:lnSpc>
+                        <a:spcBef>
+                          <a:spcPts val="0"/>
+                        </a:spcBef>
+                        <a:spcAft>
+                          <a:spcPts val="0"/>
+                        </a:spcAft>
+                        <a:buClrTx/>
+                        <a:buSzTx/>
+                        <a:buFontTx/>
+                        <a:buNone/>
+                        <a:tabLst/>
+                        <a:defRPr/>
+                      </a:pPr>
+                      <a:r>
+                        <a:rPr lang="en-US" sz="1400" dirty="0"/>
+                        <a:t>Other</a:t>
+                      </a:r>
+                      <a:endParaRPr lang="en-ID" sz="1400" dirty="0"/>
+                    </a:p>
+                  </a:txBody>
+                  <a:tcPr/>
+                </a:tc>
+                <a:tc>
+                  <a:txBody>
+                    <a:bodyPr/>
+                    <a:lstStyle/>
+                    <a:p>
+                      <a:pPr algn="r"/>
+                      <a:r>
+                        <a:rPr lang="en-US" sz="1400" dirty="0"/>
+                        <a:t>2000</a:t>
+                      </a:r>
+                      <a:endParaRPr lang="en-ID" sz="1400" dirty="0"/>
+                    </a:p>
+                  </a:txBody>
+                  <a:tcPr/>
+                </a:tc>
+                <a:tc>
+                  <a:txBody>
+                    <a:bodyPr/>
+                    <a:lstStyle/>
+                    <a:p>
+                      <a:pPr algn="r"/>
+                      <a:r>
+                        <a:rPr lang="en-US" sz="1400" dirty="0"/>
+                        <a:t>100.000</a:t>
+                      </a:r>
+                      <a:endParaRPr lang="en-ID" sz="1400" dirty="0"/>
+                    </a:p>
+                  </a:txBody>
+                  <a:tcPr/>
+                </a:tc>
+                <a:tc>
+                  <a:txBody>
+                    <a:bodyPr/>
+                    <a:lstStyle/>
+                    <a:p>
+                      <a:pPr algn="ctr"/>
+                      <a:r>
+                        <a:rPr lang="en-US" sz="1400" dirty="0">
+                          <a:solidFill>
+                            <a:srgbClr val="00B050"/>
+                          </a:solidFill>
+                        </a:rPr>
+                        <a:t>Approved</a:t>
+                      </a:r>
+                      <a:endParaRPr lang="en-ID" sz="1400" dirty="0">
+                        <a:solidFill>
+                          <a:srgbClr val="00B050"/>
+                        </a:solidFill>
+                      </a:endParaRPr>
+                    </a:p>
+                  </a:txBody>
+                  <a:tcPr/>
+                </a:tc>
+                <a:extLst>
+                  <a:ext uri="{0D108BD9-81ED-4DB2-BD59-A6C34878D82A}">
+                    <a16:rowId xmlns:a16="http://schemas.microsoft.com/office/drawing/2014/main" val="788250398"/>
+                  </a:ext>
+                </a:extLst>
+              </a:tr>
+            </a:tbl>
+          </a:graphicData>
+        </a:graphic>
+      </p:graphicFrame>
+      <p:sp>
+        <p:nvSpPr>
+          <p:cNvPr id="19" name="TextBox 18">
+            <a:extLst>
+              <a:ext uri="{FF2B5EF4-FFF2-40B4-BE49-F238E27FC236}">
+                <a16:creationId xmlns:a16="http://schemas.microsoft.com/office/drawing/2014/main" id="{83752F8D-13DE-4695-8377-1671CEE6D98A}"/>
+              </a:ext>
+            </a:extLst>
+          </p:cNvPr>
+          <p:cNvSpPr txBox="1"/>
+          <p:nvPr/>
+        </p:nvSpPr>
+        <p:spPr>
+          <a:xfrm>
+            <a:off x="812800" y="1990125"/>
+            <a:ext cx="3062514" cy="307777"/>
+          </a:xfrm>
+          <a:prstGeom prst="rect">
+            <a:avLst/>
+          </a:prstGeom>
+          <a:noFill/>
+        </p:spPr>
+        <p:txBody>
+          <a:bodyPr wrap="square" rtlCol="0">
+            <a:spAutoFit/>
+          </a:bodyPr>
+          <a:lstStyle/>
+          <a:p>
+            <a:r>
+              <a:rPr lang="en-US" sz="1400" b="1" dirty="0"/>
+              <a:t>Search Form</a:t>
+            </a:r>
+            <a:endParaRPr lang="en-ID" sz="1400" b="1" dirty="0"/>
+          </a:p>
+        </p:txBody>
+      </p:sp>
+      <p:sp>
+        <p:nvSpPr>
+          <p:cNvPr id="24" name="TextBox 23">
+            <a:extLst>
+              <a:ext uri="{FF2B5EF4-FFF2-40B4-BE49-F238E27FC236}">
+                <a16:creationId xmlns:a16="http://schemas.microsoft.com/office/drawing/2014/main" id="{4838E431-7C75-4D72-AED9-80C0E6FFC3AF}"/>
+              </a:ext>
+            </a:extLst>
+          </p:cNvPr>
+          <p:cNvSpPr txBox="1"/>
+          <p:nvPr/>
+        </p:nvSpPr>
+        <p:spPr>
+          <a:xfrm>
+            <a:off x="0" y="0"/>
+            <a:ext cx="6546574" cy="646331"/>
+          </a:xfrm>
+          <a:prstGeom prst="rect">
+            <a:avLst/>
+          </a:prstGeom>
+          <a:solidFill>
+            <a:schemeClr val="accent4">
+              <a:lumMod val="20000"/>
+              <a:lumOff val="80000"/>
+            </a:schemeClr>
+          </a:solidFill>
+          <a:ln>
+            <a:solidFill>
+              <a:schemeClr val="accent4">
+                <a:lumMod val="60000"/>
+                <a:lumOff val="40000"/>
+              </a:schemeClr>
+            </a:solidFill>
+          </a:ln>
+          <a:effectLst>
+            <a:outerShdw blurRad="50800" dist="38100" dir="2700000" algn="tl" rotWithShape="0">
+              <a:prstClr val="black">
+                <a:alpha val="40000"/>
+              </a:prstClr>
+            </a:outerShdw>
+          </a:effectLst>
+        </p:spPr>
+        <p:txBody>
+          <a:bodyPr wrap="square" rtlCol="0">
+            <a:spAutoFit/>
+          </a:bodyPr>
+          <a:lstStyle/>
+          <a:p>
+            <a:r>
+              <a:rPr lang="en-US" dirty="0">
+                <a:solidFill>
+                  <a:schemeClr val="bg1">
+                    <a:lumMod val="65000"/>
+                  </a:schemeClr>
+                </a:solidFill>
+              </a:rPr>
+              <a:t>Show all transaction for member. Only transactions belonging to that member are displayed</a:t>
+            </a:r>
+            <a:endParaRPr lang="en-ID" dirty="0">
+              <a:solidFill>
+                <a:schemeClr val="bg1">
+                  <a:lumMod val="65000"/>
+                </a:schemeClr>
+              </a:solidFill>
+            </a:endParaRPr>
+          </a:p>
+        </p:txBody>
+      </p:sp>
+      <p:sp>
+        <p:nvSpPr>
+          <p:cNvPr id="25" name="TextBox 24">
+            <a:extLst>
+              <a:ext uri="{FF2B5EF4-FFF2-40B4-BE49-F238E27FC236}">
+                <a16:creationId xmlns:a16="http://schemas.microsoft.com/office/drawing/2014/main" id="{0717A534-D6DE-4196-BA30-869D9D4745B4}"/>
+              </a:ext>
+            </a:extLst>
+          </p:cNvPr>
+          <p:cNvSpPr txBox="1"/>
+          <p:nvPr/>
+        </p:nvSpPr>
+        <p:spPr>
+          <a:xfrm>
+            <a:off x="812800" y="1253143"/>
+            <a:ext cx="1311966" cy="369332"/>
+          </a:xfrm>
+          <a:prstGeom prst="rect">
+            <a:avLst/>
+          </a:prstGeom>
+          <a:noFill/>
+        </p:spPr>
+        <p:txBody>
+          <a:bodyPr wrap="square" rtlCol="0">
+            <a:spAutoFit/>
+          </a:bodyPr>
+          <a:lstStyle/>
+          <a:p>
+            <a:r>
+              <a:rPr lang="en-US" dirty="0"/>
+              <a:t>Hi, Sandra</a:t>
+            </a:r>
+            <a:endParaRPr lang="en-ID" dirty="0"/>
+          </a:p>
+        </p:txBody>
+      </p:sp>
+      <p:sp>
+        <p:nvSpPr>
+          <p:cNvPr id="26" name="Rectangle: Rounded Corners 25">
+            <a:extLst>
+              <a:ext uri="{FF2B5EF4-FFF2-40B4-BE49-F238E27FC236}">
+                <a16:creationId xmlns:a16="http://schemas.microsoft.com/office/drawing/2014/main" id="{4E784C02-7693-47C5-94FC-63FA7D510630}"/>
+              </a:ext>
+            </a:extLst>
+          </p:cNvPr>
+          <p:cNvSpPr/>
+          <p:nvPr/>
+        </p:nvSpPr>
+        <p:spPr>
+          <a:xfrm>
+            <a:off x="1857829" y="3122816"/>
+            <a:ext cx="1240971" cy="354842"/>
+          </a:xfrm>
+          <a:prstGeom prst="roundRect">
+            <a:avLst/>
+          </a:prstGeom>
+        </p:spPr>
+        <p:style>
+          <a:lnRef idx="2">
+            <a:schemeClr val="accent6">
+              <a:shade val="50000"/>
+            </a:schemeClr>
+          </a:lnRef>
+          <a:fillRef idx="1">
+            <a:schemeClr val="accent6"/>
+          </a:fillRef>
+          <a:effectRef idx="0">
+            <a:schemeClr val="accent6"/>
+          </a:effectRef>
+          <a:fontRef idx="minor">
+            <a:schemeClr val="lt1"/>
+          </a:fontRef>
+        </p:style>
+        <p:txBody>
+          <a:bodyPr rtlCol="0" anchor="ctr"/>
+          <a:lstStyle/>
+          <a:p>
+            <a:pPr algn="ctr"/>
+            <a:r>
+              <a:rPr lang="en-US" sz="1400" dirty="0"/>
+              <a:t>Search</a:t>
+            </a:r>
+            <a:endParaRPr lang="en-ID" sz="1400" dirty="0"/>
+          </a:p>
+        </p:txBody>
+      </p:sp>
+      <p:sp>
+        <p:nvSpPr>
+          <p:cNvPr id="27" name="TextBox 26">
+            <a:extLst>
+              <a:ext uri="{FF2B5EF4-FFF2-40B4-BE49-F238E27FC236}">
+                <a16:creationId xmlns:a16="http://schemas.microsoft.com/office/drawing/2014/main" id="{11521B28-B649-450D-B886-7F53A3F759F5}"/>
+              </a:ext>
+            </a:extLst>
+          </p:cNvPr>
+          <p:cNvSpPr txBox="1"/>
+          <p:nvPr/>
+        </p:nvSpPr>
+        <p:spPr>
+          <a:xfrm>
+            <a:off x="815072" y="2740499"/>
+            <a:ext cx="3062514" cy="307777"/>
+          </a:xfrm>
+          <a:prstGeom prst="rect">
+            <a:avLst/>
+          </a:prstGeom>
+          <a:noFill/>
+        </p:spPr>
+        <p:txBody>
+          <a:bodyPr wrap="square" rtlCol="0">
+            <a:spAutoFit/>
+          </a:bodyPr>
+          <a:lstStyle/>
+          <a:p>
+            <a:r>
+              <a:rPr lang="en-US" sz="1400" dirty="0"/>
+              <a:t>Trans ID</a:t>
+            </a:r>
+            <a:endParaRPr lang="en-ID" sz="1400" dirty="0"/>
+          </a:p>
+        </p:txBody>
+      </p:sp>
+      <p:sp>
+        <p:nvSpPr>
+          <p:cNvPr id="28" name="Rectangle 27">
+            <a:extLst>
+              <a:ext uri="{FF2B5EF4-FFF2-40B4-BE49-F238E27FC236}">
+                <a16:creationId xmlns:a16="http://schemas.microsoft.com/office/drawing/2014/main" id="{6BB25EF2-1990-455D-A491-E47850B4E57E}"/>
+              </a:ext>
+            </a:extLst>
+          </p:cNvPr>
+          <p:cNvSpPr/>
+          <p:nvPr/>
+        </p:nvSpPr>
+        <p:spPr>
+          <a:xfrm>
+            <a:off x="1860101" y="2740500"/>
+            <a:ext cx="2481942" cy="307777"/>
+          </a:xfrm>
+          <a:prstGeom prst="rect">
+            <a:avLst/>
+          </a:prstGeom>
+        </p:spPr>
+        <p:style>
+          <a:lnRef idx="2">
+            <a:schemeClr val="accent6"/>
+          </a:lnRef>
+          <a:fillRef idx="1">
+            <a:schemeClr val="lt1"/>
+          </a:fillRef>
+          <a:effectRef idx="0">
+            <a:schemeClr val="accent6"/>
+          </a:effectRef>
+          <a:fontRef idx="minor">
+            <a:schemeClr val="dk1"/>
+          </a:fontRef>
+        </p:style>
+        <p:txBody>
+          <a:bodyPr rtlCol="0" anchor="ctr"/>
+          <a:lstStyle/>
+          <a:p>
+            <a:pPr algn="ctr"/>
+            <a:endParaRPr lang="en-ID"/>
+          </a:p>
+        </p:txBody>
+      </p:sp>
+      <p:sp>
+        <p:nvSpPr>
+          <p:cNvPr id="22" name="TextBox 21">
+            <a:extLst>
+              <a:ext uri="{FF2B5EF4-FFF2-40B4-BE49-F238E27FC236}">
+                <a16:creationId xmlns:a16="http://schemas.microsoft.com/office/drawing/2014/main" id="{FCD9D837-59AA-4A16-8296-C1349FA4D894}"/>
+              </a:ext>
+            </a:extLst>
+          </p:cNvPr>
+          <p:cNvSpPr txBox="1"/>
+          <p:nvPr/>
+        </p:nvSpPr>
+        <p:spPr>
+          <a:xfrm>
+            <a:off x="7470864" y="743851"/>
+            <a:ext cx="1714081" cy="369332"/>
+          </a:xfrm>
+          <a:prstGeom prst="rect">
+            <a:avLst/>
+          </a:prstGeom>
+          <a:noFill/>
+        </p:spPr>
+        <p:txBody>
+          <a:bodyPr wrap="square" rtlCol="0">
+            <a:spAutoFit/>
+          </a:bodyPr>
+          <a:lstStyle/>
+          <a:p>
+            <a:r>
+              <a:rPr lang="en-US" dirty="0"/>
+              <a:t>QR Code</a:t>
+            </a:r>
+            <a:endParaRPr lang="en-ID" dirty="0"/>
+          </a:p>
+        </p:txBody>
+      </p:sp>
+      <p:sp>
+        <p:nvSpPr>
+          <p:cNvPr id="30" name="TextBox 29">
+            <a:extLst>
+              <a:ext uri="{FF2B5EF4-FFF2-40B4-BE49-F238E27FC236}">
+                <a16:creationId xmlns:a16="http://schemas.microsoft.com/office/drawing/2014/main" id="{465291AD-66FD-4D87-9C0C-AA495DE9BC5A}"/>
+              </a:ext>
+            </a:extLst>
+          </p:cNvPr>
+          <p:cNvSpPr txBox="1"/>
+          <p:nvPr/>
+        </p:nvSpPr>
+        <p:spPr>
+          <a:xfrm>
+            <a:off x="6096000" y="745975"/>
+            <a:ext cx="1714081" cy="369332"/>
+          </a:xfrm>
+          <a:prstGeom prst="rect">
+            <a:avLst/>
+          </a:prstGeom>
+          <a:noFill/>
+        </p:spPr>
+        <p:txBody>
+          <a:bodyPr wrap="square" rtlCol="0">
+            <a:spAutoFit/>
+          </a:bodyPr>
+          <a:lstStyle/>
+          <a:p>
+            <a:r>
+              <a:rPr lang="en-US" dirty="0"/>
+              <a:t>My Profile</a:t>
+            </a:r>
+            <a:endParaRPr lang="en-ID" dirty="0"/>
+          </a:p>
+        </p:txBody>
+      </p:sp>
+      <p:sp>
+        <p:nvSpPr>
+          <p:cNvPr id="31" name="TextBox 30">
+            <a:extLst>
+              <a:ext uri="{FF2B5EF4-FFF2-40B4-BE49-F238E27FC236}">
+                <a16:creationId xmlns:a16="http://schemas.microsoft.com/office/drawing/2014/main" id="{D000E93D-8CDD-46CE-A2F6-1ED440E6E1E8}"/>
+              </a:ext>
+            </a:extLst>
+          </p:cNvPr>
+          <p:cNvSpPr txBox="1"/>
+          <p:nvPr/>
+        </p:nvSpPr>
+        <p:spPr>
+          <a:xfrm>
+            <a:off x="812800" y="2368784"/>
+            <a:ext cx="3062514" cy="307777"/>
+          </a:xfrm>
+          <a:prstGeom prst="rect">
+            <a:avLst/>
+          </a:prstGeom>
+          <a:noFill/>
+        </p:spPr>
+        <p:txBody>
+          <a:bodyPr wrap="square" rtlCol="0">
+            <a:spAutoFit/>
+          </a:bodyPr>
+          <a:lstStyle/>
+          <a:p>
+            <a:r>
+              <a:rPr lang="en-US" sz="1400" dirty="0"/>
+              <a:t>Date</a:t>
+            </a:r>
+            <a:endParaRPr lang="en-ID" sz="1400" dirty="0"/>
+          </a:p>
+        </p:txBody>
+      </p:sp>
+      <p:sp>
+        <p:nvSpPr>
+          <p:cNvPr id="32" name="Rectangle 31">
+            <a:extLst>
+              <a:ext uri="{FF2B5EF4-FFF2-40B4-BE49-F238E27FC236}">
+                <a16:creationId xmlns:a16="http://schemas.microsoft.com/office/drawing/2014/main" id="{B95E94F5-7D7F-468F-9335-E7A316B78A52}"/>
+              </a:ext>
+            </a:extLst>
+          </p:cNvPr>
+          <p:cNvSpPr/>
+          <p:nvPr/>
+        </p:nvSpPr>
+        <p:spPr>
+          <a:xfrm>
+            <a:off x="1857829" y="2356085"/>
+            <a:ext cx="1152071" cy="307777"/>
+          </a:xfrm>
+          <a:prstGeom prst="rect">
+            <a:avLst/>
+          </a:prstGeom>
+        </p:spPr>
+        <p:style>
+          <a:lnRef idx="2">
+            <a:schemeClr val="accent6"/>
+          </a:lnRef>
+          <a:fillRef idx="1">
+            <a:schemeClr val="lt1"/>
+          </a:fillRef>
+          <a:effectRef idx="0">
+            <a:schemeClr val="accent6"/>
+          </a:effectRef>
+          <a:fontRef idx="minor">
+            <a:schemeClr val="dk1"/>
+          </a:fontRef>
+        </p:style>
+        <p:txBody>
+          <a:bodyPr rtlCol="0" anchor="ctr"/>
+          <a:lstStyle/>
+          <a:p>
+            <a:r>
+              <a:rPr lang="en-US" sz="1400" dirty="0"/>
+              <a:t>From</a:t>
+            </a:r>
+            <a:endParaRPr lang="en-ID" sz="1400" dirty="0"/>
+          </a:p>
+        </p:txBody>
+      </p:sp>
+      <p:sp>
+        <p:nvSpPr>
+          <p:cNvPr id="33" name="Rectangle 32">
+            <a:extLst>
+              <a:ext uri="{FF2B5EF4-FFF2-40B4-BE49-F238E27FC236}">
+                <a16:creationId xmlns:a16="http://schemas.microsoft.com/office/drawing/2014/main" id="{08EB8C5D-3924-4F22-B68D-10CF4AE51B1E}"/>
+              </a:ext>
+            </a:extLst>
+          </p:cNvPr>
+          <p:cNvSpPr/>
+          <p:nvPr/>
+        </p:nvSpPr>
+        <p:spPr>
+          <a:xfrm>
+            <a:off x="3098800" y="2356798"/>
+            <a:ext cx="1240971" cy="307777"/>
+          </a:xfrm>
+          <a:prstGeom prst="rect">
+            <a:avLst/>
+          </a:prstGeom>
+        </p:spPr>
+        <p:style>
+          <a:lnRef idx="2">
+            <a:schemeClr val="accent6"/>
+          </a:lnRef>
+          <a:fillRef idx="1">
+            <a:schemeClr val="lt1"/>
+          </a:fillRef>
+          <a:effectRef idx="0">
+            <a:schemeClr val="accent6"/>
+          </a:effectRef>
+          <a:fontRef idx="minor">
+            <a:schemeClr val="dk1"/>
+          </a:fontRef>
+        </p:style>
+        <p:txBody>
+          <a:bodyPr rtlCol="0" anchor="ctr"/>
+          <a:lstStyle/>
+          <a:p>
+            <a:r>
+              <a:rPr lang="en-US" sz="1400" dirty="0"/>
+              <a:t>to</a:t>
+            </a:r>
+            <a:endParaRPr lang="en-ID" sz="1400" dirty="0"/>
+          </a:p>
+        </p:txBody>
+      </p:sp>
+      <p:graphicFrame>
+        <p:nvGraphicFramePr>
+          <p:cNvPr id="34" name="Table 33">
+            <a:extLst>
+              <a:ext uri="{FF2B5EF4-FFF2-40B4-BE49-F238E27FC236}">
+                <a16:creationId xmlns:a16="http://schemas.microsoft.com/office/drawing/2014/main" id="{980FFF6E-3690-4ABF-A47E-350E4D627FBF}"/>
+              </a:ext>
+            </a:extLst>
+          </p:cNvPr>
+          <p:cNvGraphicFramePr>
+            <a:graphicFrameLocks noGrp="1"/>
+          </p:cNvGraphicFramePr>
+          <p:nvPr>
+            <p:extLst>
+              <p:ext uri="{D42A27DB-BD31-4B8C-83A1-F6EECF244321}">
+                <p14:modId xmlns:p14="http://schemas.microsoft.com/office/powerpoint/2010/main" val="2713617086"/>
+              </p:ext>
+            </p:extLst>
+          </p:nvPr>
+        </p:nvGraphicFramePr>
+        <p:xfrm>
+          <a:off x="313899" y="5248057"/>
+          <a:ext cx="9630201" cy="370840"/>
+        </p:xfrm>
+        <a:graphic>
+          <a:graphicData uri="http://schemas.openxmlformats.org/drawingml/2006/table">
+            <a:tbl>
+              <a:tblPr firstRow="1" bandRow="1">
+                <a:tableStyleId>{68D230F3-CF80-4859-8CE7-A43EE81993B5}</a:tableStyleId>
+              </a:tblPr>
+              <a:tblGrid>
+                <a:gridCol w="6866524">
+                  <a:extLst>
+                    <a:ext uri="{9D8B030D-6E8A-4147-A177-3AD203B41FA5}">
+                      <a16:colId xmlns:a16="http://schemas.microsoft.com/office/drawing/2014/main" val="499632271"/>
+                    </a:ext>
+                  </a:extLst>
+                </a:gridCol>
+                <a:gridCol w="1379377">
+                  <a:extLst>
+                    <a:ext uri="{9D8B030D-6E8A-4147-A177-3AD203B41FA5}">
+                      <a16:colId xmlns:a16="http://schemas.microsoft.com/office/drawing/2014/main" val="1114575473"/>
+                    </a:ext>
+                  </a:extLst>
+                </a:gridCol>
+                <a:gridCol w="1384300">
+                  <a:extLst>
+                    <a:ext uri="{9D8B030D-6E8A-4147-A177-3AD203B41FA5}">
+                      <a16:colId xmlns:a16="http://schemas.microsoft.com/office/drawing/2014/main" val="1005342953"/>
+                    </a:ext>
+                  </a:extLst>
+                </a:gridCol>
+              </a:tblGrid>
+              <a:tr h="370840">
+                <a:tc>
+                  <a:txBody>
+                    <a:bodyPr/>
+                    <a:lstStyle/>
+                    <a:p>
+                      <a:pPr algn="l"/>
+                      <a:r>
+                        <a:rPr lang="en-US" dirty="0"/>
+                        <a:t>Total transaction</a:t>
+                      </a:r>
+                      <a:endParaRPr lang="en-ID" dirty="0"/>
+                    </a:p>
+                  </a:txBody>
+                  <a:tcPr/>
+                </a:tc>
+                <a:tc>
+                  <a:txBody>
+                    <a:bodyPr/>
+                    <a:lstStyle/>
+                    <a:p>
+                      <a:pPr algn="r"/>
+                      <a:r>
+                        <a:rPr lang="en-US" sz="1400" dirty="0"/>
+                        <a:t>3.000</a:t>
+                      </a:r>
+                      <a:endParaRPr lang="en-ID" sz="1400" dirty="0"/>
+                    </a:p>
+                  </a:txBody>
+                  <a:tcPr/>
+                </a:tc>
+                <a:tc>
+                  <a:txBody>
+                    <a:bodyPr/>
+                    <a:lstStyle/>
+                    <a:p>
+                      <a:pPr algn="r"/>
+                      <a:r>
+                        <a:rPr lang="en-US" sz="1400" dirty="0"/>
+                        <a:t>200.000</a:t>
+                      </a:r>
+                      <a:endParaRPr lang="en-ID" sz="1400" dirty="0"/>
+                    </a:p>
+                  </a:txBody>
+                  <a:tcPr/>
+                </a:tc>
+                <a:extLst>
+                  <a:ext uri="{0D108BD9-81ED-4DB2-BD59-A6C34878D82A}">
+                    <a16:rowId xmlns:a16="http://schemas.microsoft.com/office/drawing/2014/main" val="1274030039"/>
+                  </a:ext>
+                </a:extLst>
+              </a:tr>
+            </a:tbl>
+          </a:graphicData>
+        </a:graphic>
+      </p:graphicFrame>
+    </p:spTree>
+    <p:extLst>
+      <p:ext uri="{BB962C8B-B14F-4D97-AF65-F5344CB8AC3E}">
+        <p14:creationId xmlns:p14="http://schemas.microsoft.com/office/powerpoint/2010/main" val="2347048930"/>
+      </p:ext>
+    </p:extLst>
+  </p:cSld>
+  <p:clrMapOvr>
+    <a:masterClrMapping/>
+  </p:clrMapOvr>
+</p:sld>
+</file>
+
+<file path=ppt/slides/slide9.xml><?xml version="1.0" encoding="utf-8"?>
+<p:sld xmlns:a="http://schemas.openxmlformats.org/drawingml/2006/main" xmlns:r="http://schemas.openxmlformats.org/officeDocument/2006/relationships" xmlns:p="http://schemas.openxmlformats.org/presentationml/2006/main">
+  <p:cSld>
+    <p:spTree>
+      <p:nvGrpSpPr>
+        <p:cNvPr id="1" name=""/>
+        <p:cNvGrpSpPr/>
+        <p:nvPr/>
+      </p:nvGrpSpPr>
+      <p:grpSpPr>
+        <a:xfrm>
+          <a:off x="0" y="0"/>
+          <a:ext cx="0" cy="0"/>
+          <a:chOff x="0" y="0"/>
+          <a:chExt cx="0" cy="0"/>
+        </a:xfrm>
+      </p:grpSpPr>
+      <p:sp>
+        <p:nvSpPr>
+          <p:cNvPr id="4" name="TextBox 3">
+            <a:extLst>
+              <a:ext uri="{FF2B5EF4-FFF2-40B4-BE49-F238E27FC236}">
+                <a16:creationId xmlns:a16="http://schemas.microsoft.com/office/drawing/2014/main" id="{58573E4E-8B92-464C-A313-BEBD5DA96CDD}"/>
+              </a:ext>
+            </a:extLst>
+          </p:cNvPr>
+          <p:cNvSpPr txBox="1"/>
+          <p:nvPr/>
+        </p:nvSpPr>
+        <p:spPr>
+          <a:xfrm>
+            <a:off x="689112" y="593828"/>
+            <a:ext cx="4678018" cy="646331"/>
+          </a:xfrm>
+          <a:prstGeom prst="rect">
+            <a:avLst/>
+          </a:prstGeom>
+          <a:noFill/>
+        </p:spPr>
+        <p:txBody>
+          <a:bodyPr wrap="square" rtlCol="0">
+            <a:spAutoFit/>
+          </a:bodyPr>
+          <a:lstStyle/>
+          <a:p>
+            <a:r>
+              <a:rPr lang="en-US" sz="3600" dirty="0"/>
+              <a:t>My QR Code</a:t>
+            </a:r>
+            <a:endParaRPr lang="en-ID" sz="3600" dirty="0"/>
+          </a:p>
+        </p:txBody>
+      </p:sp>
+      <p:sp>
+        <p:nvSpPr>
+          <p:cNvPr id="5" name="TextBox 4">
+            <a:extLst>
+              <a:ext uri="{FF2B5EF4-FFF2-40B4-BE49-F238E27FC236}">
+                <a16:creationId xmlns:a16="http://schemas.microsoft.com/office/drawing/2014/main" id="{B3B69308-61CD-4618-8691-C41090DE6E85}"/>
+              </a:ext>
+            </a:extLst>
+          </p:cNvPr>
+          <p:cNvSpPr txBox="1"/>
+          <p:nvPr/>
+        </p:nvSpPr>
+        <p:spPr>
+          <a:xfrm>
+            <a:off x="8761863" y="743851"/>
+            <a:ext cx="1714081" cy="369332"/>
+          </a:xfrm>
+          <a:prstGeom prst="rect">
+            <a:avLst/>
+          </a:prstGeom>
+          <a:noFill/>
+        </p:spPr>
+        <p:txBody>
+          <a:bodyPr wrap="square" rtlCol="0">
+            <a:spAutoFit/>
+          </a:bodyPr>
+          <a:lstStyle/>
+          <a:p>
+            <a:r>
+              <a:rPr lang="en-US" dirty="0"/>
+              <a:t>My Transaction</a:t>
+            </a:r>
+            <a:endParaRPr lang="en-ID" dirty="0"/>
+          </a:p>
+        </p:txBody>
+      </p:sp>
+      <p:sp>
+        <p:nvSpPr>
+          <p:cNvPr id="7" name="TextBox 6">
+            <a:extLst>
+              <a:ext uri="{FF2B5EF4-FFF2-40B4-BE49-F238E27FC236}">
+                <a16:creationId xmlns:a16="http://schemas.microsoft.com/office/drawing/2014/main" id="{5C09185B-C102-4DA4-BD0A-A95762DE3047}"/>
+              </a:ext>
+            </a:extLst>
+          </p:cNvPr>
+          <p:cNvSpPr txBox="1"/>
+          <p:nvPr/>
+        </p:nvSpPr>
+        <p:spPr>
+          <a:xfrm>
+            <a:off x="10701129" y="743851"/>
+            <a:ext cx="1311966" cy="369332"/>
+          </a:xfrm>
+          <a:prstGeom prst="rect">
+            <a:avLst/>
+          </a:prstGeom>
+          <a:noFill/>
+        </p:spPr>
+        <p:txBody>
+          <a:bodyPr wrap="square" rtlCol="0">
+            <a:spAutoFit/>
+          </a:bodyPr>
+          <a:lstStyle/>
+          <a:p>
+            <a:r>
+              <a:rPr lang="en-US" dirty="0"/>
+              <a:t>Logout</a:t>
+            </a:r>
+            <a:endParaRPr lang="en-ID" dirty="0"/>
+          </a:p>
+        </p:txBody>
+      </p:sp>
+      <p:sp>
+        <p:nvSpPr>
+          <p:cNvPr id="24" name="TextBox 23">
+            <a:extLst>
+              <a:ext uri="{FF2B5EF4-FFF2-40B4-BE49-F238E27FC236}">
+                <a16:creationId xmlns:a16="http://schemas.microsoft.com/office/drawing/2014/main" id="{4838E431-7C75-4D72-AED9-80C0E6FFC3AF}"/>
+              </a:ext>
+            </a:extLst>
+          </p:cNvPr>
+          <p:cNvSpPr txBox="1"/>
+          <p:nvPr/>
+        </p:nvSpPr>
+        <p:spPr>
+          <a:xfrm>
+            <a:off x="0" y="0"/>
+            <a:ext cx="6546574" cy="369332"/>
+          </a:xfrm>
+          <a:prstGeom prst="rect">
+            <a:avLst/>
+          </a:prstGeom>
+          <a:solidFill>
+            <a:schemeClr val="accent4">
+              <a:lumMod val="20000"/>
+              <a:lumOff val="80000"/>
+            </a:schemeClr>
+          </a:solidFill>
+          <a:ln>
+            <a:solidFill>
+              <a:schemeClr val="accent4">
+                <a:lumMod val="60000"/>
+                <a:lumOff val="40000"/>
+              </a:schemeClr>
+            </a:solidFill>
+          </a:ln>
+          <a:effectLst>
+            <a:outerShdw blurRad="50800" dist="38100" dir="2700000" algn="tl" rotWithShape="0">
+              <a:prstClr val="black">
+                <a:alpha val="40000"/>
+              </a:prstClr>
+            </a:outerShdw>
+          </a:effectLst>
+        </p:spPr>
+        <p:txBody>
+          <a:bodyPr wrap="square" rtlCol="0">
+            <a:spAutoFit/>
+          </a:bodyPr>
+          <a:lstStyle/>
+          <a:p>
+            <a:r>
+              <a:rPr lang="en-US" dirty="0">
+                <a:solidFill>
+                  <a:schemeClr val="bg1">
+                    <a:lumMod val="65000"/>
+                  </a:schemeClr>
+                </a:solidFill>
+              </a:rPr>
+              <a:t>Member QR Code. Kiosk will scan this code to identifying member</a:t>
+            </a:r>
+            <a:endParaRPr lang="en-ID" dirty="0">
+              <a:solidFill>
+                <a:schemeClr val="bg1">
+                  <a:lumMod val="65000"/>
+                </a:schemeClr>
+              </a:solidFill>
+            </a:endParaRPr>
+          </a:p>
+        </p:txBody>
+      </p:sp>
+      <p:sp>
+        <p:nvSpPr>
+          <p:cNvPr id="25" name="TextBox 24">
+            <a:extLst>
+              <a:ext uri="{FF2B5EF4-FFF2-40B4-BE49-F238E27FC236}">
+                <a16:creationId xmlns:a16="http://schemas.microsoft.com/office/drawing/2014/main" id="{0717A534-D6DE-4196-BA30-869D9D4745B4}"/>
+              </a:ext>
+            </a:extLst>
+          </p:cNvPr>
+          <p:cNvSpPr txBox="1"/>
+          <p:nvPr/>
+        </p:nvSpPr>
+        <p:spPr>
+          <a:xfrm>
+            <a:off x="812800" y="1253143"/>
+            <a:ext cx="1311966" cy="369332"/>
+          </a:xfrm>
+          <a:prstGeom prst="rect">
+            <a:avLst/>
+          </a:prstGeom>
+          <a:noFill/>
+        </p:spPr>
+        <p:txBody>
+          <a:bodyPr wrap="square" rtlCol="0">
+            <a:spAutoFit/>
+          </a:bodyPr>
+          <a:lstStyle/>
+          <a:p>
+            <a:r>
+              <a:rPr lang="en-US" dirty="0"/>
+              <a:t>Hi, Sandra</a:t>
+            </a:r>
+            <a:endParaRPr lang="en-ID" dirty="0"/>
+          </a:p>
+        </p:txBody>
+      </p:sp>
+      <p:sp>
+        <p:nvSpPr>
+          <p:cNvPr id="22" name="TextBox 21">
+            <a:extLst>
+              <a:ext uri="{FF2B5EF4-FFF2-40B4-BE49-F238E27FC236}">
+                <a16:creationId xmlns:a16="http://schemas.microsoft.com/office/drawing/2014/main" id="{FCD9D837-59AA-4A16-8296-C1349FA4D894}"/>
+              </a:ext>
+            </a:extLst>
+          </p:cNvPr>
+          <p:cNvSpPr txBox="1"/>
+          <p:nvPr/>
+        </p:nvSpPr>
+        <p:spPr>
+          <a:xfrm>
+            <a:off x="7470864" y="743851"/>
+            <a:ext cx="1714081" cy="369332"/>
+          </a:xfrm>
+          <a:prstGeom prst="rect">
+            <a:avLst/>
+          </a:prstGeom>
+          <a:noFill/>
+        </p:spPr>
+        <p:txBody>
+          <a:bodyPr wrap="square" rtlCol="0">
+            <a:spAutoFit/>
+          </a:bodyPr>
+          <a:lstStyle/>
+          <a:p>
+            <a:r>
+              <a:rPr lang="en-US" dirty="0"/>
+              <a:t>QR Code</a:t>
+            </a:r>
+            <a:endParaRPr lang="en-ID" dirty="0"/>
+          </a:p>
+        </p:txBody>
+      </p:sp>
+      <p:pic>
+        <p:nvPicPr>
+          <p:cNvPr id="1026" name="Picture 2">
+            <a:extLst>
+              <a:ext uri="{FF2B5EF4-FFF2-40B4-BE49-F238E27FC236}">
+                <a16:creationId xmlns:a16="http://schemas.microsoft.com/office/drawing/2014/main" id="{747C2DD1-97F2-4B4B-8570-BD17A7775F20}"/>
+              </a:ext>
+            </a:extLst>
+          </p:cNvPr>
+          <p:cNvPicPr>
+            <a:picLocks noChangeAspect="1" noChangeArrowheads="1"/>
+          </p:cNvPicPr>
+          <p:nvPr/>
+        </p:nvPicPr>
+        <p:blipFill>
+          <a:blip r:embed="rId2">
+            <a:extLst>
+              <a:ext uri="{28A0092B-C50C-407E-A947-70E740481C1C}">
+                <a14:useLocalDpi xmlns:a14="http://schemas.microsoft.com/office/drawing/2010/main" val="0"/>
+              </a:ext>
+            </a:extLst>
+          </a:blip>
+          <a:srcRect/>
+          <a:stretch>
+            <a:fillRect/>
+          </a:stretch>
+        </p:blipFill>
+        <p:spPr bwMode="auto">
+          <a:xfrm>
+            <a:off x="812800" y="2046027"/>
+            <a:ext cx="2438400" cy="2438400"/>
+          </a:xfrm>
+          <a:prstGeom prst="rect">
+            <a:avLst/>
+          </a:prstGeom>
+          <a:noFill/>
+          <a:extLst>
+            <a:ext uri="{909E8E84-426E-40DD-AFC4-6F175D3DCCD1}">
+              <a14:hiddenFill xmlns:a14="http://schemas.microsoft.com/office/drawing/2010/main">
+                <a:solidFill>
+                  <a:srgbClr val="FFFFFF"/>
+                </a:solidFill>
+              </a14:hiddenFill>
+            </a:ext>
+          </a:extLst>
+        </p:spPr>
+      </p:pic>
+      <p:sp>
+        <p:nvSpPr>
+          <p:cNvPr id="29" name="TextBox 28">
+            <a:extLst>
+              <a:ext uri="{FF2B5EF4-FFF2-40B4-BE49-F238E27FC236}">
+                <a16:creationId xmlns:a16="http://schemas.microsoft.com/office/drawing/2014/main" id="{B7D59912-D5BB-47CD-9672-0FF6DE6F51CA}"/>
+              </a:ext>
+            </a:extLst>
+          </p:cNvPr>
+          <p:cNvSpPr txBox="1"/>
+          <p:nvPr/>
+        </p:nvSpPr>
+        <p:spPr>
+          <a:xfrm>
+            <a:off x="852226" y="4723313"/>
+            <a:ext cx="2438399" cy="369332"/>
+          </a:xfrm>
+          <a:prstGeom prst="rect">
+            <a:avLst/>
+          </a:prstGeom>
+          <a:noFill/>
+        </p:spPr>
+        <p:txBody>
+          <a:bodyPr wrap="square" rtlCol="0">
+            <a:spAutoFit/>
+          </a:bodyPr>
+          <a:lstStyle/>
+          <a:p>
+            <a:r>
+              <a:rPr lang="en-US" dirty="0"/>
+              <a:t>Show this Code to Kiosk</a:t>
+            </a:r>
+            <a:endParaRPr lang="en-ID" dirty="0"/>
+          </a:p>
+        </p:txBody>
+      </p:sp>
+      <p:sp>
+        <p:nvSpPr>
+          <p:cNvPr id="30" name="TextBox 29">
+            <a:extLst>
+              <a:ext uri="{FF2B5EF4-FFF2-40B4-BE49-F238E27FC236}">
+                <a16:creationId xmlns:a16="http://schemas.microsoft.com/office/drawing/2014/main" id="{E55DC7E3-A4C5-49BA-8661-FE73F2985E5D}"/>
+              </a:ext>
+            </a:extLst>
+          </p:cNvPr>
+          <p:cNvSpPr txBox="1"/>
+          <p:nvPr/>
+        </p:nvSpPr>
+        <p:spPr>
+          <a:xfrm>
+            <a:off x="6096000" y="745975"/>
+            <a:ext cx="1714081" cy="369332"/>
+          </a:xfrm>
+          <a:prstGeom prst="rect">
+            <a:avLst/>
+          </a:prstGeom>
+          <a:noFill/>
+        </p:spPr>
+        <p:txBody>
+          <a:bodyPr wrap="square" rtlCol="0">
+            <a:spAutoFit/>
+          </a:bodyPr>
+          <a:lstStyle/>
+          <a:p>
+            <a:r>
+              <a:rPr lang="en-US" dirty="0"/>
+              <a:t>My Profile</a:t>
+            </a:r>
+            <a:endParaRPr lang="en-ID" dirty="0"/>
+          </a:p>
+        </p:txBody>
+      </p:sp>
+    </p:spTree>
+    <p:extLst>
+      <p:ext uri="{BB962C8B-B14F-4D97-AF65-F5344CB8AC3E}">
+        <p14:creationId xmlns:p14="http://schemas.microsoft.com/office/powerpoint/2010/main" val="377347134"/>
       </p:ext>
     </p:extLst>
   </p:cSld>

--- a/Administrator pages.pptx
+++ b/Administrator pages.pptx
@@ -4039,8 +4039,8 @@
           <a:lstStyle/>
           <a:p>
             <a:r>
-              <a:rPr lang="en-US" b="1" dirty="0"/>
-              <a:t>Update Profile Data</a:t>
+              <a:rPr lang="en-US" b="1"/>
+              <a:t>Update Profile</a:t>
             </a:r>
             <a:endParaRPr lang="en-ID" b="1" dirty="0"/>
           </a:p>
